--- a/Popular Flight Destinations - OG.pptx
+++ b/Popular Flight Destinations - OG.pptx
@@ -1,40 +1,40 @@
 
 <file path=ppt/presentation.xml><?xml version="1.0" encoding="utf-8"?>
-<p:presentation xmlns:a="http://schemas.openxmlformats.org/drawingml/2006/main" xmlns:r="http://schemas.openxmlformats.org/officeDocument/2006/relationships" xmlns:mc="http://schemas.openxmlformats.org/markup-compatibility/2006" xmlns:mv="urn:schemas-microsoft-com:mac:vml" xmlns:p="http://schemas.openxmlformats.org/presentationml/2006/main" xmlns:c="http://schemas.openxmlformats.org/drawingml/2006/chart" xmlns:dgm="http://schemas.openxmlformats.org/drawingml/2006/diagram" xmlns:o="urn:schemas-microsoft-com:office:office" xmlns:v="urn:schemas-microsoft-com:vml" xmlns:pvml="urn:schemas-microsoft-com:office:powerpoint" xmlns:com="http://schemas.openxmlformats.org/drawingml/2006/compatibility" xmlns:p14="http://schemas.microsoft.com/office/powerpoint/2010/main" xmlns:p15="http://schemas.microsoft.com/office/powerpoint/2012/main" autoCompressPictures="0" embedTrueTypeFonts="1" strictFirstAndLastChars="0" saveSubsetFonts="1">
+<p:presentation xmlns:a="http://schemas.openxmlformats.org/drawingml/2006/main" xmlns:r="http://schemas.openxmlformats.org/officeDocument/2006/relationships" xmlns:p="http://schemas.openxmlformats.org/presentationml/2006/main" strictFirstAndLastChars="0" embedTrueTypeFonts="1" saveSubsetFonts="1" autoCompressPictures="0">
   <p:sldMasterIdLst>
-    <p:sldMasterId id="2147483659" r:id="rId4"/>
+    <p:sldMasterId id="2147483659" r:id="rId1"/>
   </p:sldMasterIdLst>
   <p:notesMasterIdLst>
-    <p:notesMasterId r:id="rId5"/>
+    <p:notesMasterId r:id="rId15"/>
   </p:notesMasterIdLst>
   <p:sldIdLst>
-    <p:sldId id="256" r:id="rId6"/>
-    <p:sldId id="257" r:id="rId7"/>
-    <p:sldId id="258" r:id="rId8"/>
-    <p:sldId id="259" r:id="rId9"/>
-    <p:sldId id="260" r:id="rId10"/>
-    <p:sldId id="261" r:id="rId11"/>
-    <p:sldId id="262" r:id="rId12"/>
-    <p:sldId id="263" r:id="rId13"/>
-    <p:sldId id="264" r:id="rId14"/>
-    <p:sldId id="265" r:id="rId15"/>
-    <p:sldId id="266" r:id="rId16"/>
-    <p:sldId id="267" r:id="rId17"/>
-    <p:sldId id="268" r:id="rId18"/>
+    <p:sldId id="256" r:id="rId2"/>
+    <p:sldId id="257" r:id="rId3"/>
+    <p:sldId id="258" r:id="rId4"/>
+    <p:sldId id="259" r:id="rId5"/>
+    <p:sldId id="260" r:id="rId6"/>
+    <p:sldId id="261" r:id="rId7"/>
+    <p:sldId id="262" r:id="rId8"/>
+    <p:sldId id="263" r:id="rId9"/>
+    <p:sldId id="264" r:id="rId10"/>
+    <p:sldId id="265" r:id="rId11"/>
+    <p:sldId id="266" r:id="rId12"/>
+    <p:sldId id="267" r:id="rId13"/>
+    <p:sldId id="268" r:id="rId14"/>
   </p:sldIdLst>
-  <p:sldSz cy="5143500" cx="9144000"/>
+  <p:sldSz cx="9144000" cy="5143500" type="screen16x9"/>
   <p:notesSz cx="6858000" cy="9144000"/>
   <p:embeddedFontLst>
     <p:embeddedFont>
-      <p:font typeface="Proxima Nova"/>
-      <p:regular r:id="rId19"/>
-      <p:bold r:id="rId20"/>
-      <p:italic r:id="rId21"/>
-      <p:boldItalic r:id="rId22"/>
+      <p:font typeface="Proxima Nova" panose="020B0604020202020204" charset="0"/>
+      <p:regular r:id="rId16"/>
+      <p:bold r:id="rId17"/>
+      <p:italic r:id="rId18"/>
+      <p:boldItalic r:id="rId19"/>
     </p:embeddedFont>
   </p:embeddedFontLst>
   <p:defaultTextStyle>
-    <a:defPPr lvl="0" marR="0" rtl="0" algn="l">
+    <a:defPPr marR="0" lvl="0" algn="l" rtl="0">
       <a:lnSpc>
         <a:spcPct val="100000"/>
       </a:lnSpc>
@@ -45,7 +45,7 @@
         <a:spcPts val="0"/>
       </a:spcAft>
     </a:defPPr>
-    <a:lvl1pPr lvl="0" marR="0" rtl="0" algn="l">
+    <a:lvl1pPr marR="0" lvl="0" algn="l" rtl="0">
       <a:lnSpc>
         <a:spcPct val="100000"/>
       </a:lnSpc>
@@ -59,7 +59,7 @@
         <a:srgbClr val="000000"/>
       </a:buClr>
       <a:buFont typeface="Arial"/>
-      <a:defRPr b="0" i="0" sz="1400" u="none" cap="none" strike="noStrike">
+      <a:defRPr sz="1400" b="0" i="0" u="none" strike="noStrike" cap="none">
         <a:solidFill>
           <a:srgbClr val="000000"/>
         </a:solidFill>
@@ -69,7 +69,7 @@
         <a:sym typeface="Arial"/>
       </a:defRPr>
     </a:lvl1pPr>
-    <a:lvl2pPr lvl="1" marR="0" rtl="0" algn="l">
+    <a:lvl2pPr marR="0" lvl="1" algn="l" rtl="0">
       <a:lnSpc>
         <a:spcPct val="100000"/>
       </a:lnSpc>
@@ -83,7 +83,7 @@
         <a:srgbClr val="000000"/>
       </a:buClr>
       <a:buFont typeface="Arial"/>
-      <a:defRPr b="0" i="0" sz="1400" u="none" cap="none" strike="noStrike">
+      <a:defRPr sz="1400" b="0" i="0" u="none" strike="noStrike" cap="none">
         <a:solidFill>
           <a:srgbClr val="000000"/>
         </a:solidFill>
@@ -93,7 +93,7 @@
         <a:sym typeface="Arial"/>
       </a:defRPr>
     </a:lvl2pPr>
-    <a:lvl3pPr lvl="2" marR="0" rtl="0" algn="l">
+    <a:lvl3pPr marR="0" lvl="2" algn="l" rtl="0">
       <a:lnSpc>
         <a:spcPct val="100000"/>
       </a:lnSpc>
@@ -107,7 +107,7 @@
         <a:srgbClr val="000000"/>
       </a:buClr>
       <a:buFont typeface="Arial"/>
-      <a:defRPr b="0" i="0" sz="1400" u="none" cap="none" strike="noStrike">
+      <a:defRPr sz="1400" b="0" i="0" u="none" strike="noStrike" cap="none">
         <a:solidFill>
           <a:srgbClr val="000000"/>
         </a:solidFill>
@@ -117,7 +117,7 @@
         <a:sym typeface="Arial"/>
       </a:defRPr>
     </a:lvl3pPr>
-    <a:lvl4pPr lvl="3" marR="0" rtl="0" algn="l">
+    <a:lvl4pPr marR="0" lvl="3" algn="l" rtl="0">
       <a:lnSpc>
         <a:spcPct val="100000"/>
       </a:lnSpc>
@@ -131,7 +131,7 @@
         <a:srgbClr val="000000"/>
       </a:buClr>
       <a:buFont typeface="Arial"/>
-      <a:defRPr b="0" i="0" sz="1400" u="none" cap="none" strike="noStrike">
+      <a:defRPr sz="1400" b="0" i="0" u="none" strike="noStrike" cap="none">
         <a:solidFill>
           <a:srgbClr val="000000"/>
         </a:solidFill>
@@ -141,7 +141,7 @@
         <a:sym typeface="Arial"/>
       </a:defRPr>
     </a:lvl4pPr>
-    <a:lvl5pPr lvl="4" marR="0" rtl="0" algn="l">
+    <a:lvl5pPr marR="0" lvl="4" algn="l" rtl="0">
       <a:lnSpc>
         <a:spcPct val="100000"/>
       </a:lnSpc>
@@ -155,7 +155,7 @@
         <a:srgbClr val="000000"/>
       </a:buClr>
       <a:buFont typeface="Arial"/>
-      <a:defRPr b="0" i="0" sz="1400" u="none" cap="none" strike="noStrike">
+      <a:defRPr sz="1400" b="0" i="0" u="none" strike="noStrike" cap="none">
         <a:solidFill>
           <a:srgbClr val="000000"/>
         </a:solidFill>
@@ -165,7 +165,7 @@
         <a:sym typeface="Arial"/>
       </a:defRPr>
     </a:lvl5pPr>
-    <a:lvl6pPr lvl="5" marR="0" rtl="0" algn="l">
+    <a:lvl6pPr marR="0" lvl="5" algn="l" rtl="0">
       <a:lnSpc>
         <a:spcPct val="100000"/>
       </a:lnSpc>
@@ -179,7 +179,7 @@
         <a:srgbClr val="000000"/>
       </a:buClr>
       <a:buFont typeface="Arial"/>
-      <a:defRPr b="0" i="0" sz="1400" u="none" cap="none" strike="noStrike">
+      <a:defRPr sz="1400" b="0" i="0" u="none" strike="noStrike" cap="none">
         <a:solidFill>
           <a:srgbClr val="000000"/>
         </a:solidFill>
@@ -189,7 +189,7 @@
         <a:sym typeface="Arial"/>
       </a:defRPr>
     </a:lvl6pPr>
-    <a:lvl7pPr lvl="6" marR="0" rtl="0" algn="l">
+    <a:lvl7pPr marR="0" lvl="6" algn="l" rtl="0">
       <a:lnSpc>
         <a:spcPct val="100000"/>
       </a:lnSpc>
@@ -203,7 +203,7 @@
         <a:srgbClr val="000000"/>
       </a:buClr>
       <a:buFont typeface="Arial"/>
-      <a:defRPr b="0" i="0" sz="1400" u="none" cap="none" strike="noStrike">
+      <a:defRPr sz="1400" b="0" i="0" u="none" strike="noStrike" cap="none">
         <a:solidFill>
           <a:srgbClr val="000000"/>
         </a:solidFill>
@@ -213,7 +213,7 @@
         <a:sym typeface="Arial"/>
       </a:defRPr>
     </a:lvl7pPr>
-    <a:lvl8pPr lvl="7" marR="0" rtl="0" algn="l">
+    <a:lvl8pPr marR="0" lvl="7" algn="l" rtl="0">
       <a:lnSpc>
         <a:spcPct val="100000"/>
       </a:lnSpc>
@@ -227,7 +227,7 @@
         <a:srgbClr val="000000"/>
       </a:buClr>
       <a:buFont typeface="Arial"/>
-      <a:defRPr b="0" i="0" sz="1400" u="none" cap="none" strike="noStrike">
+      <a:defRPr sz="1400" b="0" i="0" u="none" strike="noStrike" cap="none">
         <a:solidFill>
           <a:srgbClr val="000000"/>
         </a:solidFill>
@@ -237,7 +237,7 @@
         <a:sym typeface="Arial"/>
       </a:defRPr>
     </a:lvl8pPr>
-    <a:lvl9pPr lvl="8" marR="0" rtl="0" algn="l">
+    <a:lvl9pPr marR="0" lvl="8" algn="l" rtl="0">
       <a:lnSpc>
         <a:spcPct val="100000"/>
       </a:lnSpc>
@@ -251,7 +251,7 @@
         <a:srgbClr val="000000"/>
       </a:buClr>
       <a:buFont typeface="Arial"/>
-      <a:defRPr b="0" i="0" sz="1400" u="none" cap="none" strike="noStrike">
+      <a:defRPr sz="1400" b="0" i="0" u="none" strike="noStrike" cap="none">
         <a:solidFill>
           <a:srgbClr val="000000"/>
         </a:solidFill>
@@ -264,7 +264,7 @@
   </p:defaultTextStyle>
   <p:extLst>
     <p:ext uri="{EFAFB233-063F-42B5-8137-9DF3F51BA10A}">
-      <p15:sldGuideLst>
+      <p15:sldGuideLst xmlns:p15="http://schemas.microsoft.com/office/powerpoint/2012/main">
         <p15:guide id="1" orient="horz" pos="1620">
           <p15:clr>
             <a:srgbClr val="A4A3A4"/>
@@ -282,11 +282,16 @@
 </file>
 
 <file path=ppt/notesMasters/notesMaster1.xml><?xml version="1.0" encoding="utf-8"?>
-<p:notesMaster xmlns:a="http://schemas.openxmlformats.org/drawingml/2006/main" xmlns:r="http://schemas.openxmlformats.org/officeDocument/2006/relationships" xmlns:mc="http://schemas.openxmlformats.org/markup-compatibility/2006" xmlns:mv="urn:schemas-microsoft-com:mac:vml" xmlns:p="http://schemas.openxmlformats.org/presentationml/2006/main" xmlns:c="http://schemas.openxmlformats.org/drawingml/2006/chart" xmlns:dgm="http://schemas.openxmlformats.org/drawingml/2006/diagram" xmlns:o="urn:schemas-microsoft-com:office:office" xmlns:v="urn:schemas-microsoft-com:vml" xmlns:pvml="urn:schemas-microsoft-com:office:powerpoint" xmlns:com="http://schemas.openxmlformats.org/drawingml/2006/compatibility" xmlns:p14="http://schemas.microsoft.com/office/powerpoint/2010/main" xmlns:p15="http://schemas.microsoft.com/office/powerpoint/2012/main">
+<p:notesMaster xmlns:a="http://schemas.openxmlformats.org/drawingml/2006/main" xmlns:r="http://schemas.openxmlformats.org/officeDocument/2006/relationships" xmlns:p="http://schemas.openxmlformats.org/presentationml/2006/main">
   <p:cSld>
+    <p:bg>
+      <p:bgRef idx="1001">
+        <a:schemeClr val="bg1"/>
+      </p:bgRef>
+    </p:bg>
     <p:spTree>
       <p:nvGrpSpPr>
-        <p:cNvPr id="2" name="Shape 2"/>
+        <p:cNvPr id="1" name="Shape 2"/>
         <p:cNvGrpSpPr/>
         <p:nvPr/>
       </p:nvGrpSpPr>
@@ -301,9 +306,11 @@
       <p:sp>
         <p:nvSpPr>
           <p:cNvPr id="3" name="Google Shape;3;n"/>
-          <p:cNvSpPr/>
+          <p:cNvSpPr>
+            <a:spLocks noGrp="1" noRot="1" noChangeAspect="1"/>
+          </p:cNvSpPr>
           <p:nvPr>
-            <p:ph idx="2" type="sldImg"/>
+            <p:ph type="sldImg" idx="2"/>
           </p:nvPr>
         </p:nvSpPr>
         <p:spPr>
@@ -312,9 +319,13 @@
             <a:ext cx="6096075" cy="3429000"/>
           </a:xfrm>
           <a:custGeom>
-            <a:rect b="b" l="l" r="r" t="t"/>
+            <a:avLst/>
+            <a:gdLst/>
+            <a:ahLst/>
+            <a:cxnLst/>
+            <a:rect l="l" t="t" r="r" b="b"/>
             <a:pathLst>
-              <a:path extrusionOk="0" h="120000" w="120000">
+              <a:path w="120000" h="120000" extrusionOk="0">
                 <a:moveTo>
                   <a:pt x="0" y="0"/>
                 </a:moveTo>
@@ -332,23 +343,25 @@
             </a:pathLst>
           </a:custGeom>
           <a:noFill/>
-          <a:ln cap="flat" cmpd="sng" w="9525">
+          <a:ln w="9525" cap="flat" cmpd="sng">
             <a:solidFill>
               <a:srgbClr val="000000"/>
             </a:solidFill>
             <a:prstDash val="solid"/>
             <a:round/>
-            <a:headEnd len="sm" w="sm" type="none"/>
-            <a:tailEnd len="sm" w="sm" type="none"/>
+            <a:headEnd type="none" w="sm" len="sm"/>
+            <a:tailEnd type="none" w="sm" len="sm"/>
           </a:ln>
         </p:spPr>
       </p:sp>
       <p:sp>
         <p:nvSpPr>
           <p:cNvPr id="4" name="Google Shape;4;n"/>
-          <p:cNvSpPr txBox="1"/>
+          <p:cNvSpPr txBox="1">
+            <a:spLocks noGrp="1"/>
+          </p:cNvSpPr>
           <p:nvPr>
-            <p:ph idx="1" type="body"/>
+            <p:ph type="body" idx="1"/>
           </p:nvPr>
         </p:nvSpPr>
         <p:spPr>
@@ -365,11 +378,11 @@
           </a:ln>
         </p:spPr>
         <p:txBody>
-          <a:bodyPr anchorCtr="0" anchor="t" bIns="91425" lIns="91425" spcFirstLastPara="1" rIns="91425" wrap="square" tIns="91425">
+          <a:bodyPr spcFirstLastPara="1" wrap="square" lIns="91425" tIns="91425" rIns="91425" bIns="91425" anchor="t" anchorCtr="0">
             <a:noAutofit/>
           </a:bodyPr>
           <a:lstStyle>
-            <a:lvl1pPr indent="-298450" lvl="0" marL="457200">
+            <a:lvl1pPr marL="457200" lvl="0" indent="-298450">
               <a:spcBef>
                 <a:spcPts val="0"/>
               </a:spcBef>
@@ -380,7 +393,7 @@
               <a:buChar char="●"/>
               <a:defRPr sz="1100"/>
             </a:lvl1pPr>
-            <a:lvl2pPr indent="-298450" lvl="1" marL="914400">
+            <a:lvl2pPr marL="914400" lvl="1" indent="-298450">
               <a:spcBef>
                 <a:spcPts val="0"/>
               </a:spcBef>
@@ -391,7 +404,7 @@
               <a:buChar char="○"/>
               <a:defRPr sz="1100"/>
             </a:lvl2pPr>
-            <a:lvl3pPr indent="-298450" lvl="2" marL="1371600">
+            <a:lvl3pPr marL="1371600" lvl="2" indent="-298450">
               <a:spcBef>
                 <a:spcPts val="0"/>
               </a:spcBef>
@@ -402,7 +415,7 @@
               <a:buChar char="■"/>
               <a:defRPr sz="1100"/>
             </a:lvl3pPr>
-            <a:lvl4pPr indent="-298450" lvl="3" marL="1828800">
+            <a:lvl4pPr marL="1828800" lvl="3" indent="-298450">
               <a:spcBef>
                 <a:spcPts val="0"/>
               </a:spcBef>
@@ -413,7 +426,7 @@
               <a:buChar char="●"/>
               <a:defRPr sz="1100"/>
             </a:lvl4pPr>
-            <a:lvl5pPr indent="-298450" lvl="4" marL="2286000">
+            <a:lvl5pPr marL="2286000" lvl="4" indent="-298450">
               <a:spcBef>
                 <a:spcPts val="0"/>
               </a:spcBef>
@@ -424,7 +437,7 @@
               <a:buChar char="○"/>
               <a:defRPr sz="1100"/>
             </a:lvl5pPr>
-            <a:lvl6pPr indent="-298450" lvl="5" marL="2743200">
+            <a:lvl6pPr marL="2743200" lvl="5" indent="-298450">
               <a:spcBef>
                 <a:spcPts val="0"/>
               </a:spcBef>
@@ -435,7 +448,7 @@
               <a:buChar char="■"/>
               <a:defRPr sz="1100"/>
             </a:lvl6pPr>
-            <a:lvl7pPr indent="-298450" lvl="6" marL="3200400">
+            <a:lvl7pPr marL="3200400" lvl="6" indent="-298450">
               <a:spcBef>
                 <a:spcPts val="0"/>
               </a:spcBef>
@@ -446,7 +459,7 @@
               <a:buChar char="●"/>
               <a:defRPr sz="1100"/>
             </a:lvl7pPr>
-            <a:lvl8pPr indent="-298450" lvl="7" marL="3657600">
+            <a:lvl8pPr marL="3657600" lvl="7" indent="-298450">
               <a:spcBef>
                 <a:spcPts val="0"/>
               </a:spcBef>
@@ -457,7 +470,7 @@
               <a:buChar char="○"/>
               <a:defRPr sz="1100"/>
             </a:lvl8pPr>
-            <a:lvl9pPr indent="-298450" lvl="8" marL="4114800">
+            <a:lvl9pPr marL="4114800" lvl="8" indent="-298450">
               <a:spcBef>
                 <a:spcPts val="0"/>
               </a:spcBef>
@@ -469,14 +482,16 @@
               <a:defRPr sz="1100"/>
             </a:lvl9pPr>
           </a:lstStyle>
-          <a:p/>
+          <a:p>
+            <a:endParaRPr/>
+          </a:p>
         </p:txBody>
       </p:sp>
     </p:spTree>
   </p:cSld>
-  <p:clrMap accent1="accent1" accent2="accent2" accent3="accent3" accent4="accent4" accent5="accent5" accent6="accent6" bg1="lt1" bg2="dk2" tx1="dk1" tx2="lt2" folHlink="folHlink" hlink="hlink"/>
+  <p:clrMap bg1="lt1" tx1="dk1" bg2="dk2" tx2="lt2" accent1="accent1" accent2="accent2" accent3="accent3" accent4="accent4" accent5="accent5" accent6="accent6" hlink="hlink" folHlink="folHlink"/>
   <p:notesStyle>
-    <a:defPPr lvl="0" marR="0" rtl="0" algn="l">
+    <a:defPPr marR="0" lvl="0" algn="l" rtl="0">
       <a:lnSpc>
         <a:spcPct val="100000"/>
       </a:lnSpc>
@@ -487,7 +502,7 @@
         <a:spcPts val="0"/>
       </a:spcAft>
     </a:defPPr>
-    <a:lvl1pPr lvl="0" marR="0" rtl="0" algn="l">
+    <a:lvl1pPr marR="0" lvl="0" algn="l" rtl="0">
       <a:lnSpc>
         <a:spcPct val="100000"/>
       </a:lnSpc>
@@ -501,7 +516,7 @@
         <a:srgbClr val="000000"/>
       </a:buClr>
       <a:buFont typeface="Arial"/>
-      <a:defRPr b="0" i="0" sz="1400" u="none" cap="none" strike="noStrike">
+      <a:defRPr sz="1400" b="0" i="0" u="none" strike="noStrike" cap="none">
         <a:solidFill>
           <a:srgbClr val="000000"/>
         </a:solidFill>
@@ -511,7 +526,7 @@
         <a:sym typeface="Arial"/>
       </a:defRPr>
     </a:lvl1pPr>
-    <a:lvl2pPr lvl="1" marR="0" rtl="0" algn="l">
+    <a:lvl2pPr marR="0" lvl="1" algn="l" rtl="0">
       <a:lnSpc>
         <a:spcPct val="100000"/>
       </a:lnSpc>
@@ -525,7 +540,7 @@
         <a:srgbClr val="000000"/>
       </a:buClr>
       <a:buFont typeface="Arial"/>
-      <a:defRPr b="0" i="0" sz="1400" u="none" cap="none" strike="noStrike">
+      <a:defRPr sz="1400" b="0" i="0" u="none" strike="noStrike" cap="none">
         <a:solidFill>
           <a:srgbClr val="000000"/>
         </a:solidFill>
@@ -535,7 +550,7 @@
         <a:sym typeface="Arial"/>
       </a:defRPr>
     </a:lvl2pPr>
-    <a:lvl3pPr lvl="2" marR="0" rtl="0" algn="l">
+    <a:lvl3pPr marR="0" lvl="2" algn="l" rtl="0">
       <a:lnSpc>
         <a:spcPct val="100000"/>
       </a:lnSpc>
@@ -549,7 +564,7 @@
         <a:srgbClr val="000000"/>
       </a:buClr>
       <a:buFont typeface="Arial"/>
-      <a:defRPr b="0" i="0" sz="1400" u="none" cap="none" strike="noStrike">
+      <a:defRPr sz="1400" b="0" i="0" u="none" strike="noStrike" cap="none">
         <a:solidFill>
           <a:srgbClr val="000000"/>
         </a:solidFill>
@@ -559,7 +574,7 @@
         <a:sym typeface="Arial"/>
       </a:defRPr>
     </a:lvl3pPr>
-    <a:lvl4pPr lvl="3" marR="0" rtl="0" algn="l">
+    <a:lvl4pPr marR="0" lvl="3" algn="l" rtl="0">
       <a:lnSpc>
         <a:spcPct val="100000"/>
       </a:lnSpc>
@@ -573,7 +588,7 @@
         <a:srgbClr val="000000"/>
       </a:buClr>
       <a:buFont typeface="Arial"/>
-      <a:defRPr b="0" i="0" sz="1400" u="none" cap="none" strike="noStrike">
+      <a:defRPr sz="1400" b="0" i="0" u="none" strike="noStrike" cap="none">
         <a:solidFill>
           <a:srgbClr val="000000"/>
         </a:solidFill>
@@ -583,7 +598,7 @@
         <a:sym typeface="Arial"/>
       </a:defRPr>
     </a:lvl4pPr>
-    <a:lvl5pPr lvl="4" marR="0" rtl="0" algn="l">
+    <a:lvl5pPr marR="0" lvl="4" algn="l" rtl="0">
       <a:lnSpc>
         <a:spcPct val="100000"/>
       </a:lnSpc>
@@ -597,7 +612,7 @@
         <a:srgbClr val="000000"/>
       </a:buClr>
       <a:buFont typeface="Arial"/>
-      <a:defRPr b="0" i="0" sz="1400" u="none" cap="none" strike="noStrike">
+      <a:defRPr sz="1400" b="0" i="0" u="none" strike="noStrike" cap="none">
         <a:solidFill>
           <a:srgbClr val="000000"/>
         </a:solidFill>
@@ -607,7 +622,7 @@
         <a:sym typeface="Arial"/>
       </a:defRPr>
     </a:lvl5pPr>
-    <a:lvl6pPr lvl="5" marR="0" rtl="0" algn="l">
+    <a:lvl6pPr marR="0" lvl="5" algn="l" rtl="0">
       <a:lnSpc>
         <a:spcPct val="100000"/>
       </a:lnSpc>
@@ -621,7 +636,7 @@
         <a:srgbClr val="000000"/>
       </a:buClr>
       <a:buFont typeface="Arial"/>
-      <a:defRPr b="0" i="0" sz="1400" u="none" cap="none" strike="noStrike">
+      <a:defRPr sz="1400" b="0" i="0" u="none" strike="noStrike" cap="none">
         <a:solidFill>
           <a:srgbClr val="000000"/>
         </a:solidFill>
@@ -631,7 +646,7 @@
         <a:sym typeface="Arial"/>
       </a:defRPr>
     </a:lvl6pPr>
-    <a:lvl7pPr lvl="6" marR="0" rtl="0" algn="l">
+    <a:lvl7pPr marR="0" lvl="6" algn="l" rtl="0">
       <a:lnSpc>
         <a:spcPct val="100000"/>
       </a:lnSpc>
@@ -645,7 +660,7 @@
         <a:srgbClr val="000000"/>
       </a:buClr>
       <a:buFont typeface="Arial"/>
-      <a:defRPr b="0" i="0" sz="1400" u="none" cap="none" strike="noStrike">
+      <a:defRPr sz="1400" b="0" i="0" u="none" strike="noStrike" cap="none">
         <a:solidFill>
           <a:srgbClr val="000000"/>
         </a:solidFill>
@@ -655,7 +670,7 @@
         <a:sym typeface="Arial"/>
       </a:defRPr>
     </a:lvl7pPr>
-    <a:lvl8pPr lvl="7" marR="0" rtl="0" algn="l">
+    <a:lvl8pPr marR="0" lvl="7" algn="l" rtl="0">
       <a:lnSpc>
         <a:spcPct val="100000"/>
       </a:lnSpc>
@@ -669,7 +684,7 @@
         <a:srgbClr val="000000"/>
       </a:buClr>
       <a:buFont typeface="Arial"/>
-      <a:defRPr b="0" i="0" sz="1400" u="none" cap="none" strike="noStrike">
+      <a:defRPr sz="1400" b="0" i="0" u="none" strike="noStrike" cap="none">
         <a:solidFill>
           <a:srgbClr val="000000"/>
         </a:solidFill>
@@ -679,7 +694,7 @@
         <a:sym typeface="Arial"/>
       </a:defRPr>
     </a:lvl8pPr>
-    <a:lvl9pPr lvl="8" marR="0" rtl="0" algn="l">
+    <a:lvl9pPr marR="0" lvl="8" algn="l" rtl="0">
       <a:lnSpc>
         <a:spcPct val="100000"/>
       </a:lnSpc>
@@ -693,7 +708,7 @@
         <a:srgbClr val="000000"/>
       </a:buClr>
       <a:buFont typeface="Arial"/>
-      <a:defRPr b="0" i="0" sz="1400" u="none" cap="none" strike="noStrike">
+      <a:defRPr sz="1400" b="0" i="0" u="none" strike="noStrike" cap="none">
         <a:solidFill>
           <a:srgbClr val="000000"/>
         </a:solidFill>
@@ -708,11 +723,11 @@
 </file>
 
 <file path=ppt/notesSlides/notesSlide1.xml><?xml version="1.0" encoding="utf-8"?>
-<p:notes xmlns:a="http://schemas.openxmlformats.org/drawingml/2006/main" xmlns:r="http://schemas.openxmlformats.org/officeDocument/2006/relationships" xmlns:mc="http://schemas.openxmlformats.org/markup-compatibility/2006" xmlns:mv="urn:schemas-microsoft-com:mac:vml" xmlns:p="http://schemas.openxmlformats.org/presentationml/2006/main" xmlns:c="http://schemas.openxmlformats.org/drawingml/2006/chart" xmlns:dgm="http://schemas.openxmlformats.org/drawingml/2006/diagram" xmlns:o="urn:schemas-microsoft-com:office:office" xmlns:v="urn:schemas-microsoft-com:vml" xmlns:pvml="urn:schemas-microsoft-com:office:powerpoint" xmlns:com="http://schemas.openxmlformats.org/drawingml/2006/compatibility" xmlns:p14="http://schemas.microsoft.com/office/powerpoint/2010/main" xmlns:p15="http://schemas.microsoft.com/office/powerpoint/2012/main" showMasterPhAnim="0" showMasterSp="0">
+<p:notes xmlns:a="http://schemas.openxmlformats.org/drawingml/2006/main" xmlns:r="http://schemas.openxmlformats.org/officeDocument/2006/relationships" xmlns:p="http://schemas.openxmlformats.org/presentationml/2006/main" showMasterSp="0" showMasterPhAnim="0">
   <p:cSld>
     <p:spTree>
       <p:nvGrpSpPr>
-        <p:cNvPr id="55" name="Shape 55"/>
+        <p:cNvPr id="1" name="Shape 55"/>
         <p:cNvGrpSpPr/>
         <p:nvPr/>
       </p:nvGrpSpPr>
@@ -727,9 +742,11 @@
       <p:sp>
         <p:nvSpPr>
           <p:cNvPr id="56" name="Google Shape;56;p:notes"/>
-          <p:cNvSpPr/>
+          <p:cNvSpPr>
+            <a:spLocks noGrp="1" noRot="1" noChangeAspect="1"/>
+          </p:cNvSpPr>
           <p:nvPr>
-            <p:ph idx="2" type="sldImg"/>
+            <p:ph type="sldImg" idx="2"/>
           </p:nvPr>
         </p:nvSpPr>
         <p:spPr>
@@ -738,9 +755,13 @@
             <a:ext cx="6096075" cy="3429000"/>
           </a:xfrm>
           <a:custGeom>
-            <a:rect b="b" l="l" r="r" t="t"/>
+            <a:avLst/>
+            <a:gdLst/>
+            <a:ahLst/>
+            <a:cxnLst/>
+            <a:rect l="l" t="t" r="r" b="b"/>
             <a:pathLst>
-              <a:path extrusionOk="0" h="120000" w="120000">
+              <a:path w="120000" h="120000" extrusionOk="0">
                 <a:moveTo>
                   <a:pt x="0" y="0"/>
                 </a:moveTo>
@@ -762,9 +783,11 @@
       <p:sp>
         <p:nvSpPr>
           <p:cNvPr id="57" name="Google Shape;57;p:notes"/>
-          <p:cNvSpPr txBox="1"/>
+          <p:cNvSpPr txBox="1">
+            <a:spLocks noGrp="1"/>
+          </p:cNvSpPr>
           <p:nvPr>
-            <p:ph idx="1" type="body"/>
+            <p:ph type="body" idx="1"/>
           </p:nvPr>
         </p:nvSpPr>
         <p:spPr>
@@ -777,12 +800,12 @@
           </a:prstGeom>
         </p:spPr>
         <p:txBody>
-          <a:bodyPr anchorCtr="0" anchor="t" bIns="91425" lIns="91425" spcFirstLastPara="1" rIns="91425" wrap="square" tIns="91425">
+          <a:bodyPr spcFirstLastPara="1" wrap="square" lIns="91425" tIns="91425" rIns="91425" bIns="91425" anchor="t" anchorCtr="0">
             <a:noAutofit/>
           </a:bodyPr>
           <a:lstStyle/>
           <a:p>
-            <a:pPr indent="0" lvl="0" marL="0" rtl="0" algn="l">
+            <a:pPr marL="0" lvl="0" indent="0" algn="l" rtl="0">
               <a:spcBef>
                 <a:spcPts val="0"/>
               </a:spcBef>
@@ -791,9 +814,6 @@
               </a:spcAft>
               <a:buNone/>
             </a:pPr>
-            <a:r>
-              <a:t/>
-            </a:r>
             <a:endParaRPr/>
           </a:p>
         </p:txBody>
@@ -807,11 +827,11 @@
 </file>
 
 <file path=ppt/notesSlides/notesSlide10.xml><?xml version="1.0" encoding="utf-8"?>
-<p:notes xmlns:a="http://schemas.openxmlformats.org/drawingml/2006/main" xmlns:r="http://schemas.openxmlformats.org/officeDocument/2006/relationships" xmlns:mc="http://schemas.openxmlformats.org/markup-compatibility/2006" xmlns:mv="urn:schemas-microsoft-com:mac:vml" xmlns:p="http://schemas.openxmlformats.org/presentationml/2006/main" xmlns:c="http://schemas.openxmlformats.org/drawingml/2006/chart" xmlns:dgm="http://schemas.openxmlformats.org/drawingml/2006/diagram" xmlns:o="urn:schemas-microsoft-com:office:office" xmlns:v="urn:schemas-microsoft-com:vml" xmlns:pvml="urn:schemas-microsoft-com:office:powerpoint" xmlns:com="http://schemas.openxmlformats.org/drawingml/2006/compatibility" xmlns:p14="http://schemas.microsoft.com/office/powerpoint/2010/main" xmlns:p15="http://schemas.microsoft.com/office/powerpoint/2012/main" showMasterPhAnim="0" showMasterSp="0">
+<p:notes xmlns:a="http://schemas.openxmlformats.org/drawingml/2006/main" xmlns:r="http://schemas.openxmlformats.org/officeDocument/2006/relationships" xmlns:p="http://schemas.openxmlformats.org/presentationml/2006/main" showMasterSp="0" showMasterPhAnim="0">
   <p:cSld>
     <p:spTree>
       <p:nvGrpSpPr>
-        <p:cNvPr id="112" name="Shape 112"/>
+        <p:cNvPr id="1" name="Shape 112"/>
         <p:cNvGrpSpPr/>
         <p:nvPr/>
       </p:nvGrpSpPr>
@@ -826,9 +846,11 @@
       <p:sp>
         <p:nvSpPr>
           <p:cNvPr id="113" name="Google Shape;113;g8ad1db0f2f_0_69:notes"/>
-          <p:cNvSpPr/>
+          <p:cNvSpPr>
+            <a:spLocks noGrp="1" noRot="1" noChangeAspect="1"/>
+          </p:cNvSpPr>
           <p:nvPr>
-            <p:ph idx="2" type="sldImg"/>
+            <p:ph type="sldImg" idx="2"/>
           </p:nvPr>
         </p:nvSpPr>
         <p:spPr>
@@ -837,9 +859,13 @@
             <a:ext cx="6096000" cy="3429000"/>
           </a:xfrm>
           <a:custGeom>
-            <a:rect b="b" l="l" r="r" t="t"/>
+            <a:avLst/>
+            <a:gdLst/>
+            <a:ahLst/>
+            <a:cxnLst/>
+            <a:rect l="l" t="t" r="r" b="b"/>
             <a:pathLst>
-              <a:path extrusionOk="0" h="120000" w="120000">
+              <a:path w="120000" h="120000" extrusionOk="0">
                 <a:moveTo>
                   <a:pt x="0" y="0"/>
                 </a:moveTo>
@@ -861,9 +887,11 @@
       <p:sp>
         <p:nvSpPr>
           <p:cNvPr id="114" name="Google Shape;114;g8ad1db0f2f_0_69:notes"/>
-          <p:cNvSpPr txBox="1"/>
+          <p:cNvSpPr txBox="1">
+            <a:spLocks noGrp="1"/>
+          </p:cNvSpPr>
           <p:nvPr>
-            <p:ph idx="1" type="body"/>
+            <p:ph type="body" idx="1"/>
           </p:nvPr>
         </p:nvSpPr>
         <p:spPr>
@@ -876,12 +904,12 @@
           </a:prstGeom>
         </p:spPr>
         <p:txBody>
-          <a:bodyPr anchorCtr="0" anchor="t" bIns="91425" lIns="91425" spcFirstLastPara="1" rIns="91425" wrap="square" tIns="91425">
+          <a:bodyPr spcFirstLastPara="1" wrap="square" lIns="91425" tIns="91425" rIns="91425" bIns="91425" anchor="t" anchorCtr="0">
             <a:noAutofit/>
           </a:bodyPr>
           <a:lstStyle/>
           <a:p>
-            <a:pPr indent="0" lvl="0" marL="0" rtl="0" algn="l">
+            <a:pPr marL="0" lvl="0" indent="0" algn="l" rtl="0">
               <a:spcBef>
                 <a:spcPts val="0"/>
               </a:spcBef>
@@ -890,9 +918,6 @@
               </a:spcAft>
               <a:buNone/>
             </a:pPr>
-            <a:r>
-              <a:t/>
-            </a:r>
             <a:endParaRPr/>
           </a:p>
         </p:txBody>
@@ -906,11 +931,11 @@
 </file>
 
 <file path=ppt/notesSlides/notesSlide11.xml><?xml version="1.0" encoding="utf-8"?>
-<p:notes xmlns:a="http://schemas.openxmlformats.org/drawingml/2006/main" xmlns:r="http://schemas.openxmlformats.org/officeDocument/2006/relationships" xmlns:mc="http://schemas.openxmlformats.org/markup-compatibility/2006" xmlns:mv="urn:schemas-microsoft-com:mac:vml" xmlns:p="http://schemas.openxmlformats.org/presentationml/2006/main" xmlns:c="http://schemas.openxmlformats.org/drawingml/2006/chart" xmlns:dgm="http://schemas.openxmlformats.org/drawingml/2006/diagram" xmlns:o="urn:schemas-microsoft-com:office:office" xmlns:v="urn:schemas-microsoft-com:vml" xmlns:pvml="urn:schemas-microsoft-com:office:powerpoint" xmlns:com="http://schemas.openxmlformats.org/drawingml/2006/compatibility" xmlns:p14="http://schemas.microsoft.com/office/powerpoint/2010/main" xmlns:p15="http://schemas.microsoft.com/office/powerpoint/2012/main" showMasterPhAnim="0" showMasterSp="0">
+<p:notes xmlns:a="http://schemas.openxmlformats.org/drawingml/2006/main" xmlns:r="http://schemas.openxmlformats.org/officeDocument/2006/relationships" xmlns:p="http://schemas.openxmlformats.org/presentationml/2006/main" showMasterSp="0" showMasterPhAnim="0">
   <p:cSld>
     <p:spTree>
       <p:nvGrpSpPr>
-        <p:cNvPr id="120" name="Shape 120"/>
+        <p:cNvPr id="1" name="Shape 120"/>
         <p:cNvGrpSpPr/>
         <p:nvPr/>
       </p:nvGrpSpPr>
@@ -925,9 +950,11 @@
       <p:sp>
         <p:nvSpPr>
           <p:cNvPr id="121" name="Google Shape;121;g8ad1db0f2f_0_34:notes"/>
-          <p:cNvSpPr/>
+          <p:cNvSpPr>
+            <a:spLocks noGrp="1" noRot="1" noChangeAspect="1"/>
+          </p:cNvSpPr>
           <p:nvPr>
-            <p:ph idx="2" type="sldImg"/>
+            <p:ph type="sldImg" idx="2"/>
           </p:nvPr>
         </p:nvSpPr>
         <p:spPr>
@@ -936,9 +963,13 @@
             <a:ext cx="6096000" cy="3429000"/>
           </a:xfrm>
           <a:custGeom>
-            <a:rect b="b" l="l" r="r" t="t"/>
+            <a:avLst/>
+            <a:gdLst/>
+            <a:ahLst/>
+            <a:cxnLst/>
+            <a:rect l="l" t="t" r="r" b="b"/>
             <a:pathLst>
-              <a:path extrusionOk="0" h="120000" w="120000">
+              <a:path w="120000" h="120000" extrusionOk="0">
                 <a:moveTo>
                   <a:pt x="0" y="0"/>
                 </a:moveTo>
@@ -960,9 +991,11 @@
       <p:sp>
         <p:nvSpPr>
           <p:cNvPr id="122" name="Google Shape;122;g8ad1db0f2f_0_34:notes"/>
-          <p:cNvSpPr txBox="1"/>
+          <p:cNvSpPr txBox="1">
+            <a:spLocks noGrp="1"/>
+          </p:cNvSpPr>
           <p:nvPr>
-            <p:ph idx="1" type="body"/>
+            <p:ph type="body" idx="1"/>
           </p:nvPr>
         </p:nvSpPr>
         <p:spPr>
@@ -975,12 +1008,12 @@
           </a:prstGeom>
         </p:spPr>
         <p:txBody>
-          <a:bodyPr anchorCtr="0" anchor="t" bIns="91425" lIns="91425" spcFirstLastPara="1" rIns="91425" wrap="square" tIns="91425">
+          <a:bodyPr spcFirstLastPara="1" wrap="square" lIns="91425" tIns="91425" rIns="91425" bIns="91425" anchor="t" anchorCtr="0">
             <a:noAutofit/>
           </a:bodyPr>
           <a:lstStyle/>
           <a:p>
-            <a:pPr indent="0" lvl="0" marL="0" rtl="0" algn="l">
+            <a:pPr marL="0" lvl="0" indent="0" algn="l" rtl="0">
               <a:spcBef>
                 <a:spcPts val="0"/>
               </a:spcBef>
@@ -989,9 +1022,6 @@
               </a:spcAft>
               <a:buNone/>
             </a:pPr>
-            <a:r>
-              <a:t/>
-            </a:r>
             <a:endParaRPr/>
           </a:p>
         </p:txBody>
@@ -1005,11 +1035,11 @@
 </file>
 
 <file path=ppt/notesSlides/notesSlide12.xml><?xml version="1.0" encoding="utf-8"?>
-<p:notes xmlns:a="http://schemas.openxmlformats.org/drawingml/2006/main" xmlns:r="http://schemas.openxmlformats.org/officeDocument/2006/relationships" xmlns:mc="http://schemas.openxmlformats.org/markup-compatibility/2006" xmlns:mv="urn:schemas-microsoft-com:mac:vml" xmlns:p="http://schemas.openxmlformats.org/presentationml/2006/main" xmlns:c="http://schemas.openxmlformats.org/drawingml/2006/chart" xmlns:dgm="http://schemas.openxmlformats.org/drawingml/2006/diagram" xmlns:o="urn:schemas-microsoft-com:office:office" xmlns:v="urn:schemas-microsoft-com:vml" xmlns:pvml="urn:schemas-microsoft-com:office:powerpoint" xmlns:com="http://schemas.openxmlformats.org/drawingml/2006/compatibility" xmlns:p14="http://schemas.microsoft.com/office/powerpoint/2010/main" xmlns:p15="http://schemas.microsoft.com/office/powerpoint/2012/main" showMasterPhAnim="0" showMasterSp="0">
+<p:notes xmlns:a="http://schemas.openxmlformats.org/drawingml/2006/main" xmlns:r="http://schemas.openxmlformats.org/officeDocument/2006/relationships" xmlns:p="http://schemas.openxmlformats.org/presentationml/2006/main" showMasterSp="0" showMasterPhAnim="0">
   <p:cSld>
     <p:spTree>
       <p:nvGrpSpPr>
-        <p:cNvPr id="125" name="Shape 125"/>
+        <p:cNvPr id="1" name="Shape 125"/>
         <p:cNvGrpSpPr/>
         <p:nvPr/>
       </p:nvGrpSpPr>
@@ -1024,9 +1054,11 @@
       <p:sp>
         <p:nvSpPr>
           <p:cNvPr id="126" name="Google Shape;126;g8ad1db0f2f_0_81:notes"/>
-          <p:cNvSpPr/>
+          <p:cNvSpPr>
+            <a:spLocks noGrp="1" noRot="1" noChangeAspect="1"/>
+          </p:cNvSpPr>
           <p:nvPr>
-            <p:ph idx="2" type="sldImg"/>
+            <p:ph type="sldImg" idx="2"/>
           </p:nvPr>
         </p:nvSpPr>
         <p:spPr>
@@ -1035,9 +1067,13 @@
             <a:ext cx="6096000" cy="3429000"/>
           </a:xfrm>
           <a:custGeom>
-            <a:rect b="b" l="l" r="r" t="t"/>
+            <a:avLst/>
+            <a:gdLst/>
+            <a:ahLst/>
+            <a:cxnLst/>
+            <a:rect l="l" t="t" r="r" b="b"/>
             <a:pathLst>
-              <a:path extrusionOk="0" h="120000" w="120000">
+              <a:path w="120000" h="120000" extrusionOk="0">
                 <a:moveTo>
                   <a:pt x="0" y="0"/>
                 </a:moveTo>
@@ -1059,9 +1095,11 @@
       <p:sp>
         <p:nvSpPr>
           <p:cNvPr id="127" name="Google Shape;127;g8ad1db0f2f_0_81:notes"/>
-          <p:cNvSpPr txBox="1"/>
+          <p:cNvSpPr txBox="1">
+            <a:spLocks noGrp="1"/>
+          </p:cNvSpPr>
           <p:nvPr>
-            <p:ph idx="1" type="body"/>
+            <p:ph type="body" idx="1"/>
           </p:nvPr>
         </p:nvSpPr>
         <p:spPr>
@@ -1074,12 +1112,12 @@
           </a:prstGeom>
         </p:spPr>
         <p:txBody>
-          <a:bodyPr anchorCtr="0" anchor="t" bIns="91425" lIns="91425" spcFirstLastPara="1" rIns="91425" wrap="square" tIns="91425">
+          <a:bodyPr spcFirstLastPara="1" wrap="square" lIns="91425" tIns="91425" rIns="91425" bIns="91425" anchor="t" anchorCtr="0">
             <a:noAutofit/>
           </a:bodyPr>
           <a:lstStyle/>
           <a:p>
-            <a:pPr indent="0" lvl="0" marL="0" rtl="0" algn="l">
+            <a:pPr marL="0" lvl="0" indent="0" algn="l" rtl="0">
               <a:spcBef>
                 <a:spcPts val="0"/>
               </a:spcBef>
@@ -1088,9 +1126,6 @@
               </a:spcAft>
               <a:buNone/>
             </a:pPr>
-            <a:r>
-              <a:t/>
-            </a:r>
             <a:endParaRPr/>
           </a:p>
         </p:txBody>
@@ -1104,11 +1139,11 @@
 </file>
 
 <file path=ppt/notesSlides/notesSlide13.xml><?xml version="1.0" encoding="utf-8"?>
-<p:notes xmlns:a="http://schemas.openxmlformats.org/drawingml/2006/main" xmlns:r="http://schemas.openxmlformats.org/officeDocument/2006/relationships" xmlns:mc="http://schemas.openxmlformats.org/markup-compatibility/2006" xmlns:mv="urn:schemas-microsoft-com:mac:vml" xmlns:p="http://schemas.openxmlformats.org/presentationml/2006/main" xmlns:c="http://schemas.openxmlformats.org/drawingml/2006/chart" xmlns:dgm="http://schemas.openxmlformats.org/drawingml/2006/diagram" xmlns:o="urn:schemas-microsoft-com:office:office" xmlns:v="urn:schemas-microsoft-com:vml" xmlns:pvml="urn:schemas-microsoft-com:office:powerpoint" xmlns:com="http://schemas.openxmlformats.org/drawingml/2006/compatibility" xmlns:p14="http://schemas.microsoft.com/office/powerpoint/2010/main" xmlns:p15="http://schemas.microsoft.com/office/powerpoint/2012/main" showMasterPhAnim="0" showMasterSp="0">
+<p:notes xmlns:a="http://schemas.openxmlformats.org/drawingml/2006/main" xmlns:r="http://schemas.openxmlformats.org/officeDocument/2006/relationships" xmlns:p="http://schemas.openxmlformats.org/presentationml/2006/main" showMasterSp="0" showMasterPhAnim="0">
   <p:cSld>
     <p:spTree>
       <p:nvGrpSpPr>
-        <p:cNvPr id="132" name="Shape 132"/>
+        <p:cNvPr id="1" name="Shape 132"/>
         <p:cNvGrpSpPr/>
         <p:nvPr/>
       </p:nvGrpSpPr>
@@ -1123,9 +1158,11 @@
       <p:sp>
         <p:nvSpPr>
           <p:cNvPr id="133" name="Google Shape;133;g8ad1db0f2f_0_98:notes"/>
-          <p:cNvSpPr/>
+          <p:cNvSpPr>
+            <a:spLocks noGrp="1" noRot="1" noChangeAspect="1"/>
+          </p:cNvSpPr>
           <p:nvPr>
-            <p:ph idx="2" type="sldImg"/>
+            <p:ph type="sldImg" idx="2"/>
           </p:nvPr>
         </p:nvSpPr>
         <p:spPr>
@@ -1134,9 +1171,13 @@
             <a:ext cx="6096000" cy="3429000"/>
           </a:xfrm>
           <a:custGeom>
-            <a:rect b="b" l="l" r="r" t="t"/>
+            <a:avLst/>
+            <a:gdLst/>
+            <a:ahLst/>
+            <a:cxnLst/>
+            <a:rect l="l" t="t" r="r" b="b"/>
             <a:pathLst>
-              <a:path extrusionOk="0" h="120000" w="120000">
+              <a:path w="120000" h="120000" extrusionOk="0">
                 <a:moveTo>
                   <a:pt x="0" y="0"/>
                 </a:moveTo>
@@ -1158,9 +1199,11 @@
       <p:sp>
         <p:nvSpPr>
           <p:cNvPr id="134" name="Google Shape;134;g8ad1db0f2f_0_98:notes"/>
-          <p:cNvSpPr txBox="1"/>
+          <p:cNvSpPr txBox="1">
+            <a:spLocks noGrp="1"/>
+          </p:cNvSpPr>
           <p:nvPr>
-            <p:ph idx="1" type="body"/>
+            <p:ph type="body" idx="1"/>
           </p:nvPr>
         </p:nvSpPr>
         <p:spPr>
@@ -1173,12 +1216,12 @@
           </a:prstGeom>
         </p:spPr>
         <p:txBody>
-          <a:bodyPr anchorCtr="0" anchor="t" bIns="91425" lIns="91425" spcFirstLastPara="1" rIns="91425" wrap="square" tIns="91425">
+          <a:bodyPr spcFirstLastPara="1" wrap="square" lIns="91425" tIns="91425" rIns="91425" bIns="91425" anchor="t" anchorCtr="0">
             <a:noAutofit/>
           </a:bodyPr>
           <a:lstStyle/>
           <a:p>
-            <a:pPr indent="0" lvl="0" marL="0" rtl="0" algn="l">
+            <a:pPr marL="0" lvl="0" indent="0" algn="l" rtl="0">
               <a:spcBef>
                 <a:spcPts val="0"/>
               </a:spcBef>
@@ -1187,9 +1230,6 @@
               </a:spcAft>
               <a:buNone/>
             </a:pPr>
-            <a:r>
-              <a:t/>
-            </a:r>
             <a:endParaRPr/>
           </a:p>
         </p:txBody>
@@ -1203,11 +1243,11 @@
 </file>
 
 <file path=ppt/notesSlides/notesSlide2.xml><?xml version="1.0" encoding="utf-8"?>
-<p:notes xmlns:a="http://schemas.openxmlformats.org/drawingml/2006/main" xmlns:r="http://schemas.openxmlformats.org/officeDocument/2006/relationships" xmlns:mc="http://schemas.openxmlformats.org/markup-compatibility/2006" xmlns:mv="urn:schemas-microsoft-com:mac:vml" xmlns:p="http://schemas.openxmlformats.org/presentationml/2006/main" xmlns:c="http://schemas.openxmlformats.org/drawingml/2006/chart" xmlns:dgm="http://schemas.openxmlformats.org/drawingml/2006/diagram" xmlns:o="urn:schemas-microsoft-com:office:office" xmlns:v="urn:schemas-microsoft-com:vml" xmlns:pvml="urn:schemas-microsoft-com:office:powerpoint" xmlns:com="http://schemas.openxmlformats.org/drawingml/2006/compatibility" xmlns:p14="http://schemas.microsoft.com/office/powerpoint/2010/main" xmlns:p15="http://schemas.microsoft.com/office/powerpoint/2012/main" showMasterPhAnim="0" showMasterSp="0">
+<p:notes xmlns:a="http://schemas.openxmlformats.org/drawingml/2006/main" xmlns:r="http://schemas.openxmlformats.org/officeDocument/2006/relationships" xmlns:p="http://schemas.openxmlformats.org/presentationml/2006/main" showMasterSp="0" showMasterPhAnim="0">
   <p:cSld>
     <p:spTree>
       <p:nvGrpSpPr>
-        <p:cNvPr id="61" name="Shape 61"/>
+        <p:cNvPr id="1" name="Shape 61"/>
         <p:cNvGrpSpPr/>
         <p:nvPr/>
       </p:nvGrpSpPr>
@@ -1222,9 +1262,11 @@
       <p:sp>
         <p:nvSpPr>
           <p:cNvPr id="62" name="Google Shape;62;g8ad1db0f2f_0_5:notes"/>
-          <p:cNvSpPr/>
+          <p:cNvSpPr>
+            <a:spLocks noGrp="1" noRot="1" noChangeAspect="1"/>
+          </p:cNvSpPr>
           <p:nvPr>
-            <p:ph idx="2" type="sldImg"/>
+            <p:ph type="sldImg" idx="2"/>
           </p:nvPr>
         </p:nvSpPr>
         <p:spPr>
@@ -1233,9 +1275,13 @@
             <a:ext cx="6096000" cy="3429000"/>
           </a:xfrm>
           <a:custGeom>
-            <a:rect b="b" l="l" r="r" t="t"/>
+            <a:avLst/>
+            <a:gdLst/>
+            <a:ahLst/>
+            <a:cxnLst/>
+            <a:rect l="l" t="t" r="r" b="b"/>
             <a:pathLst>
-              <a:path extrusionOk="0" h="120000" w="120000">
+              <a:path w="120000" h="120000" extrusionOk="0">
                 <a:moveTo>
                   <a:pt x="0" y="0"/>
                 </a:moveTo>
@@ -1257,9 +1303,11 @@
       <p:sp>
         <p:nvSpPr>
           <p:cNvPr id="63" name="Google Shape;63;g8ad1db0f2f_0_5:notes"/>
-          <p:cNvSpPr txBox="1"/>
+          <p:cNvSpPr txBox="1">
+            <a:spLocks noGrp="1"/>
+          </p:cNvSpPr>
           <p:nvPr>
-            <p:ph idx="1" type="body"/>
+            <p:ph type="body" idx="1"/>
           </p:nvPr>
         </p:nvSpPr>
         <p:spPr>
@@ -1272,12 +1320,12 @@
           </a:prstGeom>
         </p:spPr>
         <p:txBody>
-          <a:bodyPr anchorCtr="0" anchor="t" bIns="91425" lIns="91425" spcFirstLastPara="1" rIns="91425" wrap="square" tIns="91425">
+          <a:bodyPr spcFirstLastPara="1" wrap="square" lIns="91425" tIns="91425" rIns="91425" bIns="91425" anchor="t" anchorCtr="0">
             <a:noAutofit/>
           </a:bodyPr>
           <a:lstStyle/>
           <a:p>
-            <a:pPr indent="0" lvl="0" marL="0" rtl="0" algn="l">
+            <a:pPr marL="0" lvl="0" indent="0" algn="l" rtl="0">
               <a:spcBef>
                 <a:spcPts val="0"/>
               </a:spcBef>
@@ -1286,9 +1334,6 @@
               </a:spcAft>
               <a:buNone/>
             </a:pPr>
-            <a:r>
-              <a:t/>
-            </a:r>
             <a:endParaRPr/>
           </a:p>
         </p:txBody>
@@ -1302,11 +1347,11 @@
 </file>
 
 <file path=ppt/notesSlides/notesSlide3.xml><?xml version="1.0" encoding="utf-8"?>
-<p:notes xmlns:a="http://schemas.openxmlformats.org/drawingml/2006/main" xmlns:r="http://schemas.openxmlformats.org/officeDocument/2006/relationships" xmlns:mc="http://schemas.openxmlformats.org/markup-compatibility/2006" xmlns:mv="urn:schemas-microsoft-com:mac:vml" xmlns:p="http://schemas.openxmlformats.org/presentationml/2006/main" xmlns:c="http://schemas.openxmlformats.org/drawingml/2006/chart" xmlns:dgm="http://schemas.openxmlformats.org/drawingml/2006/diagram" xmlns:o="urn:schemas-microsoft-com:office:office" xmlns:v="urn:schemas-microsoft-com:vml" xmlns:pvml="urn:schemas-microsoft-com:office:powerpoint" xmlns:com="http://schemas.openxmlformats.org/drawingml/2006/compatibility" xmlns:p14="http://schemas.microsoft.com/office/powerpoint/2010/main" xmlns:p15="http://schemas.microsoft.com/office/powerpoint/2012/main" showMasterPhAnim="0" showMasterSp="0">
+<p:notes xmlns:a="http://schemas.openxmlformats.org/drawingml/2006/main" xmlns:r="http://schemas.openxmlformats.org/officeDocument/2006/relationships" xmlns:p="http://schemas.openxmlformats.org/presentationml/2006/main" showMasterSp="0" showMasterPhAnim="0">
   <p:cSld>
     <p:spTree>
       <p:nvGrpSpPr>
-        <p:cNvPr id="68" name="Shape 68"/>
+        <p:cNvPr id="1" name="Shape 68"/>
         <p:cNvGrpSpPr/>
         <p:nvPr/>
       </p:nvGrpSpPr>
@@ -1321,9 +1366,11 @@
       <p:sp>
         <p:nvSpPr>
           <p:cNvPr id="69" name="Google Shape;69;g8ad1db0f2f_0_15:notes"/>
-          <p:cNvSpPr/>
+          <p:cNvSpPr>
+            <a:spLocks noGrp="1" noRot="1" noChangeAspect="1"/>
+          </p:cNvSpPr>
           <p:nvPr>
-            <p:ph idx="2" type="sldImg"/>
+            <p:ph type="sldImg" idx="2"/>
           </p:nvPr>
         </p:nvSpPr>
         <p:spPr>
@@ -1332,9 +1379,13 @@
             <a:ext cx="6096000" cy="3429000"/>
           </a:xfrm>
           <a:custGeom>
-            <a:rect b="b" l="l" r="r" t="t"/>
+            <a:avLst/>
+            <a:gdLst/>
+            <a:ahLst/>
+            <a:cxnLst/>
+            <a:rect l="l" t="t" r="r" b="b"/>
             <a:pathLst>
-              <a:path extrusionOk="0" h="120000" w="120000">
+              <a:path w="120000" h="120000" extrusionOk="0">
                 <a:moveTo>
                   <a:pt x="0" y="0"/>
                 </a:moveTo>
@@ -1356,9 +1407,11 @@
       <p:sp>
         <p:nvSpPr>
           <p:cNvPr id="70" name="Google Shape;70;g8ad1db0f2f_0_15:notes"/>
-          <p:cNvSpPr txBox="1"/>
+          <p:cNvSpPr txBox="1">
+            <a:spLocks noGrp="1"/>
+          </p:cNvSpPr>
           <p:nvPr>
-            <p:ph idx="1" type="body"/>
+            <p:ph type="body" idx="1"/>
           </p:nvPr>
         </p:nvSpPr>
         <p:spPr>
@@ -1371,12 +1424,12 @@
           </a:prstGeom>
         </p:spPr>
         <p:txBody>
-          <a:bodyPr anchorCtr="0" anchor="t" bIns="91425" lIns="91425" spcFirstLastPara="1" rIns="91425" wrap="square" tIns="91425">
+          <a:bodyPr spcFirstLastPara="1" wrap="square" lIns="91425" tIns="91425" rIns="91425" bIns="91425" anchor="t" anchorCtr="0">
             <a:noAutofit/>
           </a:bodyPr>
           <a:lstStyle/>
           <a:p>
-            <a:pPr indent="0" lvl="0" marL="0" rtl="0" algn="l">
+            <a:pPr marL="0" lvl="0" indent="0" algn="l" rtl="0">
               <a:spcBef>
                 <a:spcPts val="0"/>
               </a:spcBef>
@@ -1385,9 +1438,6 @@
               </a:spcAft>
               <a:buNone/>
             </a:pPr>
-            <a:r>
-              <a:t/>
-            </a:r>
             <a:endParaRPr/>
           </a:p>
         </p:txBody>
@@ -1401,11 +1451,11 @@
 </file>
 
 <file path=ppt/notesSlides/notesSlide4.xml><?xml version="1.0" encoding="utf-8"?>
-<p:notes xmlns:a="http://schemas.openxmlformats.org/drawingml/2006/main" xmlns:r="http://schemas.openxmlformats.org/officeDocument/2006/relationships" xmlns:mc="http://schemas.openxmlformats.org/markup-compatibility/2006" xmlns:mv="urn:schemas-microsoft-com:mac:vml" xmlns:p="http://schemas.openxmlformats.org/presentationml/2006/main" xmlns:c="http://schemas.openxmlformats.org/drawingml/2006/chart" xmlns:dgm="http://schemas.openxmlformats.org/drawingml/2006/diagram" xmlns:o="urn:schemas-microsoft-com:office:office" xmlns:v="urn:schemas-microsoft-com:vml" xmlns:pvml="urn:schemas-microsoft-com:office:powerpoint" xmlns:com="http://schemas.openxmlformats.org/drawingml/2006/compatibility" xmlns:p14="http://schemas.microsoft.com/office/powerpoint/2010/main" xmlns:p15="http://schemas.microsoft.com/office/powerpoint/2012/main" showMasterPhAnim="0" showMasterSp="0">
+<p:notes xmlns:a="http://schemas.openxmlformats.org/drawingml/2006/main" xmlns:r="http://schemas.openxmlformats.org/officeDocument/2006/relationships" xmlns:p="http://schemas.openxmlformats.org/presentationml/2006/main" showMasterSp="0" showMasterPhAnim="0">
   <p:cSld>
     <p:spTree>
       <p:nvGrpSpPr>
-        <p:cNvPr id="73" name="Shape 73"/>
+        <p:cNvPr id="1" name="Shape 73"/>
         <p:cNvGrpSpPr/>
         <p:nvPr/>
       </p:nvGrpSpPr>
@@ -1420,9 +1470,11 @@
       <p:sp>
         <p:nvSpPr>
           <p:cNvPr id="74" name="Google Shape;74;g8ad1db0f2f_0_21:notes"/>
-          <p:cNvSpPr/>
+          <p:cNvSpPr>
+            <a:spLocks noGrp="1" noRot="1" noChangeAspect="1"/>
+          </p:cNvSpPr>
           <p:nvPr>
-            <p:ph idx="2" type="sldImg"/>
+            <p:ph type="sldImg" idx="2"/>
           </p:nvPr>
         </p:nvSpPr>
         <p:spPr>
@@ -1431,9 +1483,13 @@
             <a:ext cx="6096000" cy="3429000"/>
           </a:xfrm>
           <a:custGeom>
-            <a:rect b="b" l="l" r="r" t="t"/>
+            <a:avLst/>
+            <a:gdLst/>
+            <a:ahLst/>
+            <a:cxnLst/>
+            <a:rect l="l" t="t" r="r" b="b"/>
             <a:pathLst>
-              <a:path extrusionOk="0" h="120000" w="120000">
+              <a:path w="120000" h="120000" extrusionOk="0">
                 <a:moveTo>
                   <a:pt x="0" y="0"/>
                 </a:moveTo>
@@ -1455,9 +1511,11 @@
       <p:sp>
         <p:nvSpPr>
           <p:cNvPr id="75" name="Google Shape;75;g8ad1db0f2f_0_21:notes"/>
-          <p:cNvSpPr txBox="1"/>
+          <p:cNvSpPr txBox="1">
+            <a:spLocks noGrp="1"/>
+          </p:cNvSpPr>
           <p:nvPr>
-            <p:ph idx="1" type="body"/>
+            <p:ph type="body" idx="1"/>
           </p:nvPr>
         </p:nvSpPr>
         <p:spPr>
@@ -1470,12 +1528,12 @@
           </a:prstGeom>
         </p:spPr>
         <p:txBody>
-          <a:bodyPr anchorCtr="0" anchor="t" bIns="91425" lIns="91425" spcFirstLastPara="1" rIns="91425" wrap="square" tIns="91425">
+          <a:bodyPr spcFirstLastPara="1" wrap="square" lIns="91425" tIns="91425" rIns="91425" bIns="91425" anchor="t" anchorCtr="0">
             <a:noAutofit/>
           </a:bodyPr>
           <a:lstStyle/>
           <a:p>
-            <a:pPr indent="0" lvl="0" marL="0" rtl="0" algn="l">
+            <a:pPr marL="0" lvl="0" indent="0" algn="l" rtl="0">
               <a:spcBef>
                 <a:spcPts val="0"/>
               </a:spcBef>
@@ -1486,15 +1544,7 @@
             </a:pPr>
             <a:r>
               <a:rPr lang="en"/>
-              <a:t>Further analysis would like to be done for year over year to </a:t>
-            </a:r>
-            <a:r>
-              <a:rPr lang="en"/>
-              <a:t>determine</a:t>
-            </a:r>
-            <a:r>
-              <a:rPr lang="en"/>
-              <a:t> if the passenger volume patterns explored in 2019 are similar in past years.</a:t>
+              <a:t>Further analysis would like to be done for year over year to determine if the passenger volume patterns explored in 2019 are similar in past years.</a:t>
             </a:r>
             <a:endParaRPr/>
           </a:p>
@@ -1509,11 +1559,11 @@
 </file>
 
 <file path=ppt/notesSlides/notesSlide5.xml><?xml version="1.0" encoding="utf-8"?>
-<p:notes xmlns:a="http://schemas.openxmlformats.org/drawingml/2006/main" xmlns:r="http://schemas.openxmlformats.org/officeDocument/2006/relationships" xmlns:mc="http://schemas.openxmlformats.org/markup-compatibility/2006" xmlns:mv="urn:schemas-microsoft-com:mac:vml" xmlns:p="http://schemas.openxmlformats.org/presentationml/2006/main" xmlns:c="http://schemas.openxmlformats.org/drawingml/2006/chart" xmlns:dgm="http://schemas.openxmlformats.org/drawingml/2006/diagram" xmlns:o="urn:schemas-microsoft-com:office:office" xmlns:v="urn:schemas-microsoft-com:vml" xmlns:pvml="urn:schemas-microsoft-com:office:powerpoint" xmlns:com="http://schemas.openxmlformats.org/drawingml/2006/compatibility" xmlns:p14="http://schemas.microsoft.com/office/powerpoint/2010/main" xmlns:p15="http://schemas.microsoft.com/office/powerpoint/2012/main" showMasterPhAnim="0" showMasterSp="0">
+<p:notes xmlns:a="http://schemas.openxmlformats.org/drawingml/2006/main" xmlns:r="http://schemas.openxmlformats.org/officeDocument/2006/relationships" xmlns:p="http://schemas.openxmlformats.org/presentationml/2006/main" showMasterSp="0" showMasterPhAnim="0">
   <p:cSld>
     <p:spTree>
       <p:nvGrpSpPr>
-        <p:cNvPr id="79" name="Shape 79"/>
+        <p:cNvPr id="1" name="Shape 79"/>
         <p:cNvGrpSpPr/>
         <p:nvPr/>
       </p:nvGrpSpPr>
@@ -1528,9 +1578,11 @@
       <p:sp>
         <p:nvSpPr>
           <p:cNvPr id="80" name="Google Shape;80;g8ad1db0f2f_0_26:notes"/>
-          <p:cNvSpPr/>
+          <p:cNvSpPr>
+            <a:spLocks noGrp="1" noRot="1" noChangeAspect="1"/>
+          </p:cNvSpPr>
           <p:nvPr>
-            <p:ph idx="2" type="sldImg"/>
+            <p:ph type="sldImg" idx="2"/>
           </p:nvPr>
         </p:nvSpPr>
         <p:spPr>
@@ -1539,9 +1591,13 @@
             <a:ext cx="6096000" cy="3429000"/>
           </a:xfrm>
           <a:custGeom>
-            <a:rect b="b" l="l" r="r" t="t"/>
+            <a:avLst/>
+            <a:gdLst/>
+            <a:ahLst/>
+            <a:cxnLst/>
+            <a:rect l="l" t="t" r="r" b="b"/>
             <a:pathLst>
-              <a:path extrusionOk="0" h="120000" w="120000">
+              <a:path w="120000" h="120000" extrusionOk="0">
                 <a:moveTo>
                   <a:pt x="0" y="0"/>
                 </a:moveTo>
@@ -1563,9 +1619,11 @@
       <p:sp>
         <p:nvSpPr>
           <p:cNvPr id="81" name="Google Shape;81;g8ad1db0f2f_0_26:notes"/>
-          <p:cNvSpPr txBox="1"/>
+          <p:cNvSpPr txBox="1">
+            <a:spLocks noGrp="1"/>
+          </p:cNvSpPr>
           <p:nvPr>
-            <p:ph idx="1" type="body"/>
+            <p:ph type="body" idx="1"/>
           </p:nvPr>
         </p:nvSpPr>
         <p:spPr>
@@ -1578,12 +1636,12 @@
           </a:prstGeom>
         </p:spPr>
         <p:txBody>
-          <a:bodyPr anchorCtr="0" anchor="t" bIns="91425" lIns="91425" spcFirstLastPara="1" rIns="91425" wrap="square" tIns="91425">
+          <a:bodyPr spcFirstLastPara="1" wrap="square" lIns="91425" tIns="91425" rIns="91425" bIns="91425" anchor="t" anchorCtr="0">
             <a:noAutofit/>
           </a:bodyPr>
           <a:lstStyle/>
           <a:p>
-            <a:pPr indent="0" lvl="0" marL="0" rtl="0" algn="l">
+            <a:pPr marL="0" lvl="0" indent="0" algn="l" rtl="0">
               <a:spcBef>
                 <a:spcPts val="0"/>
               </a:spcBef>
@@ -1592,9 +1650,6 @@
               </a:spcAft>
               <a:buNone/>
             </a:pPr>
-            <a:r>
-              <a:t/>
-            </a:r>
             <a:endParaRPr/>
           </a:p>
         </p:txBody>
@@ -1608,11 +1663,11 @@
 </file>
 
 <file path=ppt/notesSlides/notesSlide6.xml><?xml version="1.0" encoding="utf-8"?>
-<p:notes xmlns:a="http://schemas.openxmlformats.org/drawingml/2006/main" xmlns:r="http://schemas.openxmlformats.org/officeDocument/2006/relationships" xmlns:mc="http://schemas.openxmlformats.org/markup-compatibility/2006" xmlns:mv="urn:schemas-microsoft-com:mac:vml" xmlns:p="http://schemas.openxmlformats.org/presentationml/2006/main" xmlns:c="http://schemas.openxmlformats.org/drawingml/2006/chart" xmlns:dgm="http://schemas.openxmlformats.org/drawingml/2006/diagram" xmlns:o="urn:schemas-microsoft-com:office:office" xmlns:v="urn:schemas-microsoft-com:vml" xmlns:pvml="urn:schemas-microsoft-com:office:powerpoint" xmlns:com="http://schemas.openxmlformats.org/drawingml/2006/compatibility" xmlns:p14="http://schemas.microsoft.com/office/powerpoint/2010/main" xmlns:p15="http://schemas.microsoft.com/office/powerpoint/2012/main" showMasterPhAnim="0" showMasterSp="0">
+<p:notes xmlns:a="http://schemas.openxmlformats.org/drawingml/2006/main" xmlns:r="http://schemas.openxmlformats.org/officeDocument/2006/relationships" xmlns:p="http://schemas.openxmlformats.org/presentationml/2006/main" showMasterSp="0" showMasterPhAnim="0">
   <p:cSld>
     <p:spTree>
       <p:nvGrpSpPr>
-        <p:cNvPr id="84" name="Shape 84"/>
+        <p:cNvPr id="1" name="Shape 84"/>
         <p:cNvGrpSpPr/>
         <p:nvPr/>
       </p:nvGrpSpPr>
@@ -1627,9 +1682,11 @@
       <p:sp>
         <p:nvSpPr>
           <p:cNvPr id="85" name="Google Shape;85;g8ad1db0f2f_0_43:notes"/>
-          <p:cNvSpPr/>
+          <p:cNvSpPr>
+            <a:spLocks noGrp="1" noRot="1" noChangeAspect="1"/>
+          </p:cNvSpPr>
           <p:nvPr>
-            <p:ph idx="2" type="sldImg"/>
+            <p:ph type="sldImg" idx="2"/>
           </p:nvPr>
         </p:nvSpPr>
         <p:spPr>
@@ -1638,9 +1695,13 @@
             <a:ext cx="6096000" cy="3429000"/>
           </a:xfrm>
           <a:custGeom>
-            <a:rect b="b" l="l" r="r" t="t"/>
+            <a:avLst/>
+            <a:gdLst/>
+            <a:ahLst/>
+            <a:cxnLst/>
+            <a:rect l="l" t="t" r="r" b="b"/>
             <a:pathLst>
-              <a:path extrusionOk="0" h="120000" w="120000">
+              <a:path w="120000" h="120000" extrusionOk="0">
                 <a:moveTo>
                   <a:pt x="0" y="0"/>
                 </a:moveTo>
@@ -1662,9 +1723,11 @@
       <p:sp>
         <p:nvSpPr>
           <p:cNvPr id="86" name="Google Shape;86;g8ad1db0f2f_0_43:notes"/>
-          <p:cNvSpPr txBox="1"/>
+          <p:cNvSpPr txBox="1">
+            <a:spLocks noGrp="1"/>
+          </p:cNvSpPr>
           <p:nvPr>
-            <p:ph idx="1" type="body"/>
+            <p:ph type="body" idx="1"/>
           </p:nvPr>
         </p:nvSpPr>
         <p:spPr>
@@ -1677,12 +1740,12 @@
           </a:prstGeom>
         </p:spPr>
         <p:txBody>
-          <a:bodyPr anchorCtr="0" anchor="t" bIns="91425" lIns="91425" spcFirstLastPara="1" rIns="91425" wrap="square" tIns="91425">
+          <a:bodyPr spcFirstLastPara="1" wrap="square" lIns="91425" tIns="91425" rIns="91425" bIns="91425" anchor="t" anchorCtr="0">
             <a:noAutofit/>
           </a:bodyPr>
           <a:lstStyle/>
           <a:p>
-            <a:pPr indent="0" lvl="0" marL="0" rtl="0" algn="l">
+            <a:pPr marL="0" lvl="0" indent="0" algn="l" rtl="0">
               <a:spcBef>
                 <a:spcPts val="0"/>
               </a:spcBef>
@@ -1691,9 +1754,6 @@
               </a:spcAft>
               <a:buNone/>
             </a:pPr>
-            <a:r>
-              <a:t/>
-            </a:r>
             <a:endParaRPr/>
           </a:p>
         </p:txBody>
@@ -1707,11 +1767,11 @@
 </file>
 
 <file path=ppt/notesSlides/notesSlide7.xml><?xml version="1.0" encoding="utf-8"?>
-<p:notes xmlns:a="http://schemas.openxmlformats.org/drawingml/2006/main" xmlns:r="http://schemas.openxmlformats.org/officeDocument/2006/relationships" xmlns:mc="http://schemas.openxmlformats.org/markup-compatibility/2006" xmlns:mv="urn:schemas-microsoft-com:mac:vml" xmlns:p="http://schemas.openxmlformats.org/presentationml/2006/main" xmlns:c="http://schemas.openxmlformats.org/drawingml/2006/chart" xmlns:dgm="http://schemas.openxmlformats.org/drawingml/2006/diagram" xmlns:o="urn:schemas-microsoft-com:office:office" xmlns:v="urn:schemas-microsoft-com:vml" xmlns:pvml="urn:schemas-microsoft-com:office:powerpoint" xmlns:com="http://schemas.openxmlformats.org/drawingml/2006/compatibility" xmlns:p14="http://schemas.microsoft.com/office/powerpoint/2010/main" xmlns:p15="http://schemas.microsoft.com/office/powerpoint/2012/main" showMasterPhAnim="0" showMasterSp="0">
+<p:notes xmlns:a="http://schemas.openxmlformats.org/drawingml/2006/main" xmlns:r="http://schemas.openxmlformats.org/officeDocument/2006/relationships" xmlns:p="http://schemas.openxmlformats.org/presentationml/2006/main" showMasterSp="0" showMasterPhAnim="0">
   <p:cSld>
     <p:spTree>
       <p:nvGrpSpPr>
-        <p:cNvPr id="91" name="Shape 91"/>
+        <p:cNvPr id="1" name="Shape 91"/>
         <p:cNvGrpSpPr/>
         <p:nvPr/>
       </p:nvGrpSpPr>
@@ -1726,9 +1786,11 @@
       <p:sp>
         <p:nvSpPr>
           <p:cNvPr id="92" name="Google Shape;92;g8ad1db0f2f_0_48:notes"/>
-          <p:cNvSpPr/>
+          <p:cNvSpPr>
+            <a:spLocks noGrp="1" noRot="1" noChangeAspect="1"/>
+          </p:cNvSpPr>
           <p:nvPr>
-            <p:ph idx="2" type="sldImg"/>
+            <p:ph type="sldImg" idx="2"/>
           </p:nvPr>
         </p:nvSpPr>
         <p:spPr>
@@ -1737,9 +1799,13 @@
             <a:ext cx="6096000" cy="3429000"/>
           </a:xfrm>
           <a:custGeom>
-            <a:rect b="b" l="l" r="r" t="t"/>
+            <a:avLst/>
+            <a:gdLst/>
+            <a:ahLst/>
+            <a:cxnLst/>
+            <a:rect l="l" t="t" r="r" b="b"/>
             <a:pathLst>
-              <a:path extrusionOk="0" h="120000" w="120000">
+              <a:path w="120000" h="120000" extrusionOk="0">
                 <a:moveTo>
                   <a:pt x="0" y="0"/>
                 </a:moveTo>
@@ -1761,9 +1827,11 @@
       <p:sp>
         <p:nvSpPr>
           <p:cNvPr id="93" name="Google Shape;93;g8ad1db0f2f_0_48:notes"/>
-          <p:cNvSpPr txBox="1"/>
+          <p:cNvSpPr txBox="1">
+            <a:spLocks noGrp="1"/>
+          </p:cNvSpPr>
           <p:nvPr>
-            <p:ph idx="1" type="body"/>
+            <p:ph type="body" idx="1"/>
           </p:nvPr>
         </p:nvSpPr>
         <p:spPr>
@@ -1776,12 +1844,12 @@
           </a:prstGeom>
         </p:spPr>
         <p:txBody>
-          <a:bodyPr anchorCtr="0" anchor="t" bIns="91425" lIns="91425" spcFirstLastPara="1" rIns="91425" wrap="square" tIns="91425">
+          <a:bodyPr spcFirstLastPara="1" wrap="square" lIns="91425" tIns="91425" rIns="91425" bIns="91425" anchor="t" anchorCtr="0">
             <a:noAutofit/>
           </a:bodyPr>
           <a:lstStyle/>
           <a:p>
-            <a:pPr indent="0" lvl="0" marL="0" rtl="0" algn="l">
+            <a:pPr marL="0" lvl="0" indent="0" algn="l" rtl="0">
               <a:spcBef>
                 <a:spcPts val="0"/>
               </a:spcBef>
@@ -1790,9 +1858,6 @@
               </a:spcAft>
               <a:buNone/>
             </a:pPr>
-            <a:r>
-              <a:t/>
-            </a:r>
             <a:endParaRPr/>
           </a:p>
         </p:txBody>
@@ -1806,11 +1871,11 @@
 </file>
 
 <file path=ppt/notesSlides/notesSlide8.xml><?xml version="1.0" encoding="utf-8"?>
-<p:notes xmlns:a="http://schemas.openxmlformats.org/drawingml/2006/main" xmlns:r="http://schemas.openxmlformats.org/officeDocument/2006/relationships" xmlns:mc="http://schemas.openxmlformats.org/markup-compatibility/2006" xmlns:mv="urn:schemas-microsoft-com:mac:vml" xmlns:p="http://schemas.openxmlformats.org/presentationml/2006/main" xmlns:c="http://schemas.openxmlformats.org/drawingml/2006/chart" xmlns:dgm="http://schemas.openxmlformats.org/drawingml/2006/diagram" xmlns:o="urn:schemas-microsoft-com:office:office" xmlns:v="urn:schemas-microsoft-com:vml" xmlns:pvml="urn:schemas-microsoft-com:office:powerpoint" xmlns:com="http://schemas.openxmlformats.org/drawingml/2006/compatibility" xmlns:p14="http://schemas.microsoft.com/office/powerpoint/2010/main" xmlns:p15="http://schemas.microsoft.com/office/powerpoint/2012/main" showMasterPhAnim="0" showMasterSp="0">
+<p:notes xmlns:a="http://schemas.openxmlformats.org/drawingml/2006/main" xmlns:r="http://schemas.openxmlformats.org/officeDocument/2006/relationships" xmlns:p="http://schemas.openxmlformats.org/presentationml/2006/main" showMasterSp="0" showMasterPhAnim="0">
   <p:cSld>
     <p:spTree>
       <p:nvGrpSpPr>
-        <p:cNvPr id="98" name="Shape 98"/>
+        <p:cNvPr id="1" name="Shape 98"/>
         <p:cNvGrpSpPr/>
         <p:nvPr/>
       </p:nvGrpSpPr>
@@ -1825,9 +1890,11 @@
       <p:sp>
         <p:nvSpPr>
           <p:cNvPr id="99" name="Google Shape;99;g8ad1db0f2f_0_30:notes"/>
-          <p:cNvSpPr/>
+          <p:cNvSpPr>
+            <a:spLocks noGrp="1" noRot="1" noChangeAspect="1"/>
+          </p:cNvSpPr>
           <p:nvPr>
-            <p:ph idx="2" type="sldImg"/>
+            <p:ph type="sldImg" idx="2"/>
           </p:nvPr>
         </p:nvSpPr>
         <p:spPr>
@@ -1836,9 +1903,13 @@
             <a:ext cx="6096000" cy="3429000"/>
           </a:xfrm>
           <a:custGeom>
-            <a:rect b="b" l="l" r="r" t="t"/>
+            <a:avLst/>
+            <a:gdLst/>
+            <a:ahLst/>
+            <a:cxnLst/>
+            <a:rect l="l" t="t" r="r" b="b"/>
             <a:pathLst>
-              <a:path extrusionOk="0" h="120000" w="120000">
+              <a:path w="120000" h="120000" extrusionOk="0">
                 <a:moveTo>
                   <a:pt x="0" y="0"/>
                 </a:moveTo>
@@ -1860,9 +1931,11 @@
       <p:sp>
         <p:nvSpPr>
           <p:cNvPr id="100" name="Google Shape;100;g8ad1db0f2f_0_30:notes"/>
-          <p:cNvSpPr txBox="1"/>
+          <p:cNvSpPr txBox="1">
+            <a:spLocks noGrp="1"/>
+          </p:cNvSpPr>
           <p:nvPr>
-            <p:ph idx="1" type="body"/>
+            <p:ph type="body" idx="1"/>
           </p:nvPr>
         </p:nvSpPr>
         <p:spPr>
@@ -1875,12 +1948,12 @@
           </a:prstGeom>
         </p:spPr>
         <p:txBody>
-          <a:bodyPr anchorCtr="0" anchor="t" bIns="91425" lIns="91425" spcFirstLastPara="1" rIns="91425" wrap="square" tIns="91425">
+          <a:bodyPr spcFirstLastPara="1" wrap="square" lIns="91425" tIns="91425" rIns="91425" bIns="91425" anchor="t" anchorCtr="0">
             <a:noAutofit/>
           </a:bodyPr>
           <a:lstStyle/>
           <a:p>
-            <a:pPr indent="0" lvl="0" marL="0" rtl="0" algn="l">
+            <a:pPr marL="0" lvl="0" indent="0" algn="l" rtl="0">
               <a:spcBef>
                 <a:spcPts val="0"/>
               </a:spcBef>
@@ -1889,9 +1962,6 @@
               </a:spcAft>
               <a:buNone/>
             </a:pPr>
-            <a:r>
-              <a:t/>
-            </a:r>
             <a:endParaRPr/>
           </a:p>
         </p:txBody>
@@ -1905,11 +1975,11 @@
 </file>
 
 <file path=ppt/notesSlides/notesSlide9.xml><?xml version="1.0" encoding="utf-8"?>
-<p:notes xmlns:a="http://schemas.openxmlformats.org/drawingml/2006/main" xmlns:r="http://schemas.openxmlformats.org/officeDocument/2006/relationships" xmlns:mc="http://schemas.openxmlformats.org/markup-compatibility/2006" xmlns:mv="urn:schemas-microsoft-com:mac:vml" xmlns:p="http://schemas.openxmlformats.org/presentationml/2006/main" xmlns:c="http://schemas.openxmlformats.org/drawingml/2006/chart" xmlns:dgm="http://schemas.openxmlformats.org/drawingml/2006/diagram" xmlns:o="urn:schemas-microsoft-com:office:office" xmlns:v="urn:schemas-microsoft-com:vml" xmlns:pvml="urn:schemas-microsoft-com:office:powerpoint" xmlns:com="http://schemas.openxmlformats.org/drawingml/2006/compatibility" xmlns:p14="http://schemas.microsoft.com/office/powerpoint/2010/main" xmlns:p15="http://schemas.microsoft.com/office/powerpoint/2012/main" showMasterPhAnim="0" showMasterSp="0">
+<p:notes xmlns:a="http://schemas.openxmlformats.org/drawingml/2006/main" xmlns:r="http://schemas.openxmlformats.org/officeDocument/2006/relationships" xmlns:p="http://schemas.openxmlformats.org/presentationml/2006/main" showMasterSp="0" showMasterPhAnim="0">
   <p:cSld>
     <p:spTree>
       <p:nvGrpSpPr>
-        <p:cNvPr id="103" name="Shape 103"/>
+        <p:cNvPr id="1" name="Shape 103"/>
         <p:cNvGrpSpPr/>
         <p:nvPr/>
       </p:nvGrpSpPr>
@@ -1924,9 +1994,11 @@
       <p:sp>
         <p:nvSpPr>
           <p:cNvPr id="104" name="Google Shape;104;g8ad1db0f2f_0_53:notes"/>
-          <p:cNvSpPr/>
+          <p:cNvSpPr>
+            <a:spLocks noGrp="1" noRot="1" noChangeAspect="1"/>
+          </p:cNvSpPr>
           <p:nvPr>
-            <p:ph idx="2" type="sldImg"/>
+            <p:ph type="sldImg" idx="2"/>
           </p:nvPr>
         </p:nvSpPr>
         <p:spPr>
@@ -1935,9 +2007,13 @@
             <a:ext cx="6096000" cy="3429000"/>
           </a:xfrm>
           <a:custGeom>
-            <a:rect b="b" l="l" r="r" t="t"/>
+            <a:avLst/>
+            <a:gdLst/>
+            <a:ahLst/>
+            <a:cxnLst/>
+            <a:rect l="l" t="t" r="r" b="b"/>
             <a:pathLst>
-              <a:path extrusionOk="0" h="120000" w="120000">
+              <a:path w="120000" h="120000" extrusionOk="0">
                 <a:moveTo>
                   <a:pt x="0" y="0"/>
                 </a:moveTo>
@@ -1959,9 +2035,11 @@
       <p:sp>
         <p:nvSpPr>
           <p:cNvPr id="105" name="Google Shape;105;g8ad1db0f2f_0_53:notes"/>
-          <p:cNvSpPr txBox="1"/>
+          <p:cNvSpPr txBox="1">
+            <a:spLocks noGrp="1"/>
+          </p:cNvSpPr>
           <p:nvPr>
-            <p:ph idx="1" type="body"/>
+            <p:ph type="body" idx="1"/>
           </p:nvPr>
         </p:nvSpPr>
         <p:spPr>
@@ -1974,12 +2052,12 @@
           </a:prstGeom>
         </p:spPr>
         <p:txBody>
-          <a:bodyPr anchorCtr="0" anchor="t" bIns="91425" lIns="91425" spcFirstLastPara="1" rIns="91425" wrap="square" tIns="91425">
+          <a:bodyPr spcFirstLastPara="1" wrap="square" lIns="91425" tIns="91425" rIns="91425" bIns="91425" anchor="t" anchorCtr="0">
             <a:noAutofit/>
           </a:bodyPr>
           <a:lstStyle/>
           <a:p>
-            <a:pPr indent="0" lvl="0" marL="0" rtl="0" algn="l">
+            <a:pPr marL="0" lvl="0" indent="0" algn="l" rtl="0">
               <a:spcBef>
                 <a:spcPts val="0"/>
               </a:spcBef>
@@ -1995,7 +2073,7 @@
             <a:endParaRPr/>
           </a:p>
           <a:p>
-            <a:pPr indent="0" lvl="0" marL="0" rtl="0" algn="l">
+            <a:pPr marL="0" lvl="0" indent="0" algn="l" rtl="0">
               <a:spcBef>
                 <a:spcPts val="0"/>
               </a:spcBef>
@@ -2004,13 +2082,10 @@
               </a:spcAft>
               <a:buNone/>
             </a:pPr>
-            <a:r>
-              <a:t/>
-            </a:r>
             <a:endParaRPr/>
           </a:p>
           <a:p>
-            <a:pPr indent="0" lvl="0" marL="0" rtl="0" algn="l">
+            <a:pPr marL="0" lvl="0" indent="0" algn="l" rtl="0">
               <a:spcBef>
                 <a:spcPts val="0"/>
               </a:spcBef>
@@ -2026,7 +2101,7 @@
             <a:endParaRPr/>
           </a:p>
           <a:p>
-            <a:pPr indent="0" lvl="0" marL="0" rtl="0" algn="l">
+            <a:pPr marL="0" lvl="0" indent="0" algn="l" rtl="0">
               <a:spcBef>
                 <a:spcPts val="0"/>
               </a:spcBef>
@@ -2042,7 +2117,7 @@
             <a:endParaRPr/>
           </a:p>
           <a:p>
-            <a:pPr indent="0" lvl="0" marL="0" rtl="0" algn="l">
+            <a:pPr marL="0" lvl="0" indent="0" algn="l" rtl="0">
               <a:spcBef>
                 <a:spcPts val="0"/>
               </a:spcBef>
@@ -2058,7 +2133,7 @@
             <a:endParaRPr/>
           </a:p>
           <a:p>
-            <a:pPr indent="0" lvl="0" marL="0" rtl="0" algn="l">
+            <a:pPr marL="0" lvl="0" indent="0" algn="l" rtl="0">
               <a:spcBef>
                 <a:spcPts val="0"/>
               </a:spcBef>
@@ -2074,7 +2149,7 @@
             <a:endParaRPr/>
           </a:p>
           <a:p>
-            <a:pPr indent="0" lvl="0" marL="0" rtl="0" algn="l">
+            <a:pPr marL="0" lvl="0" indent="0" algn="l" rtl="0">
               <a:spcBef>
                 <a:spcPts val="0"/>
               </a:spcBef>
@@ -2090,7 +2165,7 @@
             <a:endParaRPr/>
           </a:p>
           <a:p>
-            <a:pPr indent="0" lvl="0" marL="0" rtl="0" algn="l">
+            <a:pPr marL="0" lvl="0" indent="0" algn="l" rtl="0">
               <a:spcBef>
                 <a:spcPts val="0"/>
               </a:spcBef>
@@ -2106,7 +2181,7 @@
             <a:endParaRPr/>
           </a:p>
           <a:p>
-            <a:pPr indent="0" lvl="0" marL="0" rtl="0" algn="l">
+            <a:pPr marL="0" lvl="0" indent="0" algn="l" rtl="0">
               <a:spcBef>
                 <a:spcPts val="0"/>
               </a:spcBef>
@@ -2115,13 +2190,10 @@
               </a:spcAft>
               <a:buNone/>
             </a:pPr>
-            <a:r>
-              <a:t/>
-            </a:r>
             <a:endParaRPr/>
           </a:p>
           <a:p>
-            <a:pPr indent="0" lvl="0" marL="0" rtl="0" algn="l">
+            <a:pPr marL="0" lvl="0" indent="0" algn="l" rtl="0">
               <a:spcBef>
                 <a:spcPts val="0"/>
               </a:spcBef>
@@ -2137,7 +2209,7 @@
             <a:endParaRPr/>
           </a:p>
           <a:p>
-            <a:pPr indent="0" lvl="0" marL="0" rtl="0" algn="l">
+            <a:pPr marL="0" lvl="0" indent="0" algn="l" rtl="0">
               <a:spcBef>
                 <a:spcPts val="0"/>
               </a:spcBef>
@@ -2153,7 +2225,7 @@
             <a:endParaRPr/>
           </a:p>
           <a:p>
-            <a:pPr indent="0" lvl="0" marL="0" rtl="0" algn="l">
+            <a:pPr marL="0" lvl="0" indent="0" algn="l" rtl="0">
               <a:spcBef>
                 <a:spcPts val="0"/>
               </a:spcBef>
@@ -2169,7 +2241,7 @@
             <a:endParaRPr/>
           </a:p>
           <a:p>
-            <a:pPr indent="0" lvl="0" marL="0" rtl="0" algn="l">
+            <a:pPr marL="0" lvl="0" indent="0" algn="l" rtl="0">
               <a:spcBef>
                 <a:spcPts val="0"/>
               </a:spcBef>
@@ -2185,7 +2257,7 @@
             <a:endParaRPr/>
           </a:p>
           <a:p>
-            <a:pPr indent="0" lvl="0" marL="0" rtl="0" algn="l">
+            <a:pPr marL="0" lvl="0" indent="0" algn="l" rtl="0">
               <a:spcBef>
                 <a:spcPts val="0"/>
               </a:spcBef>
@@ -2201,7 +2273,7 @@
             <a:endParaRPr/>
           </a:p>
           <a:p>
-            <a:pPr indent="0" lvl="0" marL="0" rtl="0" algn="l">
+            <a:pPr marL="0" lvl="0" indent="0" algn="l" rtl="0">
               <a:spcBef>
                 <a:spcPts val="0"/>
               </a:spcBef>
@@ -2227,18 +2299,19 @@
 </file>
 
 <file path=ppt/slideLayouts/slideLayout1.xml><?xml version="1.0" encoding="utf-8"?>
-<p:sldLayout xmlns:a="http://schemas.openxmlformats.org/drawingml/2006/main" xmlns:r="http://schemas.openxmlformats.org/officeDocument/2006/relationships" xmlns:mc="http://schemas.openxmlformats.org/markup-compatibility/2006" xmlns:mv="urn:schemas-microsoft-com:mac:vml" xmlns:p="http://schemas.openxmlformats.org/presentationml/2006/main" xmlns:c="http://schemas.openxmlformats.org/drawingml/2006/chart" xmlns:dgm="http://schemas.openxmlformats.org/drawingml/2006/diagram" xmlns:o="urn:schemas-microsoft-com:office:office" xmlns:v="urn:schemas-microsoft-com:vml" xmlns:pvml="urn:schemas-microsoft-com:office:powerpoint" xmlns:com="http://schemas.openxmlformats.org/drawingml/2006/compatibility" xmlns:p14="http://schemas.microsoft.com/office/powerpoint/2010/main" xmlns:p15="http://schemas.microsoft.com/office/powerpoint/2012/main" matchingName="Title slide" type="title">
+<p:sldLayout xmlns:a="http://schemas.openxmlformats.org/drawingml/2006/main" xmlns:r="http://schemas.openxmlformats.org/officeDocument/2006/relationships" xmlns:p="http://schemas.openxmlformats.org/presentationml/2006/main" matchingName="Title slide" type="title">
   <p:cSld name="TITLE">
     <p:bg>
       <p:bgPr>
         <a:solidFill>
           <a:schemeClr val="dk1"/>
         </a:solidFill>
+        <a:effectLst/>
       </p:bgPr>
     </p:bg>
     <p:spTree>
       <p:nvGrpSpPr>
-        <p:cNvPr id="9" name="Shape 9"/>
+        <p:cNvPr id="1" name="Shape 9"/>
         <p:cNvGrpSpPr/>
         <p:nvPr/>
       </p:nvGrpSpPr>
@@ -2265,21 +2338,23 @@
             <a:avLst/>
           </a:prstGeom>
           <a:noFill/>
-          <a:ln cap="flat" cmpd="sng" w="19050">
+          <a:ln w="19050" cap="flat" cmpd="sng">
             <a:solidFill>
               <a:schemeClr val="lt2"/>
             </a:solidFill>
             <a:prstDash val="solid"/>
             <a:round/>
-            <a:headEnd len="sm" w="sm" type="none"/>
-            <a:tailEnd len="sm" w="sm" type="none"/>
+            <a:headEnd type="none" w="sm" len="sm"/>
+            <a:tailEnd type="none" w="sm" len="sm"/>
           </a:ln>
         </p:spPr>
       </p:cxnSp>
       <p:sp>
         <p:nvSpPr>
           <p:cNvPr id="11" name="Google Shape;11;p2"/>
-          <p:cNvSpPr txBox="1"/>
+          <p:cNvSpPr txBox="1">
+            <a:spLocks noGrp="1"/>
+          </p:cNvSpPr>
           <p:nvPr>
             <p:ph type="ctrTitle"/>
           </p:nvPr>
@@ -2294,7 +2369,7 @@
           </a:prstGeom>
         </p:spPr>
         <p:txBody>
-          <a:bodyPr anchorCtr="0" anchor="b" bIns="91425" lIns="91425" spcFirstLastPara="1" rIns="91425" wrap="square" tIns="91425">
+          <a:bodyPr spcFirstLastPara="1" wrap="square" lIns="91425" tIns="91425" rIns="91425" bIns="91425" anchor="b" anchorCtr="0">
             <a:noAutofit/>
           </a:bodyPr>
           <a:lstStyle>
@@ -2461,15 +2536,19 @@
               </a:defRPr>
             </a:lvl9pPr>
           </a:lstStyle>
-          <a:p/>
+          <a:p>
+            <a:endParaRPr/>
+          </a:p>
         </p:txBody>
       </p:sp>
       <p:sp>
         <p:nvSpPr>
           <p:cNvPr id="12" name="Google Shape;12;p2"/>
-          <p:cNvSpPr txBox="1"/>
+          <p:cNvSpPr txBox="1">
+            <a:spLocks noGrp="1"/>
+          </p:cNvSpPr>
           <p:nvPr>
-            <p:ph idx="1" type="subTitle"/>
+            <p:ph type="subTitle" idx="1"/>
           </p:nvPr>
         </p:nvSpPr>
         <p:spPr>
@@ -2482,7 +2561,7 @@
           </a:prstGeom>
         </p:spPr>
         <p:txBody>
-          <a:bodyPr anchorCtr="0" anchor="t" bIns="91425" lIns="91425" spcFirstLastPara="1" rIns="91425" wrap="square" tIns="91425">
+          <a:bodyPr spcFirstLastPara="1" wrap="square" lIns="91425" tIns="91425" rIns="91425" bIns="91425" anchor="t" anchorCtr="0">
             <a:noAutofit/>
           </a:bodyPr>
           <a:lstStyle>
@@ -2676,15 +2755,19 @@
               </a:defRPr>
             </a:lvl9pPr>
           </a:lstStyle>
-          <a:p/>
+          <a:p>
+            <a:endParaRPr/>
+          </a:p>
         </p:txBody>
       </p:sp>
       <p:sp>
         <p:nvSpPr>
           <p:cNvPr id="13" name="Google Shape;13;p2"/>
-          <p:cNvSpPr txBox="1"/>
+          <p:cNvSpPr txBox="1">
+            <a:spLocks noGrp="1"/>
+          </p:cNvSpPr>
           <p:nvPr>
-            <p:ph idx="12" type="sldNum"/>
+            <p:ph type="sldNum" idx="12"/>
           </p:nvPr>
         </p:nvSpPr>
         <p:spPr>
@@ -2697,7 +2780,7 @@
           </a:prstGeom>
         </p:spPr>
         <p:txBody>
-          <a:bodyPr anchorCtr="0" anchor="ctr" bIns="91425" lIns="91425" spcFirstLastPara="1" rIns="91425" wrap="square" tIns="91425">
+          <a:bodyPr spcFirstLastPara="1" wrap="square" lIns="91425" tIns="91425" rIns="91425" bIns="91425" anchor="ctr" anchorCtr="0">
             <a:noAutofit/>
           </a:bodyPr>
           <a:lstStyle>
@@ -2775,7 +2858,7 @@
             </a:lvl9pPr>
           </a:lstStyle>
           <a:p>
-            <a:pPr indent="0" lvl="0" marL="0" rtl="0" algn="r">
+            <a:pPr marL="0" lvl="0" indent="0" algn="r" rtl="0">
               <a:spcBef>
                 <a:spcPts val="0"/>
               </a:spcBef>
@@ -2801,11 +2884,11 @@
 </file>
 
 <file path=ppt/slideLayouts/slideLayout10.xml><?xml version="1.0" encoding="utf-8"?>
-<p:sldLayout xmlns:a="http://schemas.openxmlformats.org/drawingml/2006/main" xmlns:r="http://schemas.openxmlformats.org/officeDocument/2006/relationships" xmlns:mc="http://schemas.openxmlformats.org/markup-compatibility/2006" xmlns:mv="urn:schemas-microsoft-com:mac:vml" xmlns:p="http://schemas.openxmlformats.org/presentationml/2006/main" xmlns:c="http://schemas.openxmlformats.org/drawingml/2006/chart" xmlns:dgm="http://schemas.openxmlformats.org/drawingml/2006/diagram" xmlns:o="urn:schemas-microsoft-com:office:office" xmlns:v="urn:schemas-microsoft-com:vml" xmlns:pvml="urn:schemas-microsoft-com:office:powerpoint" xmlns:com="http://schemas.openxmlformats.org/drawingml/2006/compatibility" xmlns:p14="http://schemas.microsoft.com/office/powerpoint/2010/main" xmlns:p15="http://schemas.microsoft.com/office/powerpoint/2012/main" matchingName="Big number">
+<p:sldLayout xmlns:a="http://schemas.openxmlformats.org/drawingml/2006/main" xmlns:r="http://schemas.openxmlformats.org/officeDocument/2006/relationships" xmlns:p="http://schemas.openxmlformats.org/presentationml/2006/main" matchingName="Big number">
   <p:cSld name="BIG_NUMBER">
     <p:spTree>
       <p:nvGrpSpPr>
-        <p:cNvPr id="48" name="Shape 48"/>
+        <p:cNvPr id="1" name="Shape 48"/>
         <p:cNvGrpSpPr/>
         <p:nvPr/>
       </p:nvGrpSpPr>
@@ -2839,12 +2922,12 @@
           </a:ln>
         </p:spPr>
         <p:txBody>
-          <a:bodyPr anchorCtr="0" anchor="ctr" bIns="91425" lIns="91425" spcFirstLastPara="1" rIns="91425" wrap="square" tIns="91425">
+          <a:bodyPr spcFirstLastPara="1" wrap="square" lIns="91425" tIns="91425" rIns="91425" bIns="91425" anchor="ctr" anchorCtr="0">
             <a:noAutofit/>
           </a:bodyPr>
           <a:lstStyle/>
           <a:p>
-            <a:pPr indent="0" lvl="0" marL="0" rtl="0" algn="l">
+            <a:pPr marL="0" lvl="0" indent="0" algn="l" rtl="0">
               <a:spcBef>
                 <a:spcPts val="0"/>
               </a:spcBef>
@@ -2853,9 +2936,6 @@
               </a:spcAft>
               <a:buNone/>
             </a:pPr>
-            <a:r>
-              <a:t/>
-            </a:r>
             <a:endParaRPr/>
           </a:p>
         </p:txBody>
@@ -2863,9 +2943,11 @@
       <p:sp>
         <p:nvSpPr>
           <p:cNvPr id="50" name="Google Shape;50;p11"/>
-          <p:cNvSpPr txBox="1"/>
+          <p:cNvSpPr txBox="1">
+            <a:spLocks noGrp="1"/>
+          </p:cNvSpPr>
           <p:nvPr>
-            <p:ph hasCustomPrompt="1" type="title"/>
+            <p:ph type="title" hasCustomPrompt="1"/>
           </p:nvPr>
         </p:nvSpPr>
         <p:spPr>
@@ -2878,7 +2960,7 @@
           </a:prstGeom>
         </p:spPr>
         <p:txBody>
-          <a:bodyPr anchorCtr="0" anchor="ctr" bIns="91425" lIns="91425" spcFirstLastPara="1" rIns="91425" wrap="square" tIns="91425">
+          <a:bodyPr spcFirstLastPara="1" wrap="square" lIns="91425" tIns="91425" rIns="91425" bIns="91425" anchor="ctr" anchorCtr="0">
             <a:noAutofit/>
           </a:bodyPr>
           <a:lstStyle>
@@ -2891,7 +2973,7 @@
               </a:spcAft>
               <a:buSzPts val="14000"/>
               <a:buNone/>
-              <a:defRPr b="1" sz="14000"/>
+              <a:defRPr sz="14000" b="1"/>
             </a:lvl1pPr>
             <a:lvl2pPr lvl="1" algn="ctr">
               <a:spcBef>
@@ -2902,7 +2984,7 @@
               </a:spcAft>
               <a:buSzPts val="14000"/>
               <a:buNone/>
-              <a:defRPr b="1" sz="14000"/>
+              <a:defRPr sz="14000" b="1"/>
             </a:lvl2pPr>
             <a:lvl3pPr lvl="2" algn="ctr">
               <a:spcBef>
@@ -2913,7 +2995,7 @@
               </a:spcAft>
               <a:buSzPts val="14000"/>
               <a:buNone/>
-              <a:defRPr b="1" sz="14000"/>
+              <a:defRPr sz="14000" b="1"/>
             </a:lvl3pPr>
             <a:lvl4pPr lvl="3" algn="ctr">
               <a:spcBef>
@@ -2924,7 +3006,7 @@
               </a:spcAft>
               <a:buSzPts val="14000"/>
               <a:buNone/>
-              <a:defRPr b="1" sz="14000"/>
+              <a:defRPr sz="14000" b="1"/>
             </a:lvl4pPr>
             <a:lvl5pPr lvl="4" algn="ctr">
               <a:spcBef>
@@ -2935,7 +3017,7 @@
               </a:spcAft>
               <a:buSzPts val="14000"/>
               <a:buNone/>
-              <a:defRPr b="1" sz="14000"/>
+              <a:defRPr sz="14000" b="1"/>
             </a:lvl5pPr>
             <a:lvl6pPr lvl="5" algn="ctr">
               <a:spcBef>
@@ -2946,7 +3028,7 @@
               </a:spcAft>
               <a:buSzPts val="14000"/>
               <a:buNone/>
-              <a:defRPr b="1" sz="14000"/>
+              <a:defRPr sz="14000" b="1"/>
             </a:lvl6pPr>
             <a:lvl7pPr lvl="6" algn="ctr">
               <a:spcBef>
@@ -2957,7 +3039,7 @@
               </a:spcAft>
               <a:buSzPts val="14000"/>
               <a:buNone/>
-              <a:defRPr b="1" sz="14000"/>
+              <a:defRPr sz="14000" b="1"/>
             </a:lvl7pPr>
             <a:lvl8pPr lvl="7" algn="ctr">
               <a:spcBef>
@@ -2968,7 +3050,7 @@
               </a:spcAft>
               <a:buSzPts val="14000"/>
               <a:buNone/>
-              <a:defRPr b="1" sz="14000"/>
+              <a:defRPr sz="14000" b="1"/>
             </a:lvl8pPr>
             <a:lvl9pPr lvl="8" algn="ctr">
               <a:spcBef>
@@ -2979,7 +3061,7 @@
               </a:spcAft>
               <a:buSzPts val="14000"/>
               <a:buNone/>
-              <a:defRPr b="1" sz="14000"/>
+              <a:defRPr sz="14000" b="1"/>
             </a:lvl9pPr>
           </a:lstStyle>
           <a:p>
@@ -2992,9 +3074,11 @@
       <p:sp>
         <p:nvSpPr>
           <p:cNvPr id="51" name="Google Shape;51;p11"/>
-          <p:cNvSpPr txBox="1"/>
+          <p:cNvSpPr txBox="1">
+            <a:spLocks noGrp="1"/>
+          </p:cNvSpPr>
           <p:nvPr>
-            <p:ph idx="1" type="body"/>
+            <p:ph type="body" idx="1"/>
           </p:nvPr>
         </p:nvSpPr>
         <p:spPr>
@@ -3007,11 +3091,11 @@
           </a:prstGeom>
         </p:spPr>
         <p:txBody>
-          <a:bodyPr anchorCtr="0" anchor="t" bIns="91425" lIns="91425" spcFirstLastPara="1" rIns="91425" wrap="square" tIns="91425">
+          <a:bodyPr spcFirstLastPara="1" wrap="square" lIns="91425" tIns="91425" rIns="91425" bIns="91425" anchor="t" anchorCtr="0">
             <a:noAutofit/>
           </a:bodyPr>
           <a:lstStyle>
-            <a:lvl1pPr indent="-342900" lvl="0" marL="457200" algn="ctr">
+            <a:lvl1pPr marL="457200" lvl="0" indent="-342900" algn="ctr">
               <a:spcBef>
                 <a:spcPts val="0"/>
               </a:spcBef>
@@ -3022,7 +3106,7 @@
               <a:buChar char="●"/>
               <a:defRPr/>
             </a:lvl1pPr>
-            <a:lvl2pPr indent="-317500" lvl="1" marL="914400" algn="ctr">
+            <a:lvl2pPr marL="914400" lvl="1" indent="-317500" algn="ctr">
               <a:spcBef>
                 <a:spcPts val="1600"/>
               </a:spcBef>
@@ -3033,7 +3117,7 @@
               <a:buChar char="○"/>
               <a:defRPr/>
             </a:lvl2pPr>
-            <a:lvl3pPr indent="-317500" lvl="2" marL="1371600" algn="ctr">
+            <a:lvl3pPr marL="1371600" lvl="2" indent="-317500" algn="ctr">
               <a:spcBef>
                 <a:spcPts val="1600"/>
               </a:spcBef>
@@ -3044,7 +3128,7 @@
               <a:buChar char="■"/>
               <a:defRPr/>
             </a:lvl3pPr>
-            <a:lvl4pPr indent="-317500" lvl="3" marL="1828800" algn="ctr">
+            <a:lvl4pPr marL="1828800" lvl="3" indent="-317500" algn="ctr">
               <a:spcBef>
                 <a:spcPts val="1600"/>
               </a:spcBef>
@@ -3055,7 +3139,7 @@
               <a:buChar char="●"/>
               <a:defRPr/>
             </a:lvl4pPr>
-            <a:lvl5pPr indent="-317500" lvl="4" marL="2286000" algn="ctr">
+            <a:lvl5pPr marL="2286000" lvl="4" indent="-317500" algn="ctr">
               <a:spcBef>
                 <a:spcPts val="1600"/>
               </a:spcBef>
@@ -3066,7 +3150,7 @@
               <a:buChar char="○"/>
               <a:defRPr/>
             </a:lvl5pPr>
-            <a:lvl6pPr indent="-317500" lvl="5" marL="2743200" algn="ctr">
+            <a:lvl6pPr marL="2743200" lvl="5" indent="-317500" algn="ctr">
               <a:spcBef>
                 <a:spcPts val="1600"/>
               </a:spcBef>
@@ -3077,7 +3161,7 @@
               <a:buChar char="■"/>
               <a:defRPr/>
             </a:lvl6pPr>
-            <a:lvl7pPr indent="-317500" lvl="6" marL="3200400" algn="ctr">
+            <a:lvl7pPr marL="3200400" lvl="6" indent="-317500" algn="ctr">
               <a:spcBef>
                 <a:spcPts val="1600"/>
               </a:spcBef>
@@ -3088,7 +3172,7 @@
               <a:buChar char="●"/>
               <a:defRPr/>
             </a:lvl7pPr>
-            <a:lvl8pPr indent="-317500" lvl="7" marL="3657600" algn="ctr">
+            <a:lvl8pPr marL="3657600" lvl="7" indent="-317500" algn="ctr">
               <a:spcBef>
                 <a:spcPts val="1600"/>
               </a:spcBef>
@@ -3099,7 +3183,7 @@
               <a:buChar char="○"/>
               <a:defRPr/>
             </a:lvl8pPr>
-            <a:lvl9pPr indent="-317500" lvl="8" marL="4114800" algn="ctr">
+            <a:lvl9pPr marL="4114800" lvl="8" indent="-317500" algn="ctr">
               <a:spcBef>
                 <a:spcPts val="1600"/>
               </a:spcBef>
@@ -3111,15 +3195,19 @@
               <a:defRPr/>
             </a:lvl9pPr>
           </a:lstStyle>
-          <a:p/>
+          <a:p>
+            <a:endParaRPr/>
+          </a:p>
         </p:txBody>
       </p:sp>
       <p:sp>
         <p:nvSpPr>
           <p:cNvPr id="52" name="Google Shape;52;p11"/>
-          <p:cNvSpPr txBox="1"/>
+          <p:cNvSpPr txBox="1">
+            <a:spLocks noGrp="1"/>
+          </p:cNvSpPr>
           <p:nvPr>
-            <p:ph idx="12" type="sldNum"/>
+            <p:ph type="sldNum" idx="12"/>
           </p:nvPr>
         </p:nvSpPr>
         <p:spPr>
@@ -3132,7 +3220,7 @@
           </a:prstGeom>
         </p:spPr>
         <p:txBody>
-          <a:bodyPr anchorCtr="0" anchor="ctr" bIns="91425" lIns="91425" spcFirstLastPara="1" rIns="91425" wrap="square" tIns="91425">
+          <a:bodyPr spcFirstLastPara="1" wrap="square" lIns="91425" tIns="91425" rIns="91425" bIns="91425" anchor="ctr" anchorCtr="0">
             <a:noAutofit/>
           </a:bodyPr>
           <a:lstStyle>
@@ -3174,7 +3262,7 @@
             </a:lvl9pPr>
           </a:lstStyle>
           <a:p>
-            <a:pPr indent="0" lvl="0" marL="0" rtl="0" algn="r">
+            <a:pPr marL="0" lvl="0" indent="0" algn="r" rtl="0">
               <a:spcBef>
                 <a:spcPts val="0"/>
               </a:spcBef>
@@ -3200,11 +3288,11 @@
 </file>
 
 <file path=ppt/slideLayouts/slideLayout11.xml><?xml version="1.0" encoding="utf-8"?>
-<p:sldLayout xmlns:a="http://schemas.openxmlformats.org/drawingml/2006/main" xmlns:r="http://schemas.openxmlformats.org/officeDocument/2006/relationships" xmlns:mc="http://schemas.openxmlformats.org/markup-compatibility/2006" xmlns:mv="urn:schemas-microsoft-com:mac:vml" xmlns:p="http://schemas.openxmlformats.org/presentationml/2006/main" xmlns:c="http://schemas.openxmlformats.org/drawingml/2006/chart" xmlns:dgm="http://schemas.openxmlformats.org/drawingml/2006/diagram" xmlns:o="urn:schemas-microsoft-com:office:office" xmlns:v="urn:schemas-microsoft-com:vml" xmlns:pvml="urn:schemas-microsoft-com:office:powerpoint" xmlns:com="http://schemas.openxmlformats.org/drawingml/2006/compatibility" xmlns:p14="http://schemas.microsoft.com/office/powerpoint/2010/main" xmlns:p15="http://schemas.microsoft.com/office/powerpoint/2012/main" matchingName="Blank" type="blank">
+<p:sldLayout xmlns:a="http://schemas.openxmlformats.org/drawingml/2006/main" xmlns:r="http://schemas.openxmlformats.org/officeDocument/2006/relationships" xmlns:p="http://schemas.openxmlformats.org/presentationml/2006/main" matchingName="Blank" type="blank">
   <p:cSld name="BLANK">
     <p:spTree>
       <p:nvGrpSpPr>
-        <p:cNvPr id="53" name="Shape 53"/>
+        <p:cNvPr id="1" name="Shape 53"/>
         <p:cNvGrpSpPr/>
         <p:nvPr/>
       </p:nvGrpSpPr>
@@ -3219,9 +3307,11 @@
       <p:sp>
         <p:nvSpPr>
           <p:cNvPr id="54" name="Google Shape;54;p12"/>
-          <p:cNvSpPr txBox="1"/>
+          <p:cNvSpPr txBox="1">
+            <a:spLocks noGrp="1"/>
+          </p:cNvSpPr>
           <p:nvPr>
-            <p:ph idx="12" type="sldNum"/>
+            <p:ph type="sldNum" idx="12"/>
           </p:nvPr>
         </p:nvSpPr>
         <p:spPr>
@@ -3234,7 +3324,7 @@
           </a:prstGeom>
         </p:spPr>
         <p:txBody>
-          <a:bodyPr anchorCtr="0" anchor="ctr" bIns="91425" lIns="91425" spcFirstLastPara="1" rIns="91425" wrap="square" tIns="91425">
+          <a:bodyPr spcFirstLastPara="1" wrap="square" lIns="91425" tIns="91425" rIns="91425" bIns="91425" anchor="ctr" anchorCtr="0">
             <a:noAutofit/>
           </a:bodyPr>
           <a:lstStyle>
@@ -3276,7 +3366,7 @@
             </a:lvl9pPr>
           </a:lstStyle>
           <a:p>
-            <a:pPr indent="0" lvl="0" marL="0" rtl="0" algn="r">
+            <a:pPr marL="0" lvl="0" indent="0" algn="r" rtl="0">
               <a:spcBef>
                 <a:spcPts val="0"/>
               </a:spcBef>
@@ -3302,18 +3392,19 @@
 </file>
 
 <file path=ppt/slideLayouts/slideLayout2.xml><?xml version="1.0" encoding="utf-8"?>
-<p:sldLayout xmlns:a="http://schemas.openxmlformats.org/drawingml/2006/main" xmlns:r="http://schemas.openxmlformats.org/officeDocument/2006/relationships" xmlns:mc="http://schemas.openxmlformats.org/markup-compatibility/2006" xmlns:mv="urn:schemas-microsoft-com:mac:vml" xmlns:p="http://schemas.openxmlformats.org/presentationml/2006/main" xmlns:c="http://schemas.openxmlformats.org/drawingml/2006/chart" xmlns:dgm="http://schemas.openxmlformats.org/drawingml/2006/diagram" xmlns:o="urn:schemas-microsoft-com:office:office" xmlns:v="urn:schemas-microsoft-com:vml" xmlns:pvml="urn:schemas-microsoft-com:office:powerpoint" xmlns:com="http://schemas.openxmlformats.org/drawingml/2006/compatibility" xmlns:p14="http://schemas.microsoft.com/office/powerpoint/2010/main" xmlns:p15="http://schemas.microsoft.com/office/powerpoint/2012/main" matchingName="Section header" type="secHead">
+<p:sldLayout xmlns:a="http://schemas.openxmlformats.org/drawingml/2006/main" xmlns:r="http://schemas.openxmlformats.org/officeDocument/2006/relationships" xmlns:p="http://schemas.openxmlformats.org/presentationml/2006/main" matchingName="Section header" type="secHead">
   <p:cSld name="SECTION_HEADER">
     <p:bg>
       <p:bgPr>
         <a:solidFill>
           <a:schemeClr val="dk1"/>
         </a:solidFill>
+        <a:effectLst/>
       </p:bgPr>
     </p:bg>
     <p:spTree>
       <p:nvGrpSpPr>
-        <p:cNvPr id="14" name="Shape 14"/>
+        <p:cNvPr id="1" name="Shape 14"/>
         <p:cNvGrpSpPr/>
         <p:nvPr/>
       </p:nvGrpSpPr>
@@ -3340,21 +3431,23 @@
             <a:avLst/>
           </a:prstGeom>
           <a:noFill/>
-          <a:ln cap="flat" cmpd="sng" w="19050">
+          <a:ln w="19050" cap="flat" cmpd="sng">
             <a:solidFill>
               <a:schemeClr val="lt2"/>
             </a:solidFill>
             <a:prstDash val="solid"/>
             <a:round/>
-            <a:headEnd len="sm" w="sm" type="none"/>
-            <a:tailEnd len="sm" w="sm" type="none"/>
+            <a:headEnd type="none" w="sm" len="sm"/>
+            <a:tailEnd type="none" w="sm" len="sm"/>
           </a:ln>
         </p:spPr>
       </p:cxnSp>
       <p:sp>
         <p:nvSpPr>
           <p:cNvPr id="16" name="Google Shape;16;p3"/>
-          <p:cNvSpPr txBox="1"/>
+          <p:cNvSpPr txBox="1">
+            <a:spLocks noGrp="1"/>
+          </p:cNvSpPr>
           <p:nvPr>
             <p:ph type="title"/>
           </p:nvPr>
@@ -3369,7 +3462,7 @@
           </a:prstGeom>
         </p:spPr>
         <p:txBody>
-          <a:bodyPr anchorCtr="0" anchor="b" bIns="91425" lIns="91425" spcFirstLastPara="1" rIns="91425" wrap="square" tIns="91425">
+          <a:bodyPr spcFirstLastPara="1" wrap="square" lIns="91425" tIns="91425" rIns="91425" bIns="91425" anchor="b" anchorCtr="0">
             <a:noAutofit/>
           </a:bodyPr>
           <a:lstStyle>
@@ -3536,15 +3629,19 @@
               </a:defRPr>
             </a:lvl9pPr>
           </a:lstStyle>
-          <a:p/>
+          <a:p>
+            <a:endParaRPr/>
+          </a:p>
         </p:txBody>
       </p:sp>
       <p:sp>
         <p:nvSpPr>
           <p:cNvPr id="17" name="Google Shape;17;p3"/>
-          <p:cNvSpPr txBox="1"/>
+          <p:cNvSpPr txBox="1">
+            <a:spLocks noGrp="1"/>
+          </p:cNvSpPr>
           <p:nvPr>
-            <p:ph idx="12" type="sldNum"/>
+            <p:ph type="sldNum" idx="12"/>
           </p:nvPr>
         </p:nvSpPr>
         <p:spPr>
@@ -3557,7 +3654,7 @@
           </a:prstGeom>
         </p:spPr>
         <p:txBody>
-          <a:bodyPr anchorCtr="0" anchor="ctr" bIns="91425" lIns="91425" spcFirstLastPara="1" rIns="91425" wrap="square" tIns="91425">
+          <a:bodyPr spcFirstLastPara="1" wrap="square" lIns="91425" tIns="91425" rIns="91425" bIns="91425" anchor="ctr" anchorCtr="0">
             <a:noAutofit/>
           </a:bodyPr>
           <a:lstStyle>
@@ -3635,7 +3732,7 @@
             </a:lvl9pPr>
           </a:lstStyle>
           <a:p>
-            <a:pPr indent="0" lvl="0" marL="0" rtl="0" algn="r">
+            <a:pPr marL="0" lvl="0" indent="0" algn="r" rtl="0">
               <a:spcBef>
                 <a:spcPts val="0"/>
               </a:spcBef>
@@ -3661,11 +3758,11 @@
 </file>
 
 <file path=ppt/slideLayouts/slideLayout3.xml><?xml version="1.0" encoding="utf-8"?>
-<p:sldLayout xmlns:a="http://schemas.openxmlformats.org/drawingml/2006/main" xmlns:r="http://schemas.openxmlformats.org/officeDocument/2006/relationships" xmlns:mc="http://schemas.openxmlformats.org/markup-compatibility/2006" xmlns:mv="urn:schemas-microsoft-com:mac:vml" xmlns:p="http://schemas.openxmlformats.org/presentationml/2006/main" xmlns:c="http://schemas.openxmlformats.org/drawingml/2006/chart" xmlns:dgm="http://schemas.openxmlformats.org/drawingml/2006/diagram" xmlns:o="urn:schemas-microsoft-com:office:office" xmlns:v="urn:schemas-microsoft-com:vml" xmlns:pvml="urn:schemas-microsoft-com:office:powerpoint" xmlns:com="http://schemas.openxmlformats.org/drawingml/2006/compatibility" xmlns:p14="http://schemas.microsoft.com/office/powerpoint/2010/main" xmlns:p15="http://schemas.microsoft.com/office/powerpoint/2012/main" matchingName="Title and body" type="tx">
+<p:sldLayout xmlns:a="http://schemas.openxmlformats.org/drawingml/2006/main" xmlns:r="http://schemas.openxmlformats.org/officeDocument/2006/relationships" xmlns:p="http://schemas.openxmlformats.org/presentationml/2006/main" matchingName="Title and body" type="tx">
   <p:cSld name="TITLE_AND_BODY">
     <p:spTree>
       <p:nvGrpSpPr>
-        <p:cNvPr id="18" name="Shape 18"/>
+        <p:cNvPr id="1" name="Shape 18"/>
         <p:cNvGrpSpPr/>
         <p:nvPr/>
       </p:nvGrpSpPr>
@@ -3699,12 +3796,12 @@
           </a:ln>
         </p:spPr>
         <p:txBody>
-          <a:bodyPr anchorCtr="0" anchor="ctr" bIns="91425" lIns="91425" spcFirstLastPara="1" rIns="91425" wrap="square" tIns="91425">
+          <a:bodyPr spcFirstLastPara="1" wrap="square" lIns="91425" tIns="91425" rIns="91425" bIns="91425" anchor="ctr" anchorCtr="0">
             <a:noAutofit/>
           </a:bodyPr>
           <a:lstStyle/>
           <a:p>
-            <a:pPr indent="0" lvl="0" marL="0" rtl="0" algn="l">
+            <a:pPr marL="0" lvl="0" indent="0" algn="l" rtl="0">
               <a:spcBef>
                 <a:spcPts val="0"/>
               </a:spcBef>
@@ -3713,9 +3810,6 @@
               </a:spcAft>
               <a:buNone/>
             </a:pPr>
-            <a:r>
-              <a:t/>
-            </a:r>
             <a:endParaRPr/>
           </a:p>
         </p:txBody>
@@ -3723,7 +3817,9 @@
       <p:sp>
         <p:nvSpPr>
           <p:cNvPr id="20" name="Google Shape;20;p4"/>
-          <p:cNvSpPr txBox="1"/>
+          <p:cNvSpPr txBox="1">
+            <a:spLocks noGrp="1"/>
+          </p:cNvSpPr>
           <p:nvPr>
             <p:ph type="title"/>
           </p:nvPr>
@@ -3738,7 +3834,7 @@
           </a:prstGeom>
         </p:spPr>
         <p:txBody>
-          <a:bodyPr anchorCtr="0" anchor="t" bIns="91425" lIns="91425" spcFirstLastPara="1" rIns="91425" wrap="square" tIns="91425">
+          <a:bodyPr spcFirstLastPara="1" wrap="square" lIns="91425" tIns="91425" rIns="91425" bIns="91425" anchor="t" anchorCtr="0">
             <a:noAutofit/>
           </a:bodyPr>
           <a:lstStyle>
@@ -3842,15 +3938,19 @@
               <a:defRPr/>
             </a:lvl9pPr>
           </a:lstStyle>
-          <a:p/>
+          <a:p>
+            <a:endParaRPr/>
+          </a:p>
         </p:txBody>
       </p:sp>
       <p:sp>
         <p:nvSpPr>
           <p:cNvPr id="21" name="Google Shape;21;p4"/>
-          <p:cNvSpPr txBox="1"/>
+          <p:cNvSpPr txBox="1">
+            <a:spLocks noGrp="1"/>
+          </p:cNvSpPr>
           <p:nvPr>
-            <p:ph idx="1" type="body"/>
+            <p:ph type="body" idx="1"/>
           </p:nvPr>
         </p:nvSpPr>
         <p:spPr>
@@ -3863,11 +3963,11 @@
           </a:prstGeom>
         </p:spPr>
         <p:txBody>
-          <a:bodyPr anchorCtr="0" anchor="t" bIns="91425" lIns="91425" spcFirstLastPara="1" rIns="91425" wrap="square" tIns="91425">
+          <a:bodyPr spcFirstLastPara="1" wrap="square" lIns="91425" tIns="91425" rIns="91425" bIns="91425" anchor="t" anchorCtr="0">
             <a:noAutofit/>
           </a:bodyPr>
           <a:lstStyle>
-            <a:lvl1pPr indent="-342900" lvl="0" marL="457200">
+            <a:lvl1pPr marL="457200" lvl="0" indent="-342900">
               <a:spcBef>
                 <a:spcPts val="0"/>
               </a:spcBef>
@@ -3878,7 +3978,7 @@
               <a:buChar char="●"/>
               <a:defRPr/>
             </a:lvl1pPr>
-            <a:lvl2pPr indent="-317500" lvl="1" marL="914400">
+            <a:lvl2pPr marL="914400" lvl="1" indent="-317500">
               <a:spcBef>
                 <a:spcPts val="1600"/>
               </a:spcBef>
@@ -3889,7 +3989,7 @@
               <a:buChar char="○"/>
               <a:defRPr/>
             </a:lvl2pPr>
-            <a:lvl3pPr indent="-317500" lvl="2" marL="1371600">
+            <a:lvl3pPr marL="1371600" lvl="2" indent="-317500">
               <a:spcBef>
                 <a:spcPts val="1600"/>
               </a:spcBef>
@@ -3900,7 +4000,7 @@
               <a:buChar char="■"/>
               <a:defRPr/>
             </a:lvl3pPr>
-            <a:lvl4pPr indent="-317500" lvl="3" marL="1828800">
+            <a:lvl4pPr marL="1828800" lvl="3" indent="-317500">
               <a:spcBef>
                 <a:spcPts val="1600"/>
               </a:spcBef>
@@ -3911,7 +4011,7 @@
               <a:buChar char="●"/>
               <a:defRPr/>
             </a:lvl4pPr>
-            <a:lvl5pPr indent="-317500" lvl="4" marL="2286000">
+            <a:lvl5pPr marL="2286000" lvl="4" indent="-317500">
               <a:spcBef>
                 <a:spcPts val="1600"/>
               </a:spcBef>
@@ -3922,7 +4022,7 @@
               <a:buChar char="○"/>
               <a:defRPr/>
             </a:lvl5pPr>
-            <a:lvl6pPr indent="-317500" lvl="5" marL="2743200">
+            <a:lvl6pPr marL="2743200" lvl="5" indent="-317500">
               <a:spcBef>
                 <a:spcPts val="1600"/>
               </a:spcBef>
@@ -3933,7 +4033,7 @@
               <a:buChar char="■"/>
               <a:defRPr/>
             </a:lvl6pPr>
-            <a:lvl7pPr indent="-317500" lvl="6" marL="3200400">
+            <a:lvl7pPr marL="3200400" lvl="6" indent="-317500">
               <a:spcBef>
                 <a:spcPts val="1600"/>
               </a:spcBef>
@@ -3944,7 +4044,7 @@
               <a:buChar char="●"/>
               <a:defRPr/>
             </a:lvl7pPr>
-            <a:lvl8pPr indent="-317500" lvl="7" marL="3657600">
+            <a:lvl8pPr marL="3657600" lvl="7" indent="-317500">
               <a:spcBef>
                 <a:spcPts val="1600"/>
               </a:spcBef>
@@ -3955,7 +4055,7 @@
               <a:buChar char="○"/>
               <a:defRPr/>
             </a:lvl8pPr>
-            <a:lvl9pPr indent="-317500" lvl="8" marL="4114800">
+            <a:lvl9pPr marL="4114800" lvl="8" indent="-317500">
               <a:spcBef>
                 <a:spcPts val="1600"/>
               </a:spcBef>
@@ -3967,15 +4067,19 @@
               <a:defRPr/>
             </a:lvl9pPr>
           </a:lstStyle>
-          <a:p/>
+          <a:p>
+            <a:endParaRPr/>
+          </a:p>
         </p:txBody>
       </p:sp>
       <p:sp>
         <p:nvSpPr>
           <p:cNvPr id="22" name="Google Shape;22;p4"/>
-          <p:cNvSpPr txBox="1"/>
+          <p:cNvSpPr txBox="1">
+            <a:spLocks noGrp="1"/>
+          </p:cNvSpPr>
           <p:nvPr>
-            <p:ph idx="12" type="sldNum"/>
+            <p:ph type="sldNum" idx="12"/>
           </p:nvPr>
         </p:nvSpPr>
         <p:spPr>
@@ -3988,7 +4092,7 @@
           </a:prstGeom>
         </p:spPr>
         <p:txBody>
-          <a:bodyPr anchorCtr="0" anchor="ctr" bIns="91425" lIns="91425" spcFirstLastPara="1" rIns="91425" wrap="square" tIns="91425">
+          <a:bodyPr spcFirstLastPara="1" wrap="square" lIns="91425" tIns="91425" rIns="91425" bIns="91425" anchor="ctr" anchorCtr="0">
             <a:noAutofit/>
           </a:bodyPr>
           <a:lstStyle>
@@ -4030,7 +4134,7 @@
             </a:lvl9pPr>
           </a:lstStyle>
           <a:p>
-            <a:pPr indent="0" lvl="0" marL="0" rtl="0" algn="r">
+            <a:pPr marL="0" lvl="0" indent="0" algn="r" rtl="0">
               <a:spcBef>
                 <a:spcPts val="0"/>
               </a:spcBef>
@@ -4056,11 +4160,11 @@
 </file>
 
 <file path=ppt/slideLayouts/slideLayout4.xml><?xml version="1.0" encoding="utf-8"?>
-<p:sldLayout xmlns:a="http://schemas.openxmlformats.org/drawingml/2006/main" xmlns:r="http://schemas.openxmlformats.org/officeDocument/2006/relationships" xmlns:mc="http://schemas.openxmlformats.org/markup-compatibility/2006" xmlns:mv="urn:schemas-microsoft-com:mac:vml" xmlns:p="http://schemas.openxmlformats.org/presentationml/2006/main" xmlns:c="http://schemas.openxmlformats.org/drawingml/2006/chart" xmlns:dgm="http://schemas.openxmlformats.org/drawingml/2006/diagram" xmlns:o="urn:schemas-microsoft-com:office:office" xmlns:v="urn:schemas-microsoft-com:vml" xmlns:pvml="urn:schemas-microsoft-com:office:powerpoint" xmlns:com="http://schemas.openxmlformats.org/drawingml/2006/compatibility" xmlns:p14="http://schemas.microsoft.com/office/powerpoint/2010/main" xmlns:p15="http://schemas.microsoft.com/office/powerpoint/2012/main" matchingName="Title and two columns" type="twoColTx">
+<p:sldLayout xmlns:a="http://schemas.openxmlformats.org/drawingml/2006/main" xmlns:r="http://schemas.openxmlformats.org/officeDocument/2006/relationships" xmlns:p="http://schemas.openxmlformats.org/presentationml/2006/main" matchingName="Title and two columns" type="twoColTx">
   <p:cSld name="TITLE_AND_TWO_COLUMNS">
     <p:spTree>
       <p:nvGrpSpPr>
-        <p:cNvPr id="23" name="Shape 23"/>
+        <p:cNvPr id="1" name="Shape 23"/>
         <p:cNvGrpSpPr/>
         <p:nvPr/>
       </p:nvGrpSpPr>
@@ -4075,7 +4179,9 @@
       <p:sp>
         <p:nvSpPr>
           <p:cNvPr id="24" name="Google Shape;24;p5"/>
-          <p:cNvSpPr txBox="1"/>
+          <p:cNvSpPr txBox="1">
+            <a:spLocks noGrp="1"/>
+          </p:cNvSpPr>
           <p:nvPr>
             <p:ph type="title"/>
           </p:nvPr>
@@ -4090,7 +4196,7 @@
           </a:prstGeom>
         </p:spPr>
         <p:txBody>
-          <a:bodyPr anchorCtr="0" anchor="t" bIns="91425" lIns="91425" spcFirstLastPara="1" rIns="91425" wrap="square" tIns="91425">
+          <a:bodyPr spcFirstLastPara="1" wrap="square" lIns="91425" tIns="91425" rIns="91425" bIns="91425" anchor="t" anchorCtr="0">
             <a:noAutofit/>
           </a:bodyPr>
           <a:lstStyle>
@@ -4194,15 +4300,19 @@
               <a:defRPr/>
             </a:lvl9pPr>
           </a:lstStyle>
-          <a:p/>
+          <a:p>
+            <a:endParaRPr/>
+          </a:p>
         </p:txBody>
       </p:sp>
       <p:sp>
         <p:nvSpPr>
           <p:cNvPr id="25" name="Google Shape;25;p5"/>
-          <p:cNvSpPr txBox="1"/>
+          <p:cNvSpPr txBox="1">
+            <a:spLocks noGrp="1"/>
+          </p:cNvSpPr>
           <p:nvPr>
-            <p:ph idx="1" type="body"/>
+            <p:ph type="body" idx="1"/>
           </p:nvPr>
         </p:nvSpPr>
         <p:spPr>
@@ -4215,11 +4325,11 @@
           </a:prstGeom>
         </p:spPr>
         <p:txBody>
-          <a:bodyPr anchorCtr="0" anchor="t" bIns="91425" lIns="91425" spcFirstLastPara="1" rIns="91425" wrap="square" tIns="91425">
+          <a:bodyPr spcFirstLastPara="1" wrap="square" lIns="91425" tIns="91425" rIns="91425" bIns="91425" anchor="t" anchorCtr="0">
             <a:noAutofit/>
           </a:bodyPr>
           <a:lstStyle>
-            <a:lvl1pPr indent="-317500" lvl="0" marL="457200">
+            <a:lvl1pPr marL="457200" lvl="0" indent="-317500">
               <a:spcBef>
                 <a:spcPts val="0"/>
               </a:spcBef>
@@ -4230,7 +4340,7 @@
               <a:buChar char="●"/>
               <a:defRPr sz="1400"/>
             </a:lvl1pPr>
-            <a:lvl2pPr indent="-304800" lvl="1" marL="914400">
+            <a:lvl2pPr marL="914400" lvl="1" indent="-304800">
               <a:spcBef>
                 <a:spcPts val="1600"/>
               </a:spcBef>
@@ -4241,7 +4351,7 @@
               <a:buChar char="○"/>
               <a:defRPr sz="1200"/>
             </a:lvl2pPr>
-            <a:lvl3pPr indent="-304800" lvl="2" marL="1371600">
+            <a:lvl3pPr marL="1371600" lvl="2" indent="-304800">
               <a:spcBef>
                 <a:spcPts val="1600"/>
               </a:spcBef>
@@ -4252,7 +4362,7 @@
               <a:buChar char="■"/>
               <a:defRPr sz="1200"/>
             </a:lvl3pPr>
-            <a:lvl4pPr indent="-304800" lvl="3" marL="1828800">
+            <a:lvl4pPr marL="1828800" lvl="3" indent="-304800">
               <a:spcBef>
                 <a:spcPts val="1600"/>
               </a:spcBef>
@@ -4263,7 +4373,7 @@
               <a:buChar char="●"/>
               <a:defRPr sz="1200"/>
             </a:lvl4pPr>
-            <a:lvl5pPr indent="-304800" lvl="4" marL="2286000">
+            <a:lvl5pPr marL="2286000" lvl="4" indent="-304800">
               <a:spcBef>
                 <a:spcPts val="1600"/>
               </a:spcBef>
@@ -4274,7 +4384,7 @@
               <a:buChar char="○"/>
               <a:defRPr sz="1200"/>
             </a:lvl5pPr>
-            <a:lvl6pPr indent="-304800" lvl="5" marL="2743200">
+            <a:lvl6pPr marL="2743200" lvl="5" indent="-304800">
               <a:spcBef>
                 <a:spcPts val="1600"/>
               </a:spcBef>
@@ -4285,7 +4395,7 @@
               <a:buChar char="■"/>
               <a:defRPr sz="1200"/>
             </a:lvl6pPr>
-            <a:lvl7pPr indent="-304800" lvl="6" marL="3200400">
+            <a:lvl7pPr marL="3200400" lvl="6" indent="-304800">
               <a:spcBef>
                 <a:spcPts val="1600"/>
               </a:spcBef>
@@ -4296,7 +4406,7 @@
               <a:buChar char="●"/>
               <a:defRPr sz="1200"/>
             </a:lvl7pPr>
-            <a:lvl8pPr indent="-304800" lvl="7" marL="3657600">
+            <a:lvl8pPr marL="3657600" lvl="7" indent="-304800">
               <a:spcBef>
                 <a:spcPts val="1600"/>
               </a:spcBef>
@@ -4307,7 +4417,7 @@
               <a:buChar char="○"/>
               <a:defRPr sz="1200"/>
             </a:lvl8pPr>
-            <a:lvl9pPr indent="-304800" lvl="8" marL="4114800">
+            <a:lvl9pPr marL="4114800" lvl="8" indent="-304800">
               <a:spcBef>
                 <a:spcPts val="1600"/>
               </a:spcBef>
@@ -4319,15 +4429,19 @@
               <a:defRPr sz="1200"/>
             </a:lvl9pPr>
           </a:lstStyle>
-          <a:p/>
+          <a:p>
+            <a:endParaRPr/>
+          </a:p>
         </p:txBody>
       </p:sp>
       <p:sp>
         <p:nvSpPr>
           <p:cNvPr id="26" name="Google Shape;26;p5"/>
-          <p:cNvSpPr txBox="1"/>
+          <p:cNvSpPr txBox="1">
+            <a:spLocks noGrp="1"/>
+          </p:cNvSpPr>
           <p:nvPr>
-            <p:ph idx="2" type="body"/>
+            <p:ph type="body" idx="2"/>
           </p:nvPr>
         </p:nvSpPr>
         <p:spPr>
@@ -4340,11 +4454,11 @@
           </a:prstGeom>
         </p:spPr>
         <p:txBody>
-          <a:bodyPr anchorCtr="0" anchor="t" bIns="91425" lIns="91425" spcFirstLastPara="1" rIns="91425" wrap="square" tIns="91425">
+          <a:bodyPr spcFirstLastPara="1" wrap="square" lIns="91425" tIns="91425" rIns="91425" bIns="91425" anchor="t" anchorCtr="0">
             <a:noAutofit/>
           </a:bodyPr>
           <a:lstStyle>
-            <a:lvl1pPr indent="-317500" lvl="0" marL="457200">
+            <a:lvl1pPr marL="457200" lvl="0" indent="-317500">
               <a:spcBef>
                 <a:spcPts val="0"/>
               </a:spcBef>
@@ -4355,7 +4469,7 @@
               <a:buChar char="●"/>
               <a:defRPr sz="1400"/>
             </a:lvl1pPr>
-            <a:lvl2pPr indent="-304800" lvl="1" marL="914400">
+            <a:lvl2pPr marL="914400" lvl="1" indent="-304800">
               <a:spcBef>
                 <a:spcPts val="1600"/>
               </a:spcBef>
@@ -4366,7 +4480,7 @@
               <a:buChar char="○"/>
               <a:defRPr sz="1200"/>
             </a:lvl2pPr>
-            <a:lvl3pPr indent="-304800" lvl="2" marL="1371600">
+            <a:lvl3pPr marL="1371600" lvl="2" indent="-304800">
               <a:spcBef>
                 <a:spcPts val="1600"/>
               </a:spcBef>
@@ -4377,7 +4491,7 @@
               <a:buChar char="■"/>
               <a:defRPr sz="1200"/>
             </a:lvl3pPr>
-            <a:lvl4pPr indent="-304800" lvl="3" marL="1828800">
+            <a:lvl4pPr marL="1828800" lvl="3" indent="-304800">
               <a:spcBef>
                 <a:spcPts val="1600"/>
               </a:spcBef>
@@ -4388,7 +4502,7 @@
               <a:buChar char="●"/>
               <a:defRPr sz="1200"/>
             </a:lvl4pPr>
-            <a:lvl5pPr indent="-304800" lvl="4" marL="2286000">
+            <a:lvl5pPr marL="2286000" lvl="4" indent="-304800">
               <a:spcBef>
                 <a:spcPts val="1600"/>
               </a:spcBef>
@@ -4399,7 +4513,7 @@
               <a:buChar char="○"/>
               <a:defRPr sz="1200"/>
             </a:lvl5pPr>
-            <a:lvl6pPr indent="-304800" lvl="5" marL="2743200">
+            <a:lvl6pPr marL="2743200" lvl="5" indent="-304800">
               <a:spcBef>
                 <a:spcPts val="1600"/>
               </a:spcBef>
@@ -4410,7 +4524,7 @@
               <a:buChar char="■"/>
               <a:defRPr sz="1200"/>
             </a:lvl6pPr>
-            <a:lvl7pPr indent="-304800" lvl="6" marL="3200400">
+            <a:lvl7pPr marL="3200400" lvl="6" indent="-304800">
               <a:spcBef>
                 <a:spcPts val="1600"/>
               </a:spcBef>
@@ -4421,7 +4535,7 @@
               <a:buChar char="●"/>
               <a:defRPr sz="1200"/>
             </a:lvl7pPr>
-            <a:lvl8pPr indent="-304800" lvl="7" marL="3657600">
+            <a:lvl8pPr marL="3657600" lvl="7" indent="-304800">
               <a:spcBef>
                 <a:spcPts val="1600"/>
               </a:spcBef>
@@ -4432,7 +4546,7 @@
               <a:buChar char="○"/>
               <a:defRPr sz="1200"/>
             </a:lvl8pPr>
-            <a:lvl9pPr indent="-304800" lvl="8" marL="4114800">
+            <a:lvl9pPr marL="4114800" lvl="8" indent="-304800">
               <a:spcBef>
                 <a:spcPts val="1600"/>
               </a:spcBef>
@@ -4444,15 +4558,19 @@
               <a:defRPr sz="1200"/>
             </a:lvl9pPr>
           </a:lstStyle>
-          <a:p/>
+          <a:p>
+            <a:endParaRPr/>
+          </a:p>
         </p:txBody>
       </p:sp>
       <p:sp>
         <p:nvSpPr>
           <p:cNvPr id="27" name="Google Shape;27;p5"/>
-          <p:cNvSpPr txBox="1"/>
+          <p:cNvSpPr txBox="1">
+            <a:spLocks noGrp="1"/>
+          </p:cNvSpPr>
           <p:nvPr>
-            <p:ph idx="12" type="sldNum"/>
+            <p:ph type="sldNum" idx="12"/>
           </p:nvPr>
         </p:nvSpPr>
         <p:spPr>
@@ -4465,7 +4583,7 @@
           </a:prstGeom>
         </p:spPr>
         <p:txBody>
-          <a:bodyPr anchorCtr="0" anchor="ctr" bIns="91425" lIns="91425" spcFirstLastPara="1" rIns="91425" wrap="square" tIns="91425">
+          <a:bodyPr spcFirstLastPara="1" wrap="square" lIns="91425" tIns="91425" rIns="91425" bIns="91425" anchor="ctr" anchorCtr="0">
             <a:noAutofit/>
           </a:bodyPr>
           <a:lstStyle>
@@ -4507,7 +4625,7 @@
             </a:lvl9pPr>
           </a:lstStyle>
           <a:p>
-            <a:pPr indent="0" lvl="0" marL="0" rtl="0" algn="r">
+            <a:pPr marL="0" lvl="0" indent="0" algn="r" rtl="0">
               <a:spcBef>
                 <a:spcPts val="0"/>
               </a:spcBef>
@@ -4533,11 +4651,11 @@
 </file>
 
 <file path=ppt/slideLayouts/slideLayout5.xml><?xml version="1.0" encoding="utf-8"?>
-<p:sldLayout xmlns:a="http://schemas.openxmlformats.org/drawingml/2006/main" xmlns:r="http://schemas.openxmlformats.org/officeDocument/2006/relationships" xmlns:mc="http://schemas.openxmlformats.org/markup-compatibility/2006" xmlns:mv="urn:schemas-microsoft-com:mac:vml" xmlns:p="http://schemas.openxmlformats.org/presentationml/2006/main" xmlns:c="http://schemas.openxmlformats.org/drawingml/2006/chart" xmlns:dgm="http://schemas.openxmlformats.org/drawingml/2006/diagram" xmlns:o="urn:schemas-microsoft-com:office:office" xmlns:v="urn:schemas-microsoft-com:vml" xmlns:pvml="urn:schemas-microsoft-com:office:powerpoint" xmlns:com="http://schemas.openxmlformats.org/drawingml/2006/compatibility" xmlns:p14="http://schemas.microsoft.com/office/powerpoint/2010/main" xmlns:p15="http://schemas.microsoft.com/office/powerpoint/2012/main" matchingName="Title only" type="titleOnly">
+<p:sldLayout xmlns:a="http://schemas.openxmlformats.org/drawingml/2006/main" xmlns:r="http://schemas.openxmlformats.org/officeDocument/2006/relationships" xmlns:p="http://schemas.openxmlformats.org/presentationml/2006/main" matchingName="Title only" type="titleOnly">
   <p:cSld name="TITLE_ONLY">
     <p:spTree>
       <p:nvGrpSpPr>
-        <p:cNvPr id="28" name="Shape 28"/>
+        <p:cNvPr id="1" name="Shape 28"/>
         <p:cNvGrpSpPr/>
         <p:nvPr/>
       </p:nvGrpSpPr>
@@ -4552,7 +4670,9 @@
       <p:sp>
         <p:nvSpPr>
           <p:cNvPr id="29" name="Google Shape;29;p6"/>
-          <p:cNvSpPr txBox="1"/>
+          <p:cNvSpPr txBox="1">
+            <a:spLocks noGrp="1"/>
+          </p:cNvSpPr>
           <p:nvPr>
             <p:ph type="title"/>
           </p:nvPr>
@@ -4567,7 +4687,7 @@
           </a:prstGeom>
         </p:spPr>
         <p:txBody>
-          <a:bodyPr anchorCtr="0" anchor="t" bIns="91425" lIns="91425" spcFirstLastPara="1" rIns="91425" wrap="square" tIns="91425">
+          <a:bodyPr spcFirstLastPara="1" wrap="square" lIns="91425" tIns="91425" rIns="91425" bIns="91425" anchor="t" anchorCtr="0">
             <a:noAutofit/>
           </a:bodyPr>
           <a:lstStyle>
@@ -4671,15 +4791,19 @@
               <a:defRPr/>
             </a:lvl9pPr>
           </a:lstStyle>
-          <a:p/>
+          <a:p>
+            <a:endParaRPr/>
+          </a:p>
         </p:txBody>
       </p:sp>
       <p:sp>
         <p:nvSpPr>
           <p:cNvPr id="30" name="Google Shape;30;p6"/>
-          <p:cNvSpPr txBox="1"/>
+          <p:cNvSpPr txBox="1">
+            <a:spLocks noGrp="1"/>
+          </p:cNvSpPr>
           <p:nvPr>
-            <p:ph idx="12" type="sldNum"/>
+            <p:ph type="sldNum" idx="12"/>
           </p:nvPr>
         </p:nvSpPr>
         <p:spPr>
@@ -4692,7 +4816,7 @@
           </a:prstGeom>
         </p:spPr>
         <p:txBody>
-          <a:bodyPr anchorCtr="0" anchor="ctr" bIns="91425" lIns="91425" spcFirstLastPara="1" rIns="91425" wrap="square" tIns="91425">
+          <a:bodyPr spcFirstLastPara="1" wrap="square" lIns="91425" tIns="91425" rIns="91425" bIns="91425" anchor="ctr" anchorCtr="0">
             <a:noAutofit/>
           </a:bodyPr>
           <a:lstStyle>
@@ -4734,7 +4858,7 @@
             </a:lvl9pPr>
           </a:lstStyle>
           <a:p>
-            <a:pPr indent="0" lvl="0" marL="0" rtl="0" algn="r">
+            <a:pPr marL="0" lvl="0" indent="0" algn="r" rtl="0">
               <a:spcBef>
                 <a:spcPts val="0"/>
               </a:spcBef>
@@ -4760,11 +4884,11 @@
 </file>
 
 <file path=ppt/slideLayouts/slideLayout6.xml><?xml version="1.0" encoding="utf-8"?>
-<p:sldLayout xmlns:a="http://schemas.openxmlformats.org/drawingml/2006/main" xmlns:r="http://schemas.openxmlformats.org/officeDocument/2006/relationships" xmlns:mc="http://schemas.openxmlformats.org/markup-compatibility/2006" xmlns:mv="urn:schemas-microsoft-com:mac:vml" xmlns:p="http://schemas.openxmlformats.org/presentationml/2006/main" xmlns:c="http://schemas.openxmlformats.org/drawingml/2006/chart" xmlns:dgm="http://schemas.openxmlformats.org/drawingml/2006/diagram" xmlns:o="urn:schemas-microsoft-com:office:office" xmlns:v="urn:schemas-microsoft-com:vml" xmlns:pvml="urn:schemas-microsoft-com:office:powerpoint" xmlns:com="http://schemas.openxmlformats.org/drawingml/2006/compatibility" xmlns:p14="http://schemas.microsoft.com/office/powerpoint/2010/main" xmlns:p15="http://schemas.microsoft.com/office/powerpoint/2012/main" matchingName="One column text">
+<p:sldLayout xmlns:a="http://schemas.openxmlformats.org/drawingml/2006/main" xmlns:r="http://schemas.openxmlformats.org/officeDocument/2006/relationships" xmlns:p="http://schemas.openxmlformats.org/presentationml/2006/main" matchingName="One column text">
   <p:cSld name="ONE_COLUMN_TEXT">
     <p:spTree>
       <p:nvGrpSpPr>
-        <p:cNvPr id="31" name="Shape 31"/>
+        <p:cNvPr id="1" name="Shape 31"/>
         <p:cNvGrpSpPr/>
         <p:nvPr/>
       </p:nvGrpSpPr>
@@ -4779,7 +4903,9 @@
       <p:sp>
         <p:nvSpPr>
           <p:cNvPr id="32" name="Google Shape;32;p7"/>
-          <p:cNvSpPr txBox="1"/>
+          <p:cNvSpPr txBox="1">
+            <a:spLocks noGrp="1"/>
+          </p:cNvSpPr>
           <p:nvPr>
             <p:ph type="title"/>
           </p:nvPr>
@@ -4794,7 +4920,7 @@
           </a:prstGeom>
         </p:spPr>
         <p:txBody>
-          <a:bodyPr anchorCtr="0" anchor="b" bIns="91425" lIns="91425" spcFirstLastPara="1" rIns="91425" wrap="square" tIns="91425">
+          <a:bodyPr spcFirstLastPara="1" wrap="square" lIns="91425" tIns="91425" rIns="91425" bIns="91425" anchor="b" anchorCtr="0">
             <a:noAutofit/>
           </a:bodyPr>
           <a:lstStyle>
@@ -4898,15 +5024,19 @@
               <a:defRPr sz="2400"/>
             </a:lvl9pPr>
           </a:lstStyle>
-          <a:p/>
+          <a:p>
+            <a:endParaRPr/>
+          </a:p>
         </p:txBody>
       </p:sp>
       <p:sp>
         <p:nvSpPr>
           <p:cNvPr id="33" name="Google Shape;33;p7"/>
-          <p:cNvSpPr txBox="1"/>
+          <p:cNvSpPr txBox="1">
+            <a:spLocks noGrp="1"/>
+          </p:cNvSpPr>
           <p:nvPr>
-            <p:ph idx="1" type="body"/>
+            <p:ph type="body" idx="1"/>
           </p:nvPr>
         </p:nvSpPr>
         <p:spPr>
@@ -4919,11 +5049,11 @@
           </a:prstGeom>
         </p:spPr>
         <p:txBody>
-          <a:bodyPr anchorCtr="0" anchor="t" bIns="91425" lIns="91425" spcFirstLastPara="1" rIns="91425" wrap="square" tIns="91425">
+          <a:bodyPr spcFirstLastPara="1" wrap="square" lIns="91425" tIns="91425" rIns="91425" bIns="91425" anchor="t" anchorCtr="0">
             <a:noAutofit/>
           </a:bodyPr>
           <a:lstStyle>
-            <a:lvl1pPr indent="-304800" lvl="0" marL="457200">
+            <a:lvl1pPr marL="457200" lvl="0" indent="-304800">
               <a:spcBef>
                 <a:spcPts val="0"/>
               </a:spcBef>
@@ -4934,7 +5064,7 @@
               <a:buChar char="●"/>
               <a:defRPr sz="1200"/>
             </a:lvl1pPr>
-            <a:lvl2pPr indent="-304800" lvl="1" marL="914400">
+            <a:lvl2pPr marL="914400" lvl="1" indent="-304800">
               <a:spcBef>
                 <a:spcPts val="1600"/>
               </a:spcBef>
@@ -4945,7 +5075,7 @@
               <a:buChar char="○"/>
               <a:defRPr sz="1200"/>
             </a:lvl2pPr>
-            <a:lvl3pPr indent="-304800" lvl="2" marL="1371600">
+            <a:lvl3pPr marL="1371600" lvl="2" indent="-304800">
               <a:spcBef>
                 <a:spcPts val="1600"/>
               </a:spcBef>
@@ -4956,7 +5086,7 @@
               <a:buChar char="■"/>
               <a:defRPr sz="1200"/>
             </a:lvl3pPr>
-            <a:lvl4pPr indent="-304800" lvl="3" marL="1828800">
+            <a:lvl4pPr marL="1828800" lvl="3" indent="-304800">
               <a:spcBef>
                 <a:spcPts val="1600"/>
               </a:spcBef>
@@ -4967,7 +5097,7 @@
               <a:buChar char="●"/>
               <a:defRPr sz="1200"/>
             </a:lvl4pPr>
-            <a:lvl5pPr indent="-304800" lvl="4" marL="2286000">
+            <a:lvl5pPr marL="2286000" lvl="4" indent="-304800">
               <a:spcBef>
                 <a:spcPts val="1600"/>
               </a:spcBef>
@@ -4978,7 +5108,7 @@
               <a:buChar char="○"/>
               <a:defRPr sz="1200"/>
             </a:lvl5pPr>
-            <a:lvl6pPr indent="-304800" lvl="5" marL="2743200">
+            <a:lvl6pPr marL="2743200" lvl="5" indent="-304800">
               <a:spcBef>
                 <a:spcPts val="1600"/>
               </a:spcBef>
@@ -4989,7 +5119,7 @@
               <a:buChar char="■"/>
               <a:defRPr sz="1200"/>
             </a:lvl6pPr>
-            <a:lvl7pPr indent="-304800" lvl="6" marL="3200400">
+            <a:lvl7pPr marL="3200400" lvl="6" indent="-304800">
               <a:spcBef>
                 <a:spcPts val="1600"/>
               </a:spcBef>
@@ -5000,7 +5130,7 @@
               <a:buChar char="●"/>
               <a:defRPr sz="1200"/>
             </a:lvl7pPr>
-            <a:lvl8pPr indent="-304800" lvl="7" marL="3657600">
+            <a:lvl8pPr marL="3657600" lvl="7" indent="-304800">
               <a:spcBef>
                 <a:spcPts val="1600"/>
               </a:spcBef>
@@ -5011,7 +5141,7 @@
               <a:buChar char="○"/>
               <a:defRPr sz="1200"/>
             </a:lvl8pPr>
-            <a:lvl9pPr indent="-304800" lvl="8" marL="4114800">
+            <a:lvl9pPr marL="4114800" lvl="8" indent="-304800">
               <a:spcBef>
                 <a:spcPts val="1600"/>
               </a:spcBef>
@@ -5023,15 +5153,19 @@
               <a:defRPr sz="1200"/>
             </a:lvl9pPr>
           </a:lstStyle>
-          <a:p/>
+          <a:p>
+            <a:endParaRPr/>
+          </a:p>
         </p:txBody>
       </p:sp>
       <p:sp>
         <p:nvSpPr>
           <p:cNvPr id="34" name="Google Shape;34;p7"/>
-          <p:cNvSpPr txBox="1"/>
+          <p:cNvSpPr txBox="1">
+            <a:spLocks noGrp="1"/>
+          </p:cNvSpPr>
           <p:nvPr>
-            <p:ph idx="12" type="sldNum"/>
+            <p:ph type="sldNum" idx="12"/>
           </p:nvPr>
         </p:nvSpPr>
         <p:spPr>
@@ -5044,7 +5178,7 @@
           </a:prstGeom>
         </p:spPr>
         <p:txBody>
-          <a:bodyPr anchorCtr="0" anchor="ctr" bIns="91425" lIns="91425" spcFirstLastPara="1" rIns="91425" wrap="square" tIns="91425">
+          <a:bodyPr spcFirstLastPara="1" wrap="square" lIns="91425" tIns="91425" rIns="91425" bIns="91425" anchor="ctr" anchorCtr="0">
             <a:noAutofit/>
           </a:bodyPr>
           <a:lstStyle>
@@ -5086,7 +5220,7 @@
             </a:lvl9pPr>
           </a:lstStyle>
           <a:p>
-            <a:pPr indent="0" lvl="0" marL="0" rtl="0" algn="r">
+            <a:pPr marL="0" lvl="0" indent="0" algn="r" rtl="0">
               <a:spcBef>
                 <a:spcPts val="0"/>
               </a:spcBef>
@@ -5112,18 +5246,19 @@
 </file>
 
 <file path=ppt/slideLayouts/slideLayout7.xml><?xml version="1.0" encoding="utf-8"?>
-<p:sldLayout xmlns:a="http://schemas.openxmlformats.org/drawingml/2006/main" xmlns:r="http://schemas.openxmlformats.org/officeDocument/2006/relationships" xmlns:mc="http://schemas.openxmlformats.org/markup-compatibility/2006" xmlns:mv="urn:schemas-microsoft-com:mac:vml" xmlns:p="http://schemas.openxmlformats.org/presentationml/2006/main" xmlns:c="http://schemas.openxmlformats.org/drawingml/2006/chart" xmlns:dgm="http://schemas.openxmlformats.org/drawingml/2006/diagram" xmlns:o="urn:schemas-microsoft-com:office:office" xmlns:v="urn:schemas-microsoft-com:vml" xmlns:pvml="urn:schemas-microsoft-com:office:powerpoint" xmlns:com="http://schemas.openxmlformats.org/drawingml/2006/compatibility" xmlns:p14="http://schemas.microsoft.com/office/powerpoint/2010/main" xmlns:p15="http://schemas.microsoft.com/office/powerpoint/2012/main" matchingName="Main point">
+<p:sldLayout xmlns:a="http://schemas.openxmlformats.org/drawingml/2006/main" xmlns:r="http://schemas.openxmlformats.org/officeDocument/2006/relationships" xmlns:p="http://schemas.openxmlformats.org/presentationml/2006/main" matchingName="Main point">
   <p:cSld name="MAIN_POINT">
     <p:bg>
       <p:bgPr>
         <a:solidFill>
           <a:schemeClr val="lt2"/>
         </a:solidFill>
+        <a:effectLst/>
       </p:bgPr>
     </p:bg>
     <p:spTree>
       <p:nvGrpSpPr>
-        <p:cNvPr id="35" name="Shape 35"/>
+        <p:cNvPr id="1" name="Shape 35"/>
         <p:cNvGrpSpPr/>
         <p:nvPr/>
       </p:nvGrpSpPr>
@@ -5138,7 +5273,9 @@
       <p:sp>
         <p:nvSpPr>
           <p:cNvPr id="36" name="Google Shape;36;p8"/>
-          <p:cNvSpPr txBox="1"/>
+          <p:cNvSpPr txBox="1">
+            <a:spLocks noGrp="1"/>
+          </p:cNvSpPr>
           <p:nvPr>
             <p:ph type="title"/>
           </p:nvPr>
@@ -5153,7 +5290,7 @@
           </a:prstGeom>
         </p:spPr>
         <p:txBody>
-          <a:bodyPr anchorCtr="0" anchor="ctr" bIns="91425" lIns="91425" spcFirstLastPara="1" rIns="91425" wrap="square" tIns="91425">
+          <a:bodyPr spcFirstLastPara="1" wrap="square" lIns="91425" tIns="91425" rIns="91425" bIns="91425" anchor="ctr" anchorCtr="0">
             <a:noAutofit/>
           </a:bodyPr>
           <a:lstStyle>
@@ -5257,15 +5394,19 @@
               <a:defRPr sz="4800"/>
             </a:lvl9pPr>
           </a:lstStyle>
-          <a:p/>
+          <a:p>
+            <a:endParaRPr/>
+          </a:p>
         </p:txBody>
       </p:sp>
       <p:sp>
         <p:nvSpPr>
           <p:cNvPr id="37" name="Google Shape;37;p8"/>
-          <p:cNvSpPr txBox="1"/>
+          <p:cNvSpPr txBox="1">
+            <a:spLocks noGrp="1"/>
+          </p:cNvSpPr>
           <p:nvPr>
-            <p:ph idx="12" type="sldNum"/>
+            <p:ph type="sldNum" idx="12"/>
           </p:nvPr>
         </p:nvSpPr>
         <p:spPr>
@@ -5278,7 +5419,7 @@
           </a:prstGeom>
         </p:spPr>
         <p:txBody>
-          <a:bodyPr anchorCtr="0" anchor="ctr" bIns="91425" lIns="91425" spcFirstLastPara="1" rIns="91425" wrap="square" tIns="91425">
+          <a:bodyPr spcFirstLastPara="1" wrap="square" lIns="91425" tIns="91425" rIns="91425" bIns="91425" anchor="ctr" anchorCtr="0">
             <a:noAutofit/>
           </a:bodyPr>
           <a:lstStyle>
@@ -5320,7 +5461,7 @@
             </a:lvl9pPr>
           </a:lstStyle>
           <a:p>
-            <a:pPr indent="0" lvl="0" marL="0" rtl="0" algn="r">
+            <a:pPr marL="0" lvl="0" indent="0" algn="r" rtl="0">
               <a:spcBef>
                 <a:spcPts val="0"/>
               </a:spcBef>
@@ -5346,11 +5487,11 @@
 </file>
 
 <file path=ppt/slideLayouts/slideLayout8.xml><?xml version="1.0" encoding="utf-8"?>
-<p:sldLayout xmlns:a="http://schemas.openxmlformats.org/drawingml/2006/main" xmlns:r="http://schemas.openxmlformats.org/officeDocument/2006/relationships" xmlns:mc="http://schemas.openxmlformats.org/markup-compatibility/2006" xmlns:mv="urn:schemas-microsoft-com:mac:vml" xmlns:p="http://schemas.openxmlformats.org/presentationml/2006/main" xmlns:c="http://schemas.openxmlformats.org/drawingml/2006/chart" xmlns:dgm="http://schemas.openxmlformats.org/drawingml/2006/diagram" xmlns:o="urn:schemas-microsoft-com:office:office" xmlns:v="urn:schemas-microsoft-com:vml" xmlns:pvml="urn:schemas-microsoft-com:office:powerpoint" xmlns:com="http://schemas.openxmlformats.org/drawingml/2006/compatibility" xmlns:p14="http://schemas.microsoft.com/office/powerpoint/2010/main" xmlns:p15="http://schemas.microsoft.com/office/powerpoint/2012/main" matchingName="Section title and description">
+<p:sldLayout xmlns:a="http://schemas.openxmlformats.org/drawingml/2006/main" xmlns:r="http://schemas.openxmlformats.org/officeDocument/2006/relationships" xmlns:p="http://schemas.openxmlformats.org/presentationml/2006/main" matchingName="Section title and description">
   <p:cSld name="SECTION_TITLE_AND_DESCRIPTION">
     <p:spTree>
       <p:nvGrpSpPr>
-        <p:cNvPr id="38" name="Shape 38"/>
+        <p:cNvPr id="1" name="Shape 38"/>
         <p:cNvGrpSpPr/>
         <p:nvPr/>
       </p:nvGrpSpPr>
@@ -5384,12 +5525,12 @@
           </a:ln>
         </p:spPr>
         <p:txBody>
-          <a:bodyPr anchorCtr="0" anchor="ctr" bIns="91425" lIns="91425" spcFirstLastPara="1" rIns="91425" wrap="square" tIns="91425">
+          <a:bodyPr spcFirstLastPara="1" wrap="square" lIns="91425" tIns="91425" rIns="91425" bIns="91425" anchor="ctr" anchorCtr="0">
             <a:noAutofit/>
           </a:bodyPr>
           <a:lstStyle/>
           <a:p>
-            <a:pPr indent="0" lvl="0" marL="0" rtl="0" algn="l">
+            <a:pPr marL="0" lvl="0" indent="0" algn="l" rtl="0">
               <a:spcBef>
                 <a:spcPts val="0"/>
               </a:spcBef>
@@ -5398,9 +5539,6 @@
               </a:spcAft>
               <a:buNone/>
             </a:pPr>
-            <a:r>
-              <a:t/>
-            </a:r>
             <a:endParaRPr/>
           </a:p>
         </p:txBody>
@@ -5420,21 +5558,23 @@
             <a:avLst/>
           </a:prstGeom>
           <a:noFill/>
-          <a:ln cap="flat" cmpd="sng" w="19050">
+          <a:ln w="19050" cap="flat" cmpd="sng">
             <a:solidFill>
               <a:schemeClr val="lt2"/>
             </a:solidFill>
             <a:prstDash val="solid"/>
             <a:round/>
-            <a:headEnd len="sm" w="sm" type="none"/>
-            <a:tailEnd len="sm" w="sm" type="none"/>
+            <a:headEnd type="none" w="sm" len="sm"/>
+            <a:tailEnd type="none" w="sm" len="sm"/>
           </a:ln>
         </p:spPr>
       </p:cxnSp>
       <p:sp>
         <p:nvSpPr>
           <p:cNvPr id="41" name="Google Shape;41;p9"/>
-          <p:cNvSpPr txBox="1"/>
+          <p:cNvSpPr txBox="1">
+            <a:spLocks noGrp="1"/>
+          </p:cNvSpPr>
           <p:nvPr>
             <p:ph type="title"/>
           </p:nvPr>
@@ -5449,7 +5589,7 @@
           </a:prstGeom>
         </p:spPr>
         <p:txBody>
-          <a:bodyPr anchorCtr="0" anchor="b" bIns="91425" lIns="91425" spcFirstLastPara="1" rIns="91425" wrap="square" tIns="91425">
+          <a:bodyPr spcFirstLastPara="1" wrap="square" lIns="91425" tIns="91425" rIns="91425" bIns="91425" anchor="b" anchorCtr="0">
             <a:noAutofit/>
           </a:bodyPr>
           <a:lstStyle>
@@ -5553,15 +5693,19 @@
               <a:defRPr sz="4200"/>
             </a:lvl9pPr>
           </a:lstStyle>
-          <a:p/>
+          <a:p>
+            <a:endParaRPr/>
+          </a:p>
         </p:txBody>
       </p:sp>
       <p:sp>
         <p:nvSpPr>
           <p:cNvPr id="42" name="Google Shape;42;p9"/>
-          <p:cNvSpPr txBox="1"/>
+          <p:cNvSpPr txBox="1">
+            <a:spLocks noGrp="1"/>
+          </p:cNvSpPr>
           <p:nvPr>
-            <p:ph idx="1" type="subTitle"/>
+            <p:ph type="subTitle" idx="1"/>
           </p:nvPr>
         </p:nvSpPr>
         <p:spPr>
@@ -5574,7 +5718,7 @@
           </a:prstGeom>
         </p:spPr>
         <p:txBody>
-          <a:bodyPr anchorCtr="0" anchor="t" bIns="91425" lIns="91425" spcFirstLastPara="1" rIns="91425" wrap="square" tIns="91425">
+          <a:bodyPr spcFirstLastPara="1" wrap="square" lIns="91425" tIns="91425" rIns="91425" bIns="91425" anchor="t" anchorCtr="0">
             <a:noAutofit/>
           </a:bodyPr>
           <a:lstStyle>
@@ -5705,15 +5849,19 @@
               <a:defRPr sz="2100"/>
             </a:lvl9pPr>
           </a:lstStyle>
-          <a:p/>
+          <a:p>
+            <a:endParaRPr/>
+          </a:p>
         </p:txBody>
       </p:sp>
       <p:sp>
         <p:nvSpPr>
           <p:cNvPr id="43" name="Google Shape;43;p9"/>
-          <p:cNvSpPr txBox="1"/>
+          <p:cNvSpPr txBox="1">
+            <a:spLocks noGrp="1"/>
+          </p:cNvSpPr>
           <p:nvPr>
-            <p:ph idx="2" type="body"/>
+            <p:ph type="body" idx="2"/>
           </p:nvPr>
         </p:nvSpPr>
         <p:spPr>
@@ -5726,11 +5874,11 @@
           </a:prstGeom>
         </p:spPr>
         <p:txBody>
-          <a:bodyPr anchorCtr="0" anchor="ctr" bIns="91425" lIns="91425" spcFirstLastPara="1" rIns="91425" wrap="square" tIns="91425">
+          <a:bodyPr spcFirstLastPara="1" wrap="square" lIns="91425" tIns="91425" rIns="91425" bIns="91425" anchor="ctr" anchorCtr="0">
             <a:noAutofit/>
           </a:bodyPr>
           <a:lstStyle>
-            <a:lvl1pPr indent="-342900" lvl="0" marL="457200">
+            <a:lvl1pPr marL="457200" lvl="0" indent="-342900">
               <a:spcBef>
                 <a:spcPts val="0"/>
               </a:spcBef>
@@ -5748,7 +5896,7 @@
                 </a:solidFill>
               </a:defRPr>
             </a:lvl1pPr>
-            <a:lvl2pPr indent="-317500" lvl="1" marL="914400">
+            <a:lvl2pPr marL="914400" lvl="1" indent="-317500">
               <a:spcBef>
                 <a:spcPts val="1600"/>
               </a:spcBef>
@@ -5766,7 +5914,7 @@
                 </a:solidFill>
               </a:defRPr>
             </a:lvl2pPr>
-            <a:lvl3pPr indent="-317500" lvl="2" marL="1371600">
+            <a:lvl3pPr marL="1371600" lvl="2" indent="-317500">
               <a:spcBef>
                 <a:spcPts val="1600"/>
               </a:spcBef>
@@ -5784,7 +5932,7 @@
                 </a:solidFill>
               </a:defRPr>
             </a:lvl3pPr>
-            <a:lvl4pPr indent="-317500" lvl="3" marL="1828800">
+            <a:lvl4pPr marL="1828800" lvl="3" indent="-317500">
               <a:spcBef>
                 <a:spcPts val="1600"/>
               </a:spcBef>
@@ -5802,7 +5950,7 @@
                 </a:solidFill>
               </a:defRPr>
             </a:lvl4pPr>
-            <a:lvl5pPr indent="-317500" lvl="4" marL="2286000">
+            <a:lvl5pPr marL="2286000" lvl="4" indent="-317500">
               <a:spcBef>
                 <a:spcPts val="1600"/>
               </a:spcBef>
@@ -5820,7 +5968,7 @@
                 </a:solidFill>
               </a:defRPr>
             </a:lvl5pPr>
-            <a:lvl6pPr indent="-317500" lvl="5" marL="2743200">
+            <a:lvl6pPr marL="2743200" lvl="5" indent="-317500">
               <a:spcBef>
                 <a:spcPts val="1600"/>
               </a:spcBef>
@@ -5838,7 +5986,7 @@
                 </a:solidFill>
               </a:defRPr>
             </a:lvl6pPr>
-            <a:lvl7pPr indent="-317500" lvl="6" marL="3200400">
+            <a:lvl7pPr marL="3200400" lvl="6" indent="-317500">
               <a:spcBef>
                 <a:spcPts val="1600"/>
               </a:spcBef>
@@ -5856,7 +6004,7 @@
                 </a:solidFill>
               </a:defRPr>
             </a:lvl7pPr>
-            <a:lvl8pPr indent="-317500" lvl="7" marL="3657600">
+            <a:lvl8pPr marL="3657600" lvl="7" indent="-317500">
               <a:spcBef>
                 <a:spcPts val="1600"/>
               </a:spcBef>
@@ -5874,7 +6022,7 @@
                 </a:solidFill>
               </a:defRPr>
             </a:lvl8pPr>
-            <a:lvl9pPr indent="-317500" lvl="8" marL="4114800">
+            <a:lvl9pPr marL="4114800" lvl="8" indent="-317500">
               <a:spcBef>
                 <a:spcPts val="1600"/>
               </a:spcBef>
@@ -5893,15 +6041,19 @@
               </a:defRPr>
             </a:lvl9pPr>
           </a:lstStyle>
-          <a:p/>
+          <a:p>
+            <a:endParaRPr/>
+          </a:p>
         </p:txBody>
       </p:sp>
       <p:sp>
         <p:nvSpPr>
           <p:cNvPr id="44" name="Google Shape;44;p9"/>
-          <p:cNvSpPr txBox="1"/>
+          <p:cNvSpPr txBox="1">
+            <a:spLocks noGrp="1"/>
+          </p:cNvSpPr>
           <p:nvPr>
-            <p:ph idx="12" type="sldNum"/>
+            <p:ph type="sldNum" idx="12"/>
           </p:nvPr>
         </p:nvSpPr>
         <p:spPr>
@@ -5914,7 +6066,7 @@
           </a:prstGeom>
         </p:spPr>
         <p:txBody>
-          <a:bodyPr anchorCtr="0" anchor="ctr" bIns="91425" lIns="91425" spcFirstLastPara="1" rIns="91425" wrap="square" tIns="91425">
+          <a:bodyPr spcFirstLastPara="1" wrap="square" lIns="91425" tIns="91425" rIns="91425" bIns="91425" anchor="ctr" anchorCtr="0">
             <a:noAutofit/>
           </a:bodyPr>
           <a:lstStyle>
@@ -5992,7 +6144,7 @@
             </a:lvl9pPr>
           </a:lstStyle>
           <a:p>
-            <a:pPr indent="0" lvl="0" marL="0" rtl="0" algn="r">
+            <a:pPr marL="0" lvl="0" indent="0" algn="r" rtl="0">
               <a:spcBef>
                 <a:spcPts val="0"/>
               </a:spcBef>
@@ -6018,11 +6170,11 @@
 </file>
 
 <file path=ppt/slideLayouts/slideLayout9.xml><?xml version="1.0" encoding="utf-8"?>
-<p:sldLayout xmlns:a="http://schemas.openxmlformats.org/drawingml/2006/main" xmlns:r="http://schemas.openxmlformats.org/officeDocument/2006/relationships" xmlns:mc="http://schemas.openxmlformats.org/markup-compatibility/2006" xmlns:mv="urn:schemas-microsoft-com:mac:vml" xmlns:p="http://schemas.openxmlformats.org/presentationml/2006/main" xmlns:c="http://schemas.openxmlformats.org/drawingml/2006/chart" xmlns:dgm="http://schemas.openxmlformats.org/drawingml/2006/diagram" xmlns:o="urn:schemas-microsoft-com:office:office" xmlns:v="urn:schemas-microsoft-com:vml" xmlns:pvml="urn:schemas-microsoft-com:office:powerpoint" xmlns:com="http://schemas.openxmlformats.org/drawingml/2006/compatibility" xmlns:p14="http://schemas.microsoft.com/office/powerpoint/2010/main" xmlns:p15="http://schemas.microsoft.com/office/powerpoint/2012/main" matchingName="Caption">
+<p:sldLayout xmlns:a="http://schemas.openxmlformats.org/drawingml/2006/main" xmlns:r="http://schemas.openxmlformats.org/officeDocument/2006/relationships" xmlns:p="http://schemas.openxmlformats.org/presentationml/2006/main" matchingName="Caption">
   <p:cSld name="CAPTION_ONLY">
     <p:spTree>
       <p:nvGrpSpPr>
-        <p:cNvPr id="45" name="Shape 45"/>
+        <p:cNvPr id="1" name="Shape 45"/>
         <p:cNvGrpSpPr/>
         <p:nvPr/>
       </p:nvGrpSpPr>
@@ -6037,9 +6189,11 @@
       <p:sp>
         <p:nvSpPr>
           <p:cNvPr id="46" name="Google Shape;46;p10"/>
-          <p:cNvSpPr txBox="1"/>
+          <p:cNvSpPr txBox="1">
+            <a:spLocks noGrp="1"/>
+          </p:cNvSpPr>
           <p:nvPr>
-            <p:ph idx="1" type="body"/>
+            <p:ph type="body" idx="1"/>
           </p:nvPr>
         </p:nvSpPr>
         <p:spPr>
@@ -6052,11 +6206,11 @@
           </a:prstGeom>
         </p:spPr>
         <p:txBody>
-          <a:bodyPr anchorCtr="0" anchor="ctr" bIns="91425" lIns="91425" spcFirstLastPara="1" rIns="91425" wrap="square" tIns="91425">
+          <a:bodyPr spcFirstLastPara="1" wrap="square" lIns="91425" tIns="91425" rIns="91425" bIns="91425" anchor="ctr" anchorCtr="0">
             <a:noAutofit/>
           </a:bodyPr>
           <a:lstStyle>
-            <a:lvl1pPr indent="-228600" lvl="0" marL="457200">
+            <a:lvl1pPr marL="457200" lvl="0" indent="-228600">
               <a:lnSpc>
                 <a:spcPct val="100000"/>
               </a:lnSpc>
@@ -6071,15 +6225,19 @@
               <a:defRPr sz="2100"/>
             </a:lvl1pPr>
           </a:lstStyle>
-          <a:p/>
+          <a:p>
+            <a:endParaRPr/>
+          </a:p>
         </p:txBody>
       </p:sp>
       <p:sp>
         <p:nvSpPr>
           <p:cNvPr id="47" name="Google Shape;47;p10"/>
-          <p:cNvSpPr txBox="1"/>
+          <p:cNvSpPr txBox="1">
+            <a:spLocks noGrp="1"/>
+          </p:cNvSpPr>
           <p:nvPr>
-            <p:ph idx="12" type="sldNum"/>
+            <p:ph type="sldNum" idx="12"/>
           </p:nvPr>
         </p:nvSpPr>
         <p:spPr>
@@ -6092,7 +6250,7 @@
           </a:prstGeom>
         </p:spPr>
         <p:txBody>
-          <a:bodyPr anchorCtr="0" anchor="ctr" bIns="91425" lIns="91425" spcFirstLastPara="1" rIns="91425" wrap="square" tIns="91425">
+          <a:bodyPr spcFirstLastPara="1" wrap="square" lIns="91425" tIns="91425" rIns="91425" bIns="91425" anchor="ctr" anchorCtr="0">
             <a:noAutofit/>
           </a:bodyPr>
           <a:lstStyle>
@@ -6134,7 +6292,7 @@
             </a:lvl9pPr>
           </a:lstStyle>
           <a:p>
-            <a:pPr indent="0" lvl="0" marL="0" rtl="0" algn="r">
+            <a:pPr marL="0" lvl="0" indent="0" algn="r" rtl="0">
               <a:spcBef>
                 <a:spcPts val="0"/>
               </a:spcBef>
@@ -6160,18 +6318,19 @@
 </file>
 
 <file path=ppt/slideMasters/slideMaster1.xml><?xml version="1.0" encoding="utf-8"?>
-<p:sldMaster xmlns:a="http://schemas.openxmlformats.org/drawingml/2006/main" xmlns:r="http://schemas.openxmlformats.org/officeDocument/2006/relationships" xmlns:mc="http://schemas.openxmlformats.org/markup-compatibility/2006" xmlns:mv="urn:schemas-microsoft-com:mac:vml" xmlns:p="http://schemas.openxmlformats.org/presentationml/2006/main" xmlns:c="http://schemas.openxmlformats.org/drawingml/2006/chart" xmlns:dgm="http://schemas.openxmlformats.org/drawingml/2006/diagram" xmlns:o="urn:schemas-microsoft-com:office:office" xmlns:v="urn:schemas-microsoft-com:vml" xmlns:pvml="urn:schemas-microsoft-com:office:powerpoint" xmlns:com="http://schemas.openxmlformats.org/drawingml/2006/compatibility" xmlns:p14="http://schemas.microsoft.com/office/powerpoint/2010/main" xmlns:p15="http://schemas.microsoft.com/office/powerpoint/2012/main">
+<p:sldMaster xmlns:a="http://schemas.openxmlformats.org/drawingml/2006/main" xmlns:r="http://schemas.openxmlformats.org/officeDocument/2006/relationships" xmlns:p="http://schemas.openxmlformats.org/presentationml/2006/main">
   <p:cSld name="spearmint">
     <p:bg>
       <p:bgPr>
         <a:solidFill>
           <a:schemeClr val="lt1"/>
         </a:solidFill>
+        <a:effectLst/>
       </p:bgPr>
     </p:bg>
     <p:spTree>
       <p:nvGrpSpPr>
-        <p:cNvPr id="5" name="Shape 5"/>
+        <p:cNvPr id="1" name="Shape 5"/>
         <p:cNvGrpSpPr/>
         <p:nvPr/>
       </p:nvGrpSpPr>
@@ -6186,7 +6345,9 @@
       <p:sp>
         <p:nvSpPr>
           <p:cNvPr id="6" name="Google Shape;6;p1"/>
-          <p:cNvSpPr txBox="1"/>
+          <p:cNvSpPr txBox="1">
+            <a:spLocks noGrp="1"/>
+          </p:cNvSpPr>
           <p:nvPr>
             <p:ph type="title"/>
           </p:nvPr>
@@ -6205,7 +6366,7 @@
           </a:ln>
         </p:spPr>
         <p:txBody>
-          <a:bodyPr anchorCtr="0" anchor="t" bIns="91425" lIns="91425" spcFirstLastPara="1" rIns="91425" wrap="square" tIns="91425">
+          <a:bodyPr spcFirstLastPara="1" wrap="square" lIns="91425" tIns="91425" rIns="91425" bIns="91425" anchor="t" anchorCtr="0">
             <a:noAutofit/>
           </a:bodyPr>
           <a:lstStyle>
@@ -6417,15 +6578,19 @@
               </a:defRPr>
             </a:lvl9pPr>
           </a:lstStyle>
-          <a:p/>
+          <a:p>
+            <a:endParaRPr/>
+          </a:p>
         </p:txBody>
       </p:sp>
       <p:sp>
         <p:nvSpPr>
           <p:cNvPr id="7" name="Google Shape;7;p1"/>
-          <p:cNvSpPr txBox="1"/>
+          <p:cNvSpPr txBox="1">
+            <a:spLocks noGrp="1"/>
+          </p:cNvSpPr>
           <p:nvPr>
-            <p:ph idx="1" type="body"/>
+            <p:ph type="body" idx="1"/>
           </p:nvPr>
         </p:nvSpPr>
         <p:spPr>
@@ -6442,11 +6607,11 @@
           </a:ln>
         </p:spPr>
         <p:txBody>
-          <a:bodyPr anchorCtr="0" anchor="t" bIns="91425" lIns="91425" spcFirstLastPara="1" rIns="91425" wrap="square" tIns="91425">
+          <a:bodyPr spcFirstLastPara="1" wrap="square" lIns="91425" tIns="91425" rIns="91425" bIns="91425" anchor="t" anchorCtr="0">
             <a:noAutofit/>
           </a:bodyPr>
           <a:lstStyle>
-            <a:lvl1pPr indent="-342900" lvl="0" marL="457200">
+            <a:lvl1pPr marL="457200" lvl="0" indent="-342900">
               <a:lnSpc>
                 <a:spcPct val="115000"/>
               </a:lnSpc>
@@ -6472,7 +6637,7 @@
                 <a:sym typeface="Proxima Nova"/>
               </a:defRPr>
             </a:lvl1pPr>
-            <a:lvl2pPr indent="-317500" lvl="1" marL="914400">
+            <a:lvl2pPr marL="914400" lvl="1" indent="-317500">
               <a:lnSpc>
                 <a:spcPct val="115000"/>
               </a:lnSpc>
@@ -6498,7 +6663,7 @@
                 <a:sym typeface="Proxima Nova"/>
               </a:defRPr>
             </a:lvl2pPr>
-            <a:lvl3pPr indent="-317500" lvl="2" marL="1371600">
+            <a:lvl3pPr marL="1371600" lvl="2" indent="-317500">
               <a:lnSpc>
                 <a:spcPct val="115000"/>
               </a:lnSpc>
@@ -6524,7 +6689,7 @@
                 <a:sym typeface="Proxima Nova"/>
               </a:defRPr>
             </a:lvl3pPr>
-            <a:lvl4pPr indent="-317500" lvl="3" marL="1828800">
+            <a:lvl4pPr marL="1828800" lvl="3" indent="-317500">
               <a:lnSpc>
                 <a:spcPct val="115000"/>
               </a:lnSpc>
@@ -6550,7 +6715,7 @@
                 <a:sym typeface="Proxima Nova"/>
               </a:defRPr>
             </a:lvl4pPr>
-            <a:lvl5pPr indent="-317500" lvl="4" marL="2286000">
+            <a:lvl5pPr marL="2286000" lvl="4" indent="-317500">
               <a:lnSpc>
                 <a:spcPct val="115000"/>
               </a:lnSpc>
@@ -6576,7 +6741,7 @@
                 <a:sym typeface="Proxima Nova"/>
               </a:defRPr>
             </a:lvl5pPr>
-            <a:lvl6pPr indent="-317500" lvl="5" marL="2743200">
+            <a:lvl6pPr marL="2743200" lvl="5" indent="-317500">
               <a:lnSpc>
                 <a:spcPct val="115000"/>
               </a:lnSpc>
@@ -6602,7 +6767,7 @@
                 <a:sym typeface="Proxima Nova"/>
               </a:defRPr>
             </a:lvl6pPr>
-            <a:lvl7pPr indent="-317500" lvl="6" marL="3200400">
+            <a:lvl7pPr marL="3200400" lvl="6" indent="-317500">
               <a:lnSpc>
                 <a:spcPct val="115000"/>
               </a:lnSpc>
@@ -6628,7 +6793,7 @@
                 <a:sym typeface="Proxima Nova"/>
               </a:defRPr>
             </a:lvl7pPr>
-            <a:lvl8pPr indent="-317500" lvl="7" marL="3657600">
+            <a:lvl8pPr marL="3657600" lvl="7" indent="-317500">
               <a:lnSpc>
                 <a:spcPct val="115000"/>
               </a:lnSpc>
@@ -6654,7 +6819,7 @@
                 <a:sym typeface="Proxima Nova"/>
               </a:defRPr>
             </a:lvl8pPr>
-            <a:lvl9pPr indent="-317500" lvl="8" marL="4114800">
+            <a:lvl9pPr marL="4114800" lvl="8" indent="-317500">
               <a:lnSpc>
                 <a:spcPct val="115000"/>
               </a:lnSpc>
@@ -6681,15 +6846,19 @@
               </a:defRPr>
             </a:lvl9pPr>
           </a:lstStyle>
-          <a:p/>
+          <a:p>
+            <a:endParaRPr/>
+          </a:p>
         </p:txBody>
       </p:sp>
       <p:sp>
         <p:nvSpPr>
           <p:cNvPr id="8" name="Google Shape;8;p1"/>
-          <p:cNvSpPr txBox="1"/>
+          <p:cNvSpPr txBox="1">
+            <a:spLocks noGrp="1"/>
+          </p:cNvSpPr>
           <p:nvPr>
-            <p:ph idx="12" type="sldNum"/>
+            <p:ph type="sldNum" idx="12"/>
           </p:nvPr>
         </p:nvSpPr>
         <p:spPr>
@@ -6706,7 +6875,7 @@
           </a:ln>
         </p:spPr>
         <p:txBody>
-          <a:bodyPr anchorCtr="0" anchor="ctr" bIns="91425" lIns="91425" spcFirstLastPara="1" rIns="91425" wrap="square" tIns="91425">
+          <a:bodyPr spcFirstLastPara="1" wrap="square" lIns="91425" tIns="91425" rIns="91425" bIns="91425" anchor="ctr" anchorCtr="0">
             <a:noAutofit/>
           </a:bodyPr>
           <a:lstStyle>
@@ -6820,7 +6989,7 @@
             </a:lvl9pPr>
           </a:lstStyle>
           <a:p>
-            <a:pPr indent="0" lvl="0" marL="0" rtl="0" algn="r">
+            <a:pPr marL="0" lvl="0" indent="0" algn="r" rtl="0">
               <a:spcBef>
                 <a:spcPts val="0"/>
               </a:spcBef>
@@ -6839,7 +7008,7 @@
       </p:sp>
     </p:spTree>
   </p:cSld>
-  <p:clrMap accent1="accent1" accent2="accent2" accent3="accent3" accent4="accent4" accent5="accent5" accent6="accent6" bg1="lt1" bg2="dk2" tx1="dk1" tx2="lt2" folHlink="folHlink" hlink="hlink"/>
+  <p:clrMap bg1="lt1" tx1="dk1" bg2="dk2" tx2="lt2" accent1="accent1" accent2="accent2" accent3="accent3" accent4="accent4" accent5="accent5" accent6="accent6" hlink="hlink" folHlink="folHlink"/>
   <p:sldLayoutIdLst>
     <p:sldLayoutId id="2147483648" r:id="rId1"/>
     <p:sldLayoutId id="2147483649" r:id="rId2"/>
@@ -6853,10 +7022,10 @@
     <p:sldLayoutId id="2147483657" r:id="rId10"/>
     <p:sldLayoutId id="2147483658" r:id="rId11"/>
   </p:sldLayoutIdLst>
-  <p:hf dt="0" ftr="0" hdr="0" sldNum="0"/>
+  <p:hf sldNum="0" hdr="0" ftr="0" dt="0"/>
   <p:txStyles>
     <p:titleStyle>
-      <a:defPPr lvl="0" marR="0" rtl="0" algn="l">
+      <a:defPPr marR="0" lvl="0" algn="l" rtl="0">
         <a:lnSpc>
           <a:spcPct val="100000"/>
         </a:lnSpc>
@@ -6867,7 +7036,7 @@
           <a:spcPts val="0"/>
         </a:spcAft>
       </a:defPPr>
-      <a:lvl1pPr lvl="0" marR="0" rtl="0" algn="l">
+      <a:lvl1pPr marR="0" lvl="0" algn="l" rtl="0">
         <a:lnSpc>
           <a:spcPct val="100000"/>
         </a:lnSpc>
@@ -6881,7 +7050,7 @@
           <a:srgbClr val="000000"/>
         </a:buClr>
         <a:buFont typeface="Arial"/>
-        <a:defRPr b="0" i="0" sz="1400" u="none" cap="none" strike="noStrike">
+        <a:defRPr sz="1400" b="0" i="0" u="none" strike="noStrike" cap="none">
           <a:solidFill>
             <a:srgbClr val="000000"/>
           </a:solidFill>
@@ -6891,7 +7060,7 @@
           <a:sym typeface="Arial"/>
         </a:defRPr>
       </a:lvl1pPr>
-      <a:lvl2pPr lvl="1" marR="0" rtl="0" algn="l">
+      <a:lvl2pPr marR="0" lvl="1" algn="l" rtl="0">
         <a:lnSpc>
           <a:spcPct val="100000"/>
         </a:lnSpc>
@@ -6905,7 +7074,7 @@
           <a:srgbClr val="000000"/>
         </a:buClr>
         <a:buFont typeface="Arial"/>
-        <a:defRPr b="0" i="0" sz="1400" u="none" cap="none" strike="noStrike">
+        <a:defRPr sz="1400" b="0" i="0" u="none" strike="noStrike" cap="none">
           <a:solidFill>
             <a:srgbClr val="000000"/>
           </a:solidFill>
@@ -6915,7 +7084,7 @@
           <a:sym typeface="Arial"/>
         </a:defRPr>
       </a:lvl2pPr>
-      <a:lvl3pPr lvl="2" marR="0" rtl="0" algn="l">
+      <a:lvl3pPr marR="0" lvl="2" algn="l" rtl="0">
         <a:lnSpc>
           <a:spcPct val="100000"/>
         </a:lnSpc>
@@ -6929,7 +7098,7 @@
           <a:srgbClr val="000000"/>
         </a:buClr>
         <a:buFont typeface="Arial"/>
-        <a:defRPr b="0" i="0" sz="1400" u="none" cap="none" strike="noStrike">
+        <a:defRPr sz="1400" b="0" i="0" u="none" strike="noStrike" cap="none">
           <a:solidFill>
             <a:srgbClr val="000000"/>
           </a:solidFill>
@@ -6939,7 +7108,7 @@
           <a:sym typeface="Arial"/>
         </a:defRPr>
       </a:lvl3pPr>
-      <a:lvl4pPr lvl="3" marR="0" rtl="0" algn="l">
+      <a:lvl4pPr marR="0" lvl="3" algn="l" rtl="0">
         <a:lnSpc>
           <a:spcPct val="100000"/>
         </a:lnSpc>
@@ -6953,7 +7122,7 @@
           <a:srgbClr val="000000"/>
         </a:buClr>
         <a:buFont typeface="Arial"/>
-        <a:defRPr b="0" i="0" sz="1400" u="none" cap="none" strike="noStrike">
+        <a:defRPr sz="1400" b="0" i="0" u="none" strike="noStrike" cap="none">
           <a:solidFill>
             <a:srgbClr val="000000"/>
           </a:solidFill>
@@ -6963,7 +7132,7 @@
           <a:sym typeface="Arial"/>
         </a:defRPr>
       </a:lvl4pPr>
-      <a:lvl5pPr lvl="4" marR="0" rtl="0" algn="l">
+      <a:lvl5pPr marR="0" lvl="4" algn="l" rtl="0">
         <a:lnSpc>
           <a:spcPct val="100000"/>
         </a:lnSpc>
@@ -6977,7 +7146,7 @@
           <a:srgbClr val="000000"/>
         </a:buClr>
         <a:buFont typeface="Arial"/>
-        <a:defRPr b="0" i="0" sz="1400" u="none" cap="none" strike="noStrike">
+        <a:defRPr sz="1400" b="0" i="0" u="none" strike="noStrike" cap="none">
           <a:solidFill>
             <a:srgbClr val="000000"/>
           </a:solidFill>
@@ -6987,7 +7156,7 @@
           <a:sym typeface="Arial"/>
         </a:defRPr>
       </a:lvl5pPr>
-      <a:lvl6pPr lvl="5" marR="0" rtl="0" algn="l">
+      <a:lvl6pPr marR="0" lvl="5" algn="l" rtl="0">
         <a:lnSpc>
           <a:spcPct val="100000"/>
         </a:lnSpc>
@@ -7001,7 +7170,7 @@
           <a:srgbClr val="000000"/>
         </a:buClr>
         <a:buFont typeface="Arial"/>
-        <a:defRPr b="0" i="0" sz="1400" u="none" cap="none" strike="noStrike">
+        <a:defRPr sz="1400" b="0" i="0" u="none" strike="noStrike" cap="none">
           <a:solidFill>
             <a:srgbClr val="000000"/>
           </a:solidFill>
@@ -7011,7 +7180,7 @@
           <a:sym typeface="Arial"/>
         </a:defRPr>
       </a:lvl6pPr>
-      <a:lvl7pPr lvl="6" marR="0" rtl="0" algn="l">
+      <a:lvl7pPr marR="0" lvl="6" algn="l" rtl="0">
         <a:lnSpc>
           <a:spcPct val="100000"/>
         </a:lnSpc>
@@ -7025,7 +7194,7 @@
           <a:srgbClr val="000000"/>
         </a:buClr>
         <a:buFont typeface="Arial"/>
-        <a:defRPr b="0" i="0" sz="1400" u="none" cap="none" strike="noStrike">
+        <a:defRPr sz="1400" b="0" i="0" u="none" strike="noStrike" cap="none">
           <a:solidFill>
             <a:srgbClr val="000000"/>
           </a:solidFill>
@@ -7035,7 +7204,7 @@
           <a:sym typeface="Arial"/>
         </a:defRPr>
       </a:lvl7pPr>
-      <a:lvl8pPr lvl="7" marR="0" rtl="0" algn="l">
+      <a:lvl8pPr marR="0" lvl="7" algn="l" rtl="0">
         <a:lnSpc>
           <a:spcPct val="100000"/>
         </a:lnSpc>
@@ -7049,7 +7218,7 @@
           <a:srgbClr val="000000"/>
         </a:buClr>
         <a:buFont typeface="Arial"/>
-        <a:defRPr b="0" i="0" sz="1400" u="none" cap="none" strike="noStrike">
+        <a:defRPr sz="1400" b="0" i="0" u="none" strike="noStrike" cap="none">
           <a:solidFill>
             <a:srgbClr val="000000"/>
           </a:solidFill>
@@ -7059,7 +7228,7 @@
           <a:sym typeface="Arial"/>
         </a:defRPr>
       </a:lvl8pPr>
-      <a:lvl9pPr lvl="8" marR="0" rtl="0" algn="l">
+      <a:lvl9pPr marR="0" lvl="8" algn="l" rtl="0">
         <a:lnSpc>
           <a:spcPct val="100000"/>
         </a:lnSpc>
@@ -7073,7 +7242,7 @@
           <a:srgbClr val="000000"/>
         </a:buClr>
         <a:buFont typeface="Arial"/>
-        <a:defRPr b="0" i="0" sz="1400" u="none" cap="none" strike="noStrike">
+        <a:defRPr sz="1400" b="0" i="0" u="none" strike="noStrike" cap="none">
           <a:solidFill>
             <a:srgbClr val="000000"/>
           </a:solidFill>
@@ -7085,7 +7254,7 @@
       </a:lvl9pPr>
     </p:titleStyle>
     <p:bodyStyle>
-      <a:defPPr lvl="0" marR="0" rtl="0" algn="l">
+      <a:defPPr marR="0" lvl="0" algn="l" rtl="0">
         <a:lnSpc>
           <a:spcPct val="100000"/>
         </a:lnSpc>
@@ -7096,7 +7265,7 @@
           <a:spcPts val="0"/>
         </a:spcAft>
       </a:defPPr>
-      <a:lvl1pPr lvl="0" marR="0" rtl="0" algn="l">
+      <a:lvl1pPr marR="0" lvl="0" algn="l" rtl="0">
         <a:lnSpc>
           <a:spcPct val="100000"/>
         </a:lnSpc>
@@ -7110,7 +7279,7 @@
           <a:srgbClr val="000000"/>
         </a:buClr>
         <a:buFont typeface="Arial"/>
-        <a:defRPr b="0" i="0" sz="1400" u="none" cap="none" strike="noStrike">
+        <a:defRPr sz="1400" b="0" i="0" u="none" strike="noStrike" cap="none">
           <a:solidFill>
             <a:srgbClr val="000000"/>
           </a:solidFill>
@@ -7120,7 +7289,7 @@
           <a:sym typeface="Arial"/>
         </a:defRPr>
       </a:lvl1pPr>
-      <a:lvl2pPr lvl="1" marR="0" rtl="0" algn="l">
+      <a:lvl2pPr marR="0" lvl="1" algn="l" rtl="0">
         <a:lnSpc>
           <a:spcPct val="100000"/>
         </a:lnSpc>
@@ -7134,7 +7303,7 @@
           <a:srgbClr val="000000"/>
         </a:buClr>
         <a:buFont typeface="Arial"/>
-        <a:defRPr b="0" i="0" sz="1400" u="none" cap="none" strike="noStrike">
+        <a:defRPr sz="1400" b="0" i="0" u="none" strike="noStrike" cap="none">
           <a:solidFill>
             <a:srgbClr val="000000"/>
           </a:solidFill>
@@ -7144,7 +7313,7 @@
           <a:sym typeface="Arial"/>
         </a:defRPr>
       </a:lvl2pPr>
-      <a:lvl3pPr lvl="2" marR="0" rtl="0" algn="l">
+      <a:lvl3pPr marR="0" lvl="2" algn="l" rtl="0">
         <a:lnSpc>
           <a:spcPct val="100000"/>
         </a:lnSpc>
@@ -7158,7 +7327,7 @@
           <a:srgbClr val="000000"/>
         </a:buClr>
         <a:buFont typeface="Arial"/>
-        <a:defRPr b="0" i="0" sz="1400" u="none" cap="none" strike="noStrike">
+        <a:defRPr sz="1400" b="0" i="0" u="none" strike="noStrike" cap="none">
           <a:solidFill>
             <a:srgbClr val="000000"/>
           </a:solidFill>
@@ -7168,7 +7337,7 @@
           <a:sym typeface="Arial"/>
         </a:defRPr>
       </a:lvl3pPr>
-      <a:lvl4pPr lvl="3" marR="0" rtl="0" algn="l">
+      <a:lvl4pPr marR="0" lvl="3" algn="l" rtl="0">
         <a:lnSpc>
           <a:spcPct val="100000"/>
         </a:lnSpc>
@@ -7182,7 +7351,7 @@
           <a:srgbClr val="000000"/>
         </a:buClr>
         <a:buFont typeface="Arial"/>
-        <a:defRPr b="0" i="0" sz="1400" u="none" cap="none" strike="noStrike">
+        <a:defRPr sz="1400" b="0" i="0" u="none" strike="noStrike" cap="none">
           <a:solidFill>
             <a:srgbClr val="000000"/>
           </a:solidFill>
@@ -7192,7 +7361,7 @@
           <a:sym typeface="Arial"/>
         </a:defRPr>
       </a:lvl4pPr>
-      <a:lvl5pPr lvl="4" marR="0" rtl="0" algn="l">
+      <a:lvl5pPr marR="0" lvl="4" algn="l" rtl="0">
         <a:lnSpc>
           <a:spcPct val="100000"/>
         </a:lnSpc>
@@ -7206,7 +7375,7 @@
           <a:srgbClr val="000000"/>
         </a:buClr>
         <a:buFont typeface="Arial"/>
-        <a:defRPr b="0" i="0" sz="1400" u="none" cap="none" strike="noStrike">
+        <a:defRPr sz="1400" b="0" i="0" u="none" strike="noStrike" cap="none">
           <a:solidFill>
             <a:srgbClr val="000000"/>
           </a:solidFill>
@@ -7216,7 +7385,7 @@
           <a:sym typeface="Arial"/>
         </a:defRPr>
       </a:lvl5pPr>
-      <a:lvl6pPr lvl="5" marR="0" rtl="0" algn="l">
+      <a:lvl6pPr marR="0" lvl="5" algn="l" rtl="0">
         <a:lnSpc>
           <a:spcPct val="100000"/>
         </a:lnSpc>
@@ -7230,7 +7399,7 @@
           <a:srgbClr val="000000"/>
         </a:buClr>
         <a:buFont typeface="Arial"/>
-        <a:defRPr b="0" i="0" sz="1400" u="none" cap="none" strike="noStrike">
+        <a:defRPr sz="1400" b="0" i="0" u="none" strike="noStrike" cap="none">
           <a:solidFill>
             <a:srgbClr val="000000"/>
           </a:solidFill>
@@ -7240,7 +7409,7 @@
           <a:sym typeface="Arial"/>
         </a:defRPr>
       </a:lvl6pPr>
-      <a:lvl7pPr lvl="6" marR="0" rtl="0" algn="l">
+      <a:lvl7pPr marR="0" lvl="6" algn="l" rtl="0">
         <a:lnSpc>
           <a:spcPct val="100000"/>
         </a:lnSpc>
@@ -7254,7 +7423,7 @@
           <a:srgbClr val="000000"/>
         </a:buClr>
         <a:buFont typeface="Arial"/>
-        <a:defRPr b="0" i="0" sz="1400" u="none" cap="none" strike="noStrike">
+        <a:defRPr sz="1400" b="0" i="0" u="none" strike="noStrike" cap="none">
           <a:solidFill>
             <a:srgbClr val="000000"/>
           </a:solidFill>
@@ -7264,7 +7433,7 @@
           <a:sym typeface="Arial"/>
         </a:defRPr>
       </a:lvl7pPr>
-      <a:lvl8pPr lvl="7" marR="0" rtl="0" algn="l">
+      <a:lvl8pPr marR="0" lvl="7" algn="l" rtl="0">
         <a:lnSpc>
           <a:spcPct val="100000"/>
         </a:lnSpc>
@@ -7278,7 +7447,7 @@
           <a:srgbClr val="000000"/>
         </a:buClr>
         <a:buFont typeface="Arial"/>
-        <a:defRPr b="0" i="0" sz="1400" u="none" cap="none" strike="noStrike">
+        <a:defRPr sz="1400" b="0" i="0" u="none" strike="noStrike" cap="none">
           <a:solidFill>
             <a:srgbClr val="000000"/>
           </a:solidFill>
@@ -7288,7 +7457,7 @@
           <a:sym typeface="Arial"/>
         </a:defRPr>
       </a:lvl8pPr>
-      <a:lvl9pPr lvl="8" marR="0" rtl="0" algn="l">
+      <a:lvl9pPr marR="0" lvl="8" algn="l" rtl="0">
         <a:lnSpc>
           <a:spcPct val="100000"/>
         </a:lnSpc>
@@ -7302,7 +7471,7 @@
           <a:srgbClr val="000000"/>
         </a:buClr>
         <a:buFont typeface="Arial"/>
-        <a:defRPr b="0" i="0" sz="1400" u="none" cap="none" strike="noStrike">
+        <a:defRPr sz="1400" b="0" i="0" u="none" strike="noStrike" cap="none">
           <a:solidFill>
             <a:srgbClr val="000000"/>
           </a:solidFill>
@@ -7314,7 +7483,7 @@
       </a:lvl9pPr>
     </p:bodyStyle>
     <p:otherStyle>
-      <a:defPPr lvl="0" marR="0" rtl="0" algn="l">
+      <a:defPPr marR="0" lvl="0" algn="l" rtl="0">
         <a:lnSpc>
           <a:spcPct val="100000"/>
         </a:lnSpc>
@@ -7325,7 +7494,7 @@
           <a:spcPts val="0"/>
         </a:spcAft>
       </a:defPPr>
-      <a:lvl1pPr lvl="0" marR="0" rtl="0" algn="l">
+      <a:lvl1pPr marR="0" lvl="0" algn="l" rtl="0">
         <a:lnSpc>
           <a:spcPct val="100000"/>
         </a:lnSpc>
@@ -7339,7 +7508,7 @@
           <a:srgbClr val="000000"/>
         </a:buClr>
         <a:buFont typeface="Arial"/>
-        <a:defRPr b="0" i="0" sz="1400" u="none" cap="none" strike="noStrike">
+        <a:defRPr sz="1400" b="0" i="0" u="none" strike="noStrike" cap="none">
           <a:solidFill>
             <a:srgbClr val="000000"/>
           </a:solidFill>
@@ -7349,7 +7518,7 @@
           <a:sym typeface="Arial"/>
         </a:defRPr>
       </a:lvl1pPr>
-      <a:lvl2pPr lvl="1" marR="0" rtl="0" algn="l">
+      <a:lvl2pPr marR="0" lvl="1" algn="l" rtl="0">
         <a:lnSpc>
           <a:spcPct val="100000"/>
         </a:lnSpc>
@@ -7363,7 +7532,7 @@
           <a:srgbClr val="000000"/>
         </a:buClr>
         <a:buFont typeface="Arial"/>
-        <a:defRPr b="0" i="0" sz="1400" u="none" cap="none" strike="noStrike">
+        <a:defRPr sz="1400" b="0" i="0" u="none" strike="noStrike" cap="none">
           <a:solidFill>
             <a:srgbClr val="000000"/>
           </a:solidFill>
@@ -7373,7 +7542,7 @@
           <a:sym typeface="Arial"/>
         </a:defRPr>
       </a:lvl2pPr>
-      <a:lvl3pPr lvl="2" marR="0" rtl="0" algn="l">
+      <a:lvl3pPr marR="0" lvl="2" algn="l" rtl="0">
         <a:lnSpc>
           <a:spcPct val="100000"/>
         </a:lnSpc>
@@ -7387,7 +7556,7 @@
           <a:srgbClr val="000000"/>
         </a:buClr>
         <a:buFont typeface="Arial"/>
-        <a:defRPr b="0" i="0" sz="1400" u="none" cap="none" strike="noStrike">
+        <a:defRPr sz="1400" b="0" i="0" u="none" strike="noStrike" cap="none">
           <a:solidFill>
             <a:srgbClr val="000000"/>
           </a:solidFill>
@@ -7397,7 +7566,7 @@
           <a:sym typeface="Arial"/>
         </a:defRPr>
       </a:lvl3pPr>
-      <a:lvl4pPr lvl="3" marR="0" rtl="0" algn="l">
+      <a:lvl4pPr marR="0" lvl="3" algn="l" rtl="0">
         <a:lnSpc>
           <a:spcPct val="100000"/>
         </a:lnSpc>
@@ -7411,7 +7580,7 @@
           <a:srgbClr val="000000"/>
         </a:buClr>
         <a:buFont typeface="Arial"/>
-        <a:defRPr b="0" i="0" sz="1400" u="none" cap="none" strike="noStrike">
+        <a:defRPr sz="1400" b="0" i="0" u="none" strike="noStrike" cap="none">
           <a:solidFill>
             <a:srgbClr val="000000"/>
           </a:solidFill>
@@ -7421,7 +7590,7 @@
           <a:sym typeface="Arial"/>
         </a:defRPr>
       </a:lvl4pPr>
-      <a:lvl5pPr lvl="4" marR="0" rtl="0" algn="l">
+      <a:lvl5pPr marR="0" lvl="4" algn="l" rtl="0">
         <a:lnSpc>
           <a:spcPct val="100000"/>
         </a:lnSpc>
@@ -7435,7 +7604,7 @@
           <a:srgbClr val="000000"/>
         </a:buClr>
         <a:buFont typeface="Arial"/>
-        <a:defRPr b="0" i="0" sz="1400" u="none" cap="none" strike="noStrike">
+        <a:defRPr sz="1400" b="0" i="0" u="none" strike="noStrike" cap="none">
           <a:solidFill>
             <a:srgbClr val="000000"/>
           </a:solidFill>
@@ -7445,7 +7614,7 @@
           <a:sym typeface="Arial"/>
         </a:defRPr>
       </a:lvl5pPr>
-      <a:lvl6pPr lvl="5" marR="0" rtl="0" algn="l">
+      <a:lvl6pPr marR="0" lvl="5" algn="l" rtl="0">
         <a:lnSpc>
           <a:spcPct val="100000"/>
         </a:lnSpc>
@@ -7459,7 +7628,7 @@
           <a:srgbClr val="000000"/>
         </a:buClr>
         <a:buFont typeface="Arial"/>
-        <a:defRPr b="0" i="0" sz="1400" u="none" cap="none" strike="noStrike">
+        <a:defRPr sz="1400" b="0" i="0" u="none" strike="noStrike" cap="none">
           <a:solidFill>
             <a:srgbClr val="000000"/>
           </a:solidFill>
@@ -7469,7 +7638,7 @@
           <a:sym typeface="Arial"/>
         </a:defRPr>
       </a:lvl6pPr>
-      <a:lvl7pPr lvl="6" marR="0" rtl="0" algn="l">
+      <a:lvl7pPr marR="0" lvl="6" algn="l" rtl="0">
         <a:lnSpc>
           <a:spcPct val="100000"/>
         </a:lnSpc>
@@ -7483,7 +7652,7 @@
           <a:srgbClr val="000000"/>
         </a:buClr>
         <a:buFont typeface="Arial"/>
-        <a:defRPr b="0" i="0" sz="1400" u="none" cap="none" strike="noStrike">
+        <a:defRPr sz="1400" b="0" i="0" u="none" strike="noStrike" cap="none">
           <a:solidFill>
             <a:srgbClr val="000000"/>
           </a:solidFill>
@@ -7493,7 +7662,7 @@
           <a:sym typeface="Arial"/>
         </a:defRPr>
       </a:lvl7pPr>
-      <a:lvl8pPr lvl="7" marR="0" rtl="0" algn="l">
+      <a:lvl8pPr marR="0" lvl="7" algn="l" rtl="0">
         <a:lnSpc>
           <a:spcPct val="100000"/>
         </a:lnSpc>
@@ -7507,7 +7676,7 @@
           <a:srgbClr val="000000"/>
         </a:buClr>
         <a:buFont typeface="Arial"/>
-        <a:defRPr b="0" i="0" sz="1400" u="none" cap="none" strike="noStrike">
+        <a:defRPr sz="1400" b="0" i="0" u="none" strike="noStrike" cap="none">
           <a:solidFill>
             <a:srgbClr val="000000"/>
           </a:solidFill>
@@ -7517,7 +7686,7 @@
           <a:sym typeface="Arial"/>
         </a:defRPr>
       </a:lvl8pPr>
-      <a:lvl9pPr lvl="8" marR="0" rtl="0" algn="l">
+      <a:lvl9pPr marR="0" lvl="8" algn="l" rtl="0">
         <a:lnSpc>
           <a:spcPct val="100000"/>
         </a:lnSpc>
@@ -7531,7 +7700,7 @@
           <a:srgbClr val="000000"/>
         </a:buClr>
         <a:buFont typeface="Arial"/>
-        <a:defRPr b="0" i="0" sz="1400" u="none" cap="none" strike="noStrike">
+        <a:defRPr sz="1400" b="0" i="0" u="none" strike="noStrike" cap="none">
           <a:solidFill>
             <a:srgbClr val="000000"/>
           </a:solidFill>
@@ -7547,11 +7716,11 @@
 </file>
 
 <file path=ppt/slides/slide1.xml><?xml version="1.0" encoding="utf-8"?>
-<p:sld xmlns:a="http://schemas.openxmlformats.org/drawingml/2006/main" xmlns:r="http://schemas.openxmlformats.org/officeDocument/2006/relationships" xmlns:mc="http://schemas.openxmlformats.org/markup-compatibility/2006" xmlns:mv="urn:schemas-microsoft-com:mac:vml" xmlns:p="http://schemas.openxmlformats.org/presentationml/2006/main" xmlns:c="http://schemas.openxmlformats.org/drawingml/2006/chart" xmlns:dgm="http://schemas.openxmlformats.org/drawingml/2006/diagram" xmlns:o="urn:schemas-microsoft-com:office:office" xmlns:v="urn:schemas-microsoft-com:vml" xmlns:pvml="urn:schemas-microsoft-com:office:powerpoint" xmlns:com="http://schemas.openxmlformats.org/drawingml/2006/compatibility" xmlns:p14="http://schemas.microsoft.com/office/powerpoint/2010/main" xmlns:p15="http://schemas.microsoft.com/office/powerpoint/2012/main">
+<p:sld xmlns:a="http://schemas.openxmlformats.org/drawingml/2006/main" xmlns:r="http://schemas.openxmlformats.org/officeDocument/2006/relationships" xmlns:p="http://schemas.openxmlformats.org/presentationml/2006/main">
   <p:cSld>
     <p:spTree>
       <p:nvGrpSpPr>
-        <p:cNvPr id="58" name="Shape 58"/>
+        <p:cNvPr id="1" name="Shape 58"/>
         <p:cNvGrpSpPr/>
         <p:nvPr/>
       </p:nvGrpSpPr>
@@ -7566,7 +7735,9 @@
       <p:sp>
         <p:nvSpPr>
           <p:cNvPr id="59" name="Google Shape;59;p13"/>
-          <p:cNvSpPr txBox="1"/>
+          <p:cNvSpPr txBox="1">
+            <a:spLocks noGrp="1"/>
+          </p:cNvSpPr>
           <p:nvPr>
             <p:ph type="ctrTitle"/>
           </p:nvPr>
@@ -7581,12 +7752,12 @@
           </a:prstGeom>
         </p:spPr>
         <p:txBody>
-          <a:bodyPr anchorCtr="0" anchor="b" bIns="91425" lIns="91425" spcFirstLastPara="1" rIns="91425" wrap="square" tIns="91425">
+          <a:bodyPr spcFirstLastPara="1" wrap="square" lIns="91425" tIns="91425" rIns="91425" bIns="91425" anchor="b" anchorCtr="0">
             <a:noAutofit/>
           </a:bodyPr>
           <a:lstStyle/>
           <a:p>
-            <a:pPr indent="0" lvl="0" marL="0" rtl="0" algn="l">
+            <a:pPr marL="0" lvl="0" indent="0" algn="l" rtl="0">
               <a:spcBef>
                 <a:spcPts val="0"/>
               </a:spcBef>
@@ -7606,9 +7777,11 @@
       <p:sp>
         <p:nvSpPr>
           <p:cNvPr id="60" name="Google Shape;60;p13"/>
-          <p:cNvSpPr txBox="1"/>
+          <p:cNvSpPr txBox="1">
+            <a:spLocks noGrp="1"/>
+          </p:cNvSpPr>
           <p:nvPr>
-            <p:ph idx="1" type="subTitle"/>
+            <p:ph type="subTitle" idx="1"/>
           </p:nvPr>
         </p:nvSpPr>
         <p:spPr>
@@ -7621,12 +7794,12 @@
           </a:prstGeom>
         </p:spPr>
         <p:txBody>
-          <a:bodyPr anchorCtr="0" anchor="t" bIns="91425" lIns="91425" spcFirstLastPara="1" rIns="91425" wrap="square" tIns="91425">
+          <a:bodyPr spcFirstLastPara="1" wrap="square" lIns="91425" tIns="91425" rIns="91425" bIns="91425" anchor="t" anchorCtr="0">
             <a:noAutofit/>
           </a:bodyPr>
           <a:lstStyle/>
           <a:p>
-            <a:pPr indent="0" lvl="0" marL="0" rtl="0" algn="l">
+            <a:pPr marL="0" lvl="0" indent="0" algn="l" rtl="0">
               <a:spcBef>
                 <a:spcPts val="0"/>
               </a:spcBef>
@@ -7652,11 +7825,11 @@
 </file>
 
 <file path=ppt/slides/slide10.xml><?xml version="1.0" encoding="utf-8"?>
-<p:sld xmlns:a="http://schemas.openxmlformats.org/drawingml/2006/main" xmlns:r="http://schemas.openxmlformats.org/officeDocument/2006/relationships" xmlns:mc="http://schemas.openxmlformats.org/markup-compatibility/2006" xmlns:mv="urn:schemas-microsoft-com:mac:vml" xmlns:p="http://schemas.openxmlformats.org/presentationml/2006/main" xmlns:c="http://schemas.openxmlformats.org/drawingml/2006/chart" xmlns:dgm="http://schemas.openxmlformats.org/drawingml/2006/diagram" xmlns:o="urn:schemas-microsoft-com:office:office" xmlns:v="urn:schemas-microsoft-com:vml" xmlns:pvml="urn:schemas-microsoft-com:office:powerpoint" xmlns:com="http://schemas.openxmlformats.org/drawingml/2006/compatibility" xmlns:p14="http://schemas.microsoft.com/office/powerpoint/2010/main" xmlns:p15="http://schemas.microsoft.com/office/powerpoint/2012/main">
+<p:sld xmlns:a="http://schemas.openxmlformats.org/drawingml/2006/main" xmlns:r="http://schemas.openxmlformats.org/officeDocument/2006/relationships" xmlns:p="http://schemas.openxmlformats.org/presentationml/2006/main">
   <p:cSld>
     <p:spTree>
       <p:nvGrpSpPr>
-        <p:cNvPr id="115" name="Shape 115"/>
+        <p:cNvPr id="1" name="Shape 115"/>
         <p:cNvGrpSpPr/>
         <p:nvPr/>
       </p:nvGrpSpPr>
@@ -7671,9 +7844,11 @@
       <p:sp>
         <p:nvSpPr>
           <p:cNvPr id="116" name="Google Shape;116;p22"/>
-          <p:cNvSpPr txBox="1"/>
+          <p:cNvSpPr txBox="1">
+            <a:spLocks noGrp="1"/>
+          </p:cNvSpPr>
           <p:nvPr>
-            <p:ph idx="1" type="body"/>
+            <p:ph type="body" idx="1"/>
           </p:nvPr>
         </p:nvSpPr>
         <p:spPr>
@@ -7686,12 +7861,12 @@
           </a:prstGeom>
         </p:spPr>
         <p:txBody>
-          <a:bodyPr anchorCtr="0" anchor="ctr" bIns="91425" lIns="91425" spcFirstLastPara="1" rIns="91425" wrap="square" tIns="91425">
+          <a:bodyPr spcFirstLastPara="1" wrap="square" lIns="91425" tIns="91425" rIns="91425" bIns="91425" anchor="ctr" anchorCtr="0">
             <a:noAutofit/>
           </a:bodyPr>
           <a:lstStyle/>
           <a:p>
-            <a:pPr indent="0" lvl="0" marL="0" rtl="0" algn="l">
+            <a:pPr marL="0" lvl="0" indent="0" algn="l" rtl="0">
               <a:spcBef>
                 <a:spcPts val="0"/>
               </a:spcBef>
@@ -7702,15 +7877,7 @@
             </a:pPr>
             <a:r>
               <a:rPr lang="en" sz="800"/>
-              <a:t>*National data used for </a:t>
-            </a:r>
-            <a:r>
-              <a:rPr lang="en" sz="800"/>
-              <a:t>holistic</a:t>
-            </a:r>
-            <a:r>
-              <a:rPr lang="en" sz="800"/>
-              <a:t> view</a:t>
+              <a:t>*National data used for holistic view</a:t>
             </a:r>
             <a:endParaRPr sz="800"/>
           </a:p>
@@ -7809,11 +7976,11 @@
 </file>
 
 <file path=ppt/slides/slide11.xml><?xml version="1.0" encoding="utf-8"?>
-<p:sld xmlns:a="http://schemas.openxmlformats.org/drawingml/2006/main" xmlns:r="http://schemas.openxmlformats.org/officeDocument/2006/relationships" xmlns:mc="http://schemas.openxmlformats.org/markup-compatibility/2006" xmlns:mv="urn:schemas-microsoft-com:mac:vml" xmlns:p="http://schemas.openxmlformats.org/presentationml/2006/main" xmlns:c="http://schemas.openxmlformats.org/drawingml/2006/chart" xmlns:dgm="http://schemas.openxmlformats.org/drawingml/2006/diagram" xmlns:o="urn:schemas-microsoft-com:office:office" xmlns:v="urn:schemas-microsoft-com:vml" xmlns:pvml="urn:schemas-microsoft-com:office:powerpoint" xmlns:com="http://schemas.openxmlformats.org/drawingml/2006/compatibility" xmlns:p14="http://schemas.microsoft.com/office/powerpoint/2010/main" xmlns:p15="http://schemas.microsoft.com/office/powerpoint/2012/main">
+<p:sld xmlns:a="http://schemas.openxmlformats.org/drawingml/2006/main" xmlns:r="http://schemas.openxmlformats.org/officeDocument/2006/relationships" xmlns:p="http://schemas.openxmlformats.org/presentationml/2006/main">
   <p:cSld>
     <p:spTree>
       <p:nvGrpSpPr>
-        <p:cNvPr id="123" name="Shape 123"/>
+        <p:cNvPr id="1" name="Shape 123"/>
         <p:cNvGrpSpPr/>
         <p:nvPr/>
       </p:nvGrpSpPr>
@@ -7828,7 +7995,9 @@
       <p:sp>
         <p:nvSpPr>
           <p:cNvPr id="124" name="Google Shape;124;p23"/>
-          <p:cNvSpPr txBox="1"/>
+          <p:cNvSpPr txBox="1">
+            <a:spLocks noGrp="1"/>
+          </p:cNvSpPr>
           <p:nvPr>
             <p:ph type="title"/>
           </p:nvPr>
@@ -7843,12 +8012,12 @@
           </a:prstGeom>
         </p:spPr>
         <p:txBody>
-          <a:bodyPr anchorCtr="0" anchor="b" bIns="91425" lIns="91425" spcFirstLastPara="1" rIns="91425" wrap="square" tIns="91425">
+          <a:bodyPr spcFirstLastPara="1" wrap="square" lIns="91425" tIns="91425" rIns="91425" bIns="91425" anchor="b" anchorCtr="0">
             <a:noAutofit/>
           </a:bodyPr>
           <a:lstStyle/>
           <a:p>
-            <a:pPr indent="0" lvl="0" marL="0" rtl="0" algn="l">
+            <a:pPr marL="0" lvl="0" indent="0" algn="l" rtl="0">
               <a:spcBef>
                 <a:spcPts val="0"/>
               </a:spcBef>
@@ -7874,11 +8043,11 @@
 </file>
 
 <file path=ppt/slides/slide12.xml><?xml version="1.0" encoding="utf-8"?>
-<p:sld xmlns:a="http://schemas.openxmlformats.org/drawingml/2006/main" xmlns:r="http://schemas.openxmlformats.org/officeDocument/2006/relationships" xmlns:mc="http://schemas.openxmlformats.org/markup-compatibility/2006" xmlns:mv="urn:schemas-microsoft-com:mac:vml" xmlns:p="http://schemas.openxmlformats.org/presentationml/2006/main" xmlns:c="http://schemas.openxmlformats.org/drawingml/2006/chart" xmlns:dgm="http://schemas.openxmlformats.org/drawingml/2006/diagram" xmlns:o="urn:schemas-microsoft-com:office:office" xmlns:v="urn:schemas-microsoft-com:vml" xmlns:pvml="urn:schemas-microsoft-com:office:powerpoint" xmlns:com="http://schemas.openxmlformats.org/drawingml/2006/compatibility" xmlns:p14="http://schemas.microsoft.com/office/powerpoint/2010/main" xmlns:p15="http://schemas.microsoft.com/office/powerpoint/2012/main">
+<p:sld xmlns:a="http://schemas.openxmlformats.org/drawingml/2006/main" xmlns:r="http://schemas.openxmlformats.org/officeDocument/2006/relationships" xmlns:p="http://schemas.openxmlformats.org/presentationml/2006/main">
   <p:cSld>
     <p:spTree>
       <p:nvGrpSpPr>
-        <p:cNvPr id="128" name="Shape 128"/>
+        <p:cNvPr id="1" name="Shape 128"/>
         <p:cNvGrpSpPr/>
         <p:nvPr/>
       </p:nvGrpSpPr>
@@ -7893,7 +8062,9 @@
       <p:sp>
         <p:nvSpPr>
           <p:cNvPr id="129" name="Google Shape;129;p24"/>
-          <p:cNvSpPr txBox="1"/>
+          <p:cNvSpPr txBox="1">
+            <a:spLocks noGrp="1"/>
+          </p:cNvSpPr>
           <p:nvPr>
             <p:ph type="title"/>
           </p:nvPr>
@@ -7908,12 +8079,12 @@
           </a:prstGeom>
         </p:spPr>
         <p:txBody>
-          <a:bodyPr anchorCtr="0" anchor="t" bIns="91425" lIns="91425" spcFirstLastPara="1" rIns="91425" wrap="square" tIns="91425">
+          <a:bodyPr spcFirstLastPara="1" wrap="square" lIns="91425" tIns="91425" rIns="91425" bIns="91425" anchor="t" anchorCtr="0">
             <a:noAutofit/>
           </a:bodyPr>
           <a:lstStyle/>
           <a:p>
-            <a:pPr indent="0" lvl="0" marL="0" rtl="0" algn="l">
+            <a:pPr marL="0" lvl="0" indent="0" algn="l" rtl="0">
               <a:spcBef>
                 <a:spcPts val="0"/>
               </a:spcBef>
@@ -7933,9 +8104,11 @@
       <p:sp>
         <p:nvSpPr>
           <p:cNvPr id="130" name="Google Shape;130;p24"/>
-          <p:cNvSpPr txBox="1"/>
+          <p:cNvSpPr txBox="1">
+            <a:spLocks noGrp="1"/>
+          </p:cNvSpPr>
           <p:nvPr>
-            <p:ph idx="1" type="body"/>
+            <p:ph type="body" idx="1"/>
           </p:nvPr>
         </p:nvSpPr>
         <p:spPr>
@@ -7948,12 +8121,12 @@
           </a:prstGeom>
         </p:spPr>
         <p:txBody>
-          <a:bodyPr anchorCtr="0" anchor="t" bIns="91425" lIns="91425" spcFirstLastPara="1" rIns="91425" wrap="square" tIns="91425">
+          <a:bodyPr spcFirstLastPara="1" wrap="square" lIns="91425" tIns="91425" rIns="91425" bIns="91425" anchor="t" anchorCtr="0">
             <a:noAutofit/>
           </a:bodyPr>
           <a:lstStyle/>
           <a:p>
-            <a:pPr indent="0" lvl="0" marL="0" rtl="0" algn="l">
+            <a:pPr marL="0" lvl="0" indent="0" algn="l" rtl="0">
               <a:spcBef>
                 <a:spcPts val="0"/>
               </a:spcBef>
@@ -7964,20 +8137,12 @@
             </a:pPr>
             <a:r>
               <a:rPr lang="en" sz="1200"/>
-              <a:t>Looking at the quarter one data of California’s airport starting points or Origin, we conducted an ANOVA test on the top 5 airports to determine if there were any </a:t>
-            </a:r>
-            <a:r>
-              <a:rPr lang="en" sz="1200"/>
-              <a:t>similarities</a:t>
-            </a:r>
-            <a:r>
-              <a:rPr lang="en" sz="1200"/>
-              <a:t> that could be drawn between the number of passengers per entry and the starting point.</a:t>
+              <a:t>Looking at the quarter one data of California’s airport starting points or Origin, we conducted an ANOVA test on the top 5 airports to determine if there were any similarities that could be drawn between the number of passengers per entry and the starting point.</a:t>
             </a:r>
             <a:endParaRPr sz="1200"/>
           </a:p>
           <a:p>
-            <a:pPr indent="0" lvl="0" marL="0" rtl="0" algn="l">
+            <a:pPr marL="0" lvl="0" indent="0" algn="l" rtl="0">
               <a:spcBef>
                 <a:spcPts val="1600"/>
               </a:spcBef>
@@ -7988,28 +8153,12 @@
             </a:pPr>
             <a:r>
               <a:rPr lang="en" sz="1200"/>
-              <a:t>With a p-value of </a:t>
-            </a:r>
-            <a:r>
-              <a:rPr lang="en" sz="1200"/>
-              <a:t>approximately</a:t>
-            </a:r>
-            <a:r>
-              <a:rPr lang="en" sz="1200"/>
-              <a:t> 4.1, we can say that there is no real </a:t>
-            </a:r>
-            <a:r>
-              <a:rPr lang="en" sz="1200"/>
-              <a:t>correlation</a:t>
-            </a:r>
-            <a:r>
-              <a:rPr lang="en" sz="1200"/>
-              <a:t> between the number of passengers per entry and the starting point.</a:t>
+              <a:t>With a p-value of approximately 4.1, we can say that there is no real correlation between the number of passengers per entry and the starting point.</a:t>
             </a:r>
             <a:endParaRPr sz="1200"/>
           </a:p>
           <a:p>
-            <a:pPr indent="0" lvl="0" marL="0" rtl="0" algn="l">
+            <a:pPr marL="0" lvl="0" indent="0" algn="l" rtl="0">
               <a:spcBef>
                 <a:spcPts val="1600"/>
               </a:spcBef>
@@ -8018,9 +8167,6 @@
               </a:spcAft>
               <a:buNone/>
             </a:pPr>
-            <a:r>
-              <a:t/>
-            </a:r>
             <a:endParaRPr sz="1200"/>
           </a:p>
         </p:txBody>
@@ -8062,11 +8208,11 @@
 </file>
 
 <file path=ppt/slides/slide13.xml><?xml version="1.0" encoding="utf-8"?>
-<p:sld xmlns:a="http://schemas.openxmlformats.org/drawingml/2006/main" xmlns:r="http://schemas.openxmlformats.org/officeDocument/2006/relationships" xmlns:mc="http://schemas.openxmlformats.org/markup-compatibility/2006" xmlns:mv="urn:schemas-microsoft-com:mac:vml" xmlns:p="http://schemas.openxmlformats.org/presentationml/2006/main" xmlns:c="http://schemas.openxmlformats.org/drawingml/2006/chart" xmlns:dgm="http://schemas.openxmlformats.org/drawingml/2006/diagram" xmlns:o="urn:schemas-microsoft-com:office:office" xmlns:v="urn:schemas-microsoft-com:vml" xmlns:pvml="urn:schemas-microsoft-com:office:powerpoint" xmlns:com="http://schemas.openxmlformats.org/drawingml/2006/compatibility" xmlns:p14="http://schemas.microsoft.com/office/powerpoint/2010/main" xmlns:p15="http://schemas.microsoft.com/office/powerpoint/2012/main">
+<p:sld xmlns:a="http://schemas.openxmlformats.org/drawingml/2006/main" xmlns:r="http://schemas.openxmlformats.org/officeDocument/2006/relationships" xmlns:p="http://schemas.openxmlformats.org/presentationml/2006/main">
   <p:cSld>
     <p:spTree>
       <p:nvGrpSpPr>
-        <p:cNvPr id="135" name="Shape 135"/>
+        <p:cNvPr id="1" name="Shape 135"/>
         <p:cNvGrpSpPr/>
         <p:nvPr/>
       </p:nvGrpSpPr>
@@ -8087,11 +8233,11 @@
 </file>
 
 <file path=ppt/slides/slide2.xml><?xml version="1.0" encoding="utf-8"?>
-<p:sld xmlns:a="http://schemas.openxmlformats.org/drawingml/2006/main" xmlns:r="http://schemas.openxmlformats.org/officeDocument/2006/relationships" xmlns:mc="http://schemas.openxmlformats.org/markup-compatibility/2006" xmlns:mv="urn:schemas-microsoft-com:mac:vml" xmlns:p="http://schemas.openxmlformats.org/presentationml/2006/main" xmlns:c="http://schemas.openxmlformats.org/drawingml/2006/chart" xmlns:dgm="http://schemas.openxmlformats.org/drawingml/2006/diagram" xmlns:o="urn:schemas-microsoft-com:office:office" xmlns:v="urn:schemas-microsoft-com:vml" xmlns:pvml="urn:schemas-microsoft-com:office:powerpoint" xmlns:com="http://schemas.openxmlformats.org/drawingml/2006/compatibility" xmlns:p14="http://schemas.microsoft.com/office/powerpoint/2010/main" xmlns:p15="http://schemas.microsoft.com/office/powerpoint/2012/main">
+<p:sld xmlns:a="http://schemas.openxmlformats.org/drawingml/2006/main" xmlns:r="http://schemas.openxmlformats.org/officeDocument/2006/relationships" xmlns:p="http://schemas.openxmlformats.org/presentationml/2006/main">
   <p:cSld>
     <p:spTree>
       <p:nvGrpSpPr>
-        <p:cNvPr id="64" name="Shape 64"/>
+        <p:cNvPr id="1" name="Shape 64"/>
         <p:cNvGrpSpPr/>
         <p:nvPr/>
       </p:nvGrpSpPr>
@@ -8106,7 +8252,9 @@
       <p:sp>
         <p:nvSpPr>
           <p:cNvPr id="65" name="Google Shape;65;p14"/>
-          <p:cNvSpPr txBox="1"/>
+          <p:cNvSpPr txBox="1">
+            <a:spLocks noGrp="1"/>
+          </p:cNvSpPr>
           <p:nvPr>
             <p:ph type="title"/>
           </p:nvPr>
@@ -8121,12 +8269,12 @@
           </a:prstGeom>
         </p:spPr>
         <p:txBody>
-          <a:bodyPr anchorCtr="0" anchor="b" bIns="91425" lIns="91425" spcFirstLastPara="1" rIns="91425" wrap="square" tIns="91425">
+          <a:bodyPr spcFirstLastPara="1" wrap="square" lIns="91425" tIns="91425" rIns="91425" bIns="91425" anchor="b" anchorCtr="0">
             <a:noAutofit/>
           </a:bodyPr>
           <a:lstStyle/>
           <a:p>
-            <a:pPr indent="0" lvl="0" marL="0" rtl="0" algn="ctr">
+            <a:pPr marL="0" lvl="0" indent="0" algn="ctr" rtl="0">
               <a:spcBef>
                 <a:spcPts val="0"/>
               </a:spcBef>
@@ -8146,9 +8294,11 @@
       <p:sp>
         <p:nvSpPr>
           <p:cNvPr id="66" name="Google Shape;66;p14"/>
-          <p:cNvSpPr txBox="1"/>
+          <p:cNvSpPr txBox="1">
+            <a:spLocks noGrp="1"/>
+          </p:cNvSpPr>
           <p:nvPr>
-            <p:ph idx="1" type="subTitle"/>
+            <p:ph type="subTitle" idx="1"/>
           </p:nvPr>
         </p:nvSpPr>
         <p:spPr>
@@ -8161,12 +8311,12 @@
           </a:prstGeom>
         </p:spPr>
         <p:txBody>
-          <a:bodyPr anchorCtr="0" anchor="t" bIns="91425" lIns="91425" spcFirstLastPara="1" rIns="91425" wrap="square" tIns="91425">
+          <a:bodyPr spcFirstLastPara="1" wrap="square" lIns="91425" tIns="91425" rIns="91425" bIns="91425" anchor="t" anchorCtr="0">
             <a:noAutofit/>
           </a:bodyPr>
           <a:lstStyle/>
           <a:p>
-            <a:pPr indent="0" lvl="0" marL="0" rtl="0" algn="ctr">
+            <a:pPr marL="0" lvl="0" indent="0" algn="ctr" rtl="0">
               <a:spcBef>
                 <a:spcPts val="0"/>
               </a:spcBef>
@@ -8177,15 +8327,7 @@
             </a:pPr>
             <a:r>
               <a:rPr lang="en"/>
-              <a:t>Using data provided by The </a:t>
-            </a:r>
-            <a:r>
-              <a:rPr lang="en"/>
-              <a:t>Bureau</a:t>
-            </a:r>
-            <a:r>
-              <a:rPr lang="en"/>
-              <a:t> of Transportation, determine the most traveled to states in the US.</a:t>
+              <a:t>Using data provided by The Bureau of Transportation, determine the most traveled to states in the US.</a:t>
             </a:r>
             <a:endParaRPr/>
           </a:p>
@@ -8228,11 +8370,11 @@
 </file>
 
 <file path=ppt/slides/slide3.xml><?xml version="1.0" encoding="utf-8"?>
-<p:sld xmlns:a="http://schemas.openxmlformats.org/drawingml/2006/main" xmlns:r="http://schemas.openxmlformats.org/officeDocument/2006/relationships" xmlns:mc="http://schemas.openxmlformats.org/markup-compatibility/2006" xmlns:mv="urn:schemas-microsoft-com:mac:vml" xmlns:p="http://schemas.openxmlformats.org/presentationml/2006/main" xmlns:c="http://schemas.openxmlformats.org/drawingml/2006/chart" xmlns:dgm="http://schemas.openxmlformats.org/drawingml/2006/diagram" xmlns:o="urn:schemas-microsoft-com:office:office" xmlns:v="urn:schemas-microsoft-com:vml" xmlns:pvml="urn:schemas-microsoft-com:office:powerpoint" xmlns:com="http://schemas.openxmlformats.org/drawingml/2006/compatibility" xmlns:p14="http://schemas.microsoft.com/office/powerpoint/2010/main" xmlns:p15="http://schemas.microsoft.com/office/powerpoint/2012/main">
+<p:sld xmlns:a="http://schemas.openxmlformats.org/drawingml/2006/main" xmlns:r="http://schemas.openxmlformats.org/officeDocument/2006/relationships" xmlns:p="http://schemas.openxmlformats.org/presentationml/2006/main">
   <p:cSld>
     <p:spTree>
       <p:nvGrpSpPr>
-        <p:cNvPr id="71" name="Shape 71"/>
+        <p:cNvPr id="1" name="Shape 71"/>
         <p:cNvGrpSpPr/>
         <p:nvPr/>
       </p:nvGrpSpPr>
@@ -8247,7 +8389,9 @@
       <p:sp>
         <p:nvSpPr>
           <p:cNvPr id="72" name="Google Shape;72;p15"/>
-          <p:cNvSpPr txBox="1"/>
+          <p:cNvSpPr txBox="1">
+            <a:spLocks noGrp="1"/>
+          </p:cNvSpPr>
           <p:nvPr>
             <p:ph type="title"/>
           </p:nvPr>
@@ -8262,12 +8406,12 @@
           </a:prstGeom>
         </p:spPr>
         <p:txBody>
-          <a:bodyPr anchorCtr="0" anchor="b" bIns="91425" lIns="91425" spcFirstLastPara="1" rIns="91425" wrap="square" tIns="91425">
+          <a:bodyPr spcFirstLastPara="1" wrap="square" lIns="91425" tIns="91425" rIns="91425" bIns="91425" anchor="b" anchorCtr="0">
             <a:noAutofit/>
           </a:bodyPr>
           <a:lstStyle/>
           <a:p>
-            <a:pPr indent="0" lvl="0" marL="0" rtl="0" algn="l">
+            <a:pPr marL="0" lvl="0" indent="0" algn="l" rtl="0">
               <a:spcBef>
                 <a:spcPts val="0"/>
               </a:spcBef>
@@ -8293,11 +8437,11 @@
 </file>
 
 <file path=ppt/slides/slide4.xml><?xml version="1.0" encoding="utf-8"?>
-<p:sld xmlns:a="http://schemas.openxmlformats.org/drawingml/2006/main" xmlns:r="http://schemas.openxmlformats.org/officeDocument/2006/relationships" xmlns:mc="http://schemas.openxmlformats.org/markup-compatibility/2006" xmlns:mv="urn:schemas-microsoft-com:mac:vml" xmlns:p="http://schemas.openxmlformats.org/presentationml/2006/main" xmlns:c="http://schemas.openxmlformats.org/drawingml/2006/chart" xmlns:dgm="http://schemas.openxmlformats.org/drawingml/2006/diagram" xmlns:o="urn:schemas-microsoft-com:office:office" xmlns:v="urn:schemas-microsoft-com:vml" xmlns:pvml="urn:schemas-microsoft-com:office:powerpoint" xmlns:com="http://schemas.openxmlformats.org/drawingml/2006/compatibility" xmlns:p14="http://schemas.microsoft.com/office/powerpoint/2010/main" xmlns:p15="http://schemas.microsoft.com/office/powerpoint/2012/main">
+<p:sld xmlns:a="http://schemas.openxmlformats.org/drawingml/2006/main" xmlns:r="http://schemas.openxmlformats.org/officeDocument/2006/relationships" xmlns:p="http://schemas.openxmlformats.org/presentationml/2006/main">
   <p:cSld>
     <p:spTree>
       <p:nvGrpSpPr>
-        <p:cNvPr id="76" name="Shape 76"/>
+        <p:cNvPr id="1" name="Shape 76"/>
         <p:cNvGrpSpPr/>
         <p:nvPr/>
       </p:nvGrpSpPr>
@@ -8312,7 +8456,9 @@
       <p:sp>
         <p:nvSpPr>
           <p:cNvPr id="77" name="Google Shape;77;p16"/>
-          <p:cNvSpPr txBox="1"/>
+          <p:cNvSpPr txBox="1">
+            <a:spLocks noGrp="1"/>
+          </p:cNvSpPr>
           <p:nvPr>
             <p:ph type="title"/>
           </p:nvPr>
@@ -8327,12 +8473,12 @@
           </a:prstGeom>
         </p:spPr>
         <p:txBody>
-          <a:bodyPr anchorCtr="0" anchor="t" bIns="91425" lIns="91425" spcFirstLastPara="1" rIns="91425" wrap="square" tIns="91425">
+          <a:bodyPr spcFirstLastPara="1" wrap="square" lIns="91425" tIns="91425" rIns="91425" bIns="91425" anchor="t" anchorCtr="0">
             <a:noAutofit/>
           </a:bodyPr>
           <a:lstStyle/>
           <a:p>
-            <a:pPr indent="0" lvl="0" marL="0" rtl="0" algn="l">
+            <a:pPr marL="0" lvl="0" indent="0" algn="l" rtl="0">
               <a:spcBef>
                 <a:spcPts val="0"/>
               </a:spcBef>
@@ -8352,9 +8498,11 @@
       <p:sp>
         <p:nvSpPr>
           <p:cNvPr id="78" name="Google Shape;78;p16"/>
-          <p:cNvSpPr txBox="1"/>
+          <p:cNvSpPr txBox="1">
+            <a:spLocks noGrp="1"/>
+          </p:cNvSpPr>
           <p:nvPr>
-            <p:ph idx="1" type="body"/>
+            <p:ph type="body" idx="1"/>
           </p:nvPr>
         </p:nvSpPr>
         <p:spPr>
@@ -8367,12 +8515,12 @@
           </a:prstGeom>
         </p:spPr>
         <p:txBody>
-          <a:bodyPr anchorCtr="0" anchor="t" bIns="91425" lIns="91425" spcFirstLastPara="1" rIns="91425" wrap="square" tIns="91425">
+          <a:bodyPr spcFirstLastPara="1" wrap="square" lIns="91425" tIns="91425" rIns="91425" bIns="91425" anchor="t" anchorCtr="0">
             <a:noAutofit/>
           </a:bodyPr>
           <a:lstStyle/>
           <a:p>
-            <a:pPr indent="0" lvl="0" marL="0" rtl="0" algn="l">
+            <a:pPr marL="0" lvl="0" indent="0" algn="l" rtl="0">
               <a:spcBef>
                 <a:spcPts val="0"/>
               </a:spcBef>
@@ -8382,11 +8530,11 @@
               <a:buNone/>
             </a:pPr>
             <a:r>
-              <a:rPr b="1" lang="en" sz="1200"/>
+              <a:rPr lang="en" sz="1200" b="1"/>
               <a:t>Primary data source is The Bureau of Transportation Statistics (BTS) through the United States Department of Transportation (</a:t>
             </a:r>
             <a:r>
-              <a:rPr b="1" lang="en" sz="1200" u="sng">
+              <a:rPr lang="en" sz="1200" b="1" u="sng">
                 <a:solidFill>
                   <a:schemeClr val="hlink"/>
                 </a:solidFill>
@@ -8395,13 +8543,13 @@
               <a:t>link</a:t>
             </a:r>
             <a:r>
-              <a:rPr b="1" lang="en" sz="1200"/>
+              <a:rPr lang="en" sz="1200" b="1"/>
               <a:t>)</a:t>
             </a:r>
-            <a:endParaRPr b="1" sz="1200"/>
-          </a:p>
-          <a:p>
-            <a:pPr indent="-304800" lvl="0" marL="457200" rtl="0" algn="l">
+            <a:endParaRPr sz="1200" b="1"/>
+          </a:p>
+          <a:p>
+            <a:pPr marL="457200" lvl="0" indent="-304800" algn="l" rtl="0">
               <a:spcBef>
                 <a:spcPts val="1600"/>
               </a:spcBef>
@@ -8418,7 +8566,7 @@
             <a:endParaRPr sz="1200"/>
           </a:p>
           <a:p>
-            <a:pPr indent="-304800" lvl="0" marL="457200" rtl="0" algn="l">
+            <a:pPr marL="457200" lvl="0" indent="-304800" algn="l" rtl="0">
               <a:spcBef>
                 <a:spcPts val="0"/>
               </a:spcBef>
@@ -8435,7 +8583,7 @@
             <a:endParaRPr sz="1200"/>
           </a:p>
           <a:p>
-            <a:pPr indent="-304800" lvl="1" marL="914400" rtl="0" algn="l">
+            <a:pPr marL="914400" lvl="1" indent="-304800" algn="l" rtl="0">
               <a:spcBef>
                 <a:spcPts val="0"/>
               </a:spcBef>
@@ -8452,7 +8600,7 @@
             <a:endParaRPr sz="1200"/>
           </a:p>
           <a:p>
-            <a:pPr indent="-304800" lvl="1" marL="914400" rtl="0" algn="l">
+            <a:pPr marL="914400" lvl="1" indent="-304800" algn="l" rtl="0">
               <a:spcBef>
                 <a:spcPts val="0"/>
               </a:spcBef>
@@ -8469,7 +8617,7 @@
             <a:endParaRPr sz="1200"/>
           </a:p>
           <a:p>
-            <a:pPr indent="-304800" lvl="1" marL="914400" rtl="0" algn="l">
+            <a:pPr marL="914400" lvl="1" indent="-304800" algn="l" rtl="0">
               <a:spcBef>
                 <a:spcPts val="0"/>
               </a:spcBef>
@@ -8486,7 +8634,7 @@
             <a:endParaRPr sz="1200"/>
           </a:p>
           <a:p>
-            <a:pPr indent="0" lvl="0" marL="0" rtl="0" algn="l">
+            <a:pPr marL="0" lvl="0" indent="0" algn="l" rtl="0">
               <a:spcBef>
                 <a:spcPts val="1600"/>
               </a:spcBef>
@@ -8495,9 +8643,6 @@
               </a:spcAft>
               <a:buNone/>
             </a:pPr>
-            <a:r>
-              <a:t/>
-            </a:r>
             <a:endParaRPr sz="1200"/>
           </a:p>
         </p:txBody>
@@ -8511,11 +8656,11 @@
 </file>
 
 <file path=ppt/slides/slide5.xml><?xml version="1.0" encoding="utf-8"?>
-<p:sld xmlns:a="http://schemas.openxmlformats.org/drawingml/2006/main" xmlns:r="http://schemas.openxmlformats.org/officeDocument/2006/relationships" xmlns:mc="http://schemas.openxmlformats.org/markup-compatibility/2006" xmlns:mv="urn:schemas-microsoft-com:mac:vml" xmlns:p="http://schemas.openxmlformats.org/presentationml/2006/main" xmlns:c="http://schemas.openxmlformats.org/drawingml/2006/chart" xmlns:dgm="http://schemas.openxmlformats.org/drawingml/2006/diagram" xmlns:o="urn:schemas-microsoft-com:office:office" xmlns:v="urn:schemas-microsoft-com:vml" xmlns:pvml="urn:schemas-microsoft-com:office:powerpoint" xmlns:com="http://schemas.openxmlformats.org/drawingml/2006/compatibility" xmlns:p14="http://schemas.microsoft.com/office/powerpoint/2010/main" xmlns:p15="http://schemas.microsoft.com/office/powerpoint/2012/main">
+<p:sld xmlns:a="http://schemas.openxmlformats.org/drawingml/2006/main" xmlns:r="http://schemas.openxmlformats.org/officeDocument/2006/relationships" xmlns:p="http://schemas.openxmlformats.org/presentationml/2006/main">
   <p:cSld>
     <p:spTree>
       <p:nvGrpSpPr>
-        <p:cNvPr id="82" name="Shape 82"/>
+        <p:cNvPr id="1" name="Shape 82"/>
         <p:cNvGrpSpPr/>
         <p:nvPr/>
       </p:nvGrpSpPr>
@@ -8530,7 +8675,9 @@
       <p:sp>
         <p:nvSpPr>
           <p:cNvPr id="83" name="Google Shape;83;p17"/>
-          <p:cNvSpPr txBox="1"/>
+          <p:cNvSpPr txBox="1">
+            <a:spLocks noGrp="1"/>
+          </p:cNvSpPr>
           <p:nvPr>
             <p:ph type="title"/>
           </p:nvPr>
@@ -8545,12 +8692,12 @@
           </a:prstGeom>
         </p:spPr>
         <p:txBody>
-          <a:bodyPr anchorCtr="0" anchor="b" bIns="91425" lIns="91425" spcFirstLastPara="1" rIns="91425" wrap="square" tIns="91425">
+          <a:bodyPr spcFirstLastPara="1" wrap="square" lIns="91425" tIns="91425" rIns="91425" bIns="91425" anchor="b" anchorCtr="0">
             <a:noAutofit/>
           </a:bodyPr>
           <a:lstStyle/>
           <a:p>
-            <a:pPr indent="0" lvl="0" marL="0" rtl="0" algn="l">
+            <a:pPr marL="0" lvl="0" indent="0" algn="l" rtl="0">
               <a:spcBef>
                 <a:spcPts val="0"/>
               </a:spcBef>
@@ -8576,11 +8723,11 @@
 </file>
 
 <file path=ppt/slides/slide6.xml><?xml version="1.0" encoding="utf-8"?>
-<p:sld xmlns:a="http://schemas.openxmlformats.org/drawingml/2006/main" xmlns:r="http://schemas.openxmlformats.org/officeDocument/2006/relationships" xmlns:mc="http://schemas.openxmlformats.org/markup-compatibility/2006" xmlns:mv="urn:schemas-microsoft-com:mac:vml" xmlns:p="http://schemas.openxmlformats.org/presentationml/2006/main" xmlns:c="http://schemas.openxmlformats.org/drawingml/2006/chart" xmlns:dgm="http://schemas.openxmlformats.org/drawingml/2006/diagram" xmlns:o="urn:schemas-microsoft-com:office:office" xmlns:v="urn:schemas-microsoft-com:vml" xmlns:pvml="urn:schemas-microsoft-com:office:powerpoint" xmlns:com="http://schemas.openxmlformats.org/drawingml/2006/compatibility" xmlns:p14="http://schemas.microsoft.com/office/powerpoint/2010/main" xmlns:p15="http://schemas.microsoft.com/office/powerpoint/2012/main">
+<p:sld xmlns:a="http://schemas.openxmlformats.org/drawingml/2006/main" xmlns:r="http://schemas.openxmlformats.org/officeDocument/2006/relationships" xmlns:p="http://schemas.openxmlformats.org/presentationml/2006/main">
   <p:cSld>
     <p:spTree>
       <p:nvGrpSpPr>
-        <p:cNvPr id="87" name="Shape 87"/>
+        <p:cNvPr id="1" name="Shape 87"/>
         <p:cNvGrpSpPr/>
         <p:nvPr/>
       </p:nvGrpSpPr>
@@ -8595,7 +8742,9 @@
       <p:sp>
         <p:nvSpPr>
           <p:cNvPr id="88" name="Google Shape;88;p18"/>
-          <p:cNvSpPr txBox="1"/>
+          <p:cNvSpPr txBox="1">
+            <a:spLocks noGrp="1"/>
+          </p:cNvSpPr>
           <p:nvPr>
             <p:ph type="title"/>
           </p:nvPr>
@@ -8610,12 +8759,12 @@
           </a:prstGeom>
         </p:spPr>
         <p:txBody>
-          <a:bodyPr anchorCtr="0" anchor="t" bIns="91425" lIns="91425" spcFirstLastPara="1" rIns="91425" wrap="square" tIns="91425">
+          <a:bodyPr spcFirstLastPara="1" wrap="square" lIns="91425" tIns="91425" rIns="91425" bIns="91425" anchor="t" anchorCtr="0">
             <a:noAutofit/>
           </a:bodyPr>
           <a:lstStyle/>
           <a:p>
-            <a:pPr indent="0" lvl="0" marL="0" rtl="0" algn="l">
+            <a:pPr marL="0" lvl="0" indent="0" algn="l" rtl="0">
               <a:spcBef>
                 <a:spcPts val="0"/>
               </a:spcBef>
@@ -8635,9 +8784,11 @@
       <p:sp>
         <p:nvSpPr>
           <p:cNvPr id="89" name="Google Shape;89;p18"/>
-          <p:cNvSpPr txBox="1"/>
+          <p:cNvSpPr txBox="1">
+            <a:spLocks noGrp="1"/>
+          </p:cNvSpPr>
           <p:nvPr>
-            <p:ph idx="1" type="body"/>
+            <p:ph type="body" idx="1"/>
           </p:nvPr>
         </p:nvSpPr>
         <p:spPr>
@@ -8650,12 +8801,12 @@
           </a:prstGeom>
         </p:spPr>
         <p:txBody>
-          <a:bodyPr anchorCtr="0" anchor="t" bIns="91425" lIns="91425" spcFirstLastPara="1" rIns="91425" wrap="square" tIns="91425">
+          <a:bodyPr spcFirstLastPara="1" wrap="square" lIns="91425" tIns="91425" rIns="91425" bIns="91425" anchor="t" anchorCtr="0">
             <a:noAutofit/>
           </a:bodyPr>
           <a:lstStyle/>
           <a:p>
-            <a:pPr indent="0" lvl="0" marL="0" rtl="0" algn="l">
+            <a:pPr marL="0" lvl="0" indent="0" algn="l" rtl="0">
               <a:spcBef>
                 <a:spcPts val="0"/>
               </a:spcBef>
@@ -8671,7 +8822,7 @@
             <a:endParaRPr sz="1200"/>
           </a:p>
           <a:p>
-            <a:pPr indent="-304800" lvl="0" marL="457200" rtl="0" algn="l">
+            <a:pPr marL="457200" lvl="0" indent="-304800" algn="l" rtl="0">
               <a:spcBef>
                 <a:spcPts val="1600"/>
               </a:spcBef>
@@ -8688,7 +8839,7 @@
             <a:endParaRPr sz="1200"/>
           </a:p>
           <a:p>
-            <a:pPr indent="-304800" lvl="0" marL="457200" rtl="0" algn="l">
+            <a:pPr marL="457200" lvl="0" indent="-304800" algn="l" rtl="0">
               <a:spcBef>
                 <a:spcPts val="0"/>
               </a:spcBef>
@@ -8705,7 +8856,7 @@
             <a:endParaRPr sz="1200"/>
           </a:p>
           <a:p>
-            <a:pPr indent="-304800" lvl="0" marL="457200" rtl="0" algn="l">
+            <a:pPr marL="457200" lvl="0" indent="-304800" algn="l" rtl="0">
               <a:spcBef>
                 <a:spcPts val="0"/>
               </a:spcBef>
@@ -8722,7 +8873,7 @@
             <a:endParaRPr sz="1200"/>
           </a:p>
           <a:p>
-            <a:pPr indent="0" lvl="0" marL="0" rtl="0" algn="l">
+            <a:pPr marL="0" lvl="0" indent="0" algn="l" rtl="0">
               <a:spcBef>
                 <a:spcPts val="1600"/>
               </a:spcBef>
@@ -8738,7 +8889,7 @@
             <a:endParaRPr sz="1200"/>
           </a:p>
           <a:p>
-            <a:pPr indent="0" lvl="0" marL="0" rtl="0" algn="l">
+            <a:pPr marL="0" lvl="0" indent="0" algn="l" rtl="0">
               <a:spcBef>
                 <a:spcPts val="1600"/>
               </a:spcBef>
@@ -8747,9 +8898,6 @@
               </a:spcAft>
               <a:buNone/>
             </a:pPr>
-            <a:r>
-              <a:t/>
-            </a:r>
             <a:endParaRPr sz="1200"/>
           </a:p>
         </p:txBody>
@@ -8791,11 +8939,11 @@
 </file>
 
 <file path=ppt/slides/slide7.xml><?xml version="1.0" encoding="utf-8"?>
-<p:sld xmlns:a="http://schemas.openxmlformats.org/drawingml/2006/main" xmlns:r="http://schemas.openxmlformats.org/officeDocument/2006/relationships" xmlns:mc="http://schemas.openxmlformats.org/markup-compatibility/2006" xmlns:mv="urn:schemas-microsoft-com:mac:vml" xmlns:p="http://schemas.openxmlformats.org/presentationml/2006/main" xmlns:c="http://schemas.openxmlformats.org/drawingml/2006/chart" xmlns:dgm="http://schemas.openxmlformats.org/drawingml/2006/diagram" xmlns:o="urn:schemas-microsoft-com:office:office" xmlns:v="urn:schemas-microsoft-com:vml" xmlns:pvml="urn:schemas-microsoft-com:office:powerpoint" xmlns:com="http://schemas.openxmlformats.org/drawingml/2006/compatibility" xmlns:p14="http://schemas.microsoft.com/office/powerpoint/2010/main" xmlns:p15="http://schemas.microsoft.com/office/powerpoint/2012/main">
+<p:sld xmlns:a="http://schemas.openxmlformats.org/drawingml/2006/main" xmlns:r="http://schemas.openxmlformats.org/officeDocument/2006/relationships" xmlns:p="http://schemas.openxmlformats.org/presentationml/2006/main">
   <p:cSld>
     <p:spTree>
       <p:nvGrpSpPr>
-        <p:cNvPr id="94" name="Shape 94"/>
+        <p:cNvPr id="1" name="Shape 94"/>
         <p:cNvGrpSpPr/>
         <p:nvPr/>
       </p:nvGrpSpPr>
@@ -8810,7 +8958,9 @@
       <p:sp>
         <p:nvSpPr>
           <p:cNvPr id="95" name="Google Shape;95;p19"/>
-          <p:cNvSpPr txBox="1"/>
+          <p:cNvSpPr txBox="1">
+            <a:spLocks noGrp="1"/>
+          </p:cNvSpPr>
           <p:nvPr>
             <p:ph type="title"/>
           </p:nvPr>
@@ -8825,12 +8975,12 @@
           </a:prstGeom>
         </p:spPr>
         <p:txBody>
-          <a:bodyPr anchorCtr="0" anchor="t" bIns="91425" lIns="91425" spcFirstLastPara="1" rIns="91425" wrap="square" tIns="91425">
+          <a:bodyPr spcFirstLastPara="1" wrap="square" lIns="91425" tIns="91425" rIns="91425" bIns="91425" anchor="t" anchorCtr="0">
             <a:noAutofit/>
           </a:bodyPr>
           <a:lstStyle/>
           <a:p>
-            <a:pPr indent="0" lvl="0" marL="0" rtl="0" algn="l">
+            <a:pPr marL="0" lvl="0" indent="0" algn="l" rtl="0">
               <a:spcBef>
                 <a:spcPts val="0"/>
               </a:spcBef>
@@ -8850,9 +9000,11 @@
       <p:sp>
         <p:nvSpPr>
           <p:cNvPr id="96" name="Google Shape;96;p19"/>
-          <p:cNvSpPr txBox="1"/>
+          <p:cNvSpPr txBox="1">
+            <a:spLocks noGrp="1"/>
+          </p:cNvSpPr>
           <p:nvPr>
-            <p:ph idx="1" type="body"/>
+            <p:ph type="body" idx="1"/>
           </p:nvPr>
         </p:nvSpPr>
         <p:spPr>
@@ -8865,12 +9017,12 @@
           </a:prstGeom>
         </p:spPr>
         <p:txBody>
-          <a:bodyPr anchorCtr="0" anchor="t" bIns="91425" lIns="91425" spcFirstLastPara="1" rIns="91425" wrap="square" tIns="91425">
+          <a:bodyPr spcFirstLastPara="1" wrap="square" lIns="91425" tIns="91425" rIns="91425" bIns="91425" anchor="t" anchorCtr="0">
             <a:noAutofit/>
           </a:bodyPr>
           <a:lstStyle/>
           <a:p>
-            <a:pPr indent="0" lvl="0" marL="0" rtl="0" algn="l">
+            <a:pPr marL="0" lvl="0" indent="0" algn="l" rtl="0">
               <a:spcBef>
                 <a:spcPts val="0"/>
               </a:spcBef>
@@ -8881,20 +9033,12 @@
             </a:pPr>
             <a:r>
               <a:rPr lang="en" sz="1200"/>
-              <a:t>We first gathered data regarding total passenger volume per state for arriving and </a:t>
-            </a:r>
-            <a:r>
-              <a:rPr lang="en" sz="1200"/>
-              <a:t>departing</a:t>
-            </a:r>
-            <a:r>
-              <a:rPr lang="en" sz="1200"/>
-              <a:t> flights to determine which states to focus.</a:t>
+              <a:t>We first gathered data regarding total passenger volume per state for arriving and departing flights to determine which states to focus.</a:t>
             </a:r>
             <a:endParaRPr sz="1200"/>
           </a:p>
           <a:p>
-            <a:pPr indent="0" lvl="0" marL="0" rtl="0" algn="l">
+            <a:pPr marL="0" lvl="0" indent="0" algn="l" rtl="0">
               <a:spcBef>
                 <a:spcPts val="1600"/>
               </a:spcBef>
@@ -8903,13 +9047,10 @@
               </a:spcAft>
               <a:buNone/>
             </a:pPr>
-            <a:r>
-              <a:t/>
-            </a:r>
             <a:endParaRPr sz="1200"/>
           </a:p>
           <a:p>
-            <a:pPr indent="0" lvl="0" marL="0" rtl="0" algn="l">
+            <a:pPr marL="0" lvl="0" indent="0" algn="l" rtl="0">
               <a:spcBef>
                 <a:spcPts val="1600"/>
               </a:spcBef>
@@ -8918,13 +9059,10 @@
               </a:spcAft>
               <a:buNone/>
             </a:pPr>
-            <a:r>
-              <a:t/>
-            </a:r>
             <a:endParaRPr sz="1200"/>
           </a:p>
           <a:p>
-            <a:pPr indent="0" lvl="0" marL="0" rtl="0" algn="l">
+            <a:pPr marL="0" lvl="0" indent="0" algn="l" rtl="0">
               <a:spcBef>
                 <a:spcPts val="1600"/>
               </a:spcBef>
@@ -8933,13 +9071,10 @@
               </a:spcAft>
               <a:buNone/>
             </a:pPr>
-            <a:r>
-              <a:t/>
-            </a:r>
             <a:endParaRPr sz="1200"/>
           </a:p>
           <a:p>
-            <a:pPr indent="0" lvl="0" marL="0" rtl="0" algn="l">
+            <a:pPr marL="0" lvl="0" indent="0" algn="l" rtl="0">
               <a:spcBef>
                 <a:spcPts val="1600"/>
               </a:spcBef>
@@ -8955,7 +9090,7 @@
             <a:endParaRPr sz="1200"/>
           </a:p>
           <a:p>
-            <a:pPr indent="-304800" lvl="0" marL="457200" rtl="0" algn="l">
+            <a:pPr marL="457200" lvl="0" indent="-304800" algn="l" rtl="0">
               <a:spcBef>
                 <a:spcPts val="1600"/>
               </a:spcBef>
@@ -8972,7 +9107,7 @@
             <a:endParaRPr sz="1200"/>
           </a:p>
           <a:p>
-            <a:pPr indent="-304800" lvl="0" marL="457200" rtl="0" algn="l">
+            <a:pPr marL="457200" lvl="0" indent="-304800" algn="l" rtl="0">
               <a:spcBef>
                 <a:spcPts val="0"/>
               </a:spcBef>
@@ -8989,7 +9124,7 @@
             <a:endParaRPr sz="1200"/>
           </a:p>
           <a:p>
-            <a:pPr indent="-304800" lvl="0" marL="457200" rtl="0" algn="l">
+            <a:pPr marL="457200" lvl="0" indent="-304800" algn="l" rtl="0">
               <a:spcBef>
                 <a:spcPts val="0"/>
               </a:spcBef>
@@ -9006,7 +9141,7 @@
             <a:endParaRPr sz="1200"/>
           </a:p>
           <a:p>
-            <a:pPr indent="-304800" lvl="0" marL="457200" rtl="0" algn="l">
+            <a:pPr marL="457200" lvl="0" indent="-304800" algn="l" rtl="0">
               <a:spcBef>
                 <a:spcPts val="0"/>
               </a:spcBef>
@@ -9061,11 +9196,11 @@
 </file>
 
 <file path=ppt/slides/slide8.xml><?xml version="1.0" encoding="utf-8"?>
-<p:sld xmlns:a="http://schemas.openxmlformats.org/drawingml/2006/main" xmlns:r="http://schemas.openxmlformats.org/officeDocument/2006/relationships" xmlns:mc="http://schemas.openxmlformats.org/markup-compatibility/2006" xmlns:mv="urn:schemas-microsoft-com:mac:vml" xmlns:p="http://schemas.openxmlformats.org/presentationml/2006/main" xmlns:c="http://schemas.openxmlformats.org/drawingml/2006/chart" xmlns:dgm="http://schemas.openxmlformats.org/drawingml/2006/diagram" xmlns:o="urn:schemas-microsoft-com:office:office" xmlns:v="urn:schemas-microsoft-com:vml" xmlns:pvml="urn:schemas-microsoft-com:office:powerpoint" xmlns:com="http://schemas.openxmlformats.org/drawingml/2006/compatibility" xmlns:p14="http://schemas.microsoft.com/office/powerpoint/2010/main" xmlns:p15="http://schemas.microsoft.com/office/powerpoint/2012/main">
+<p:sld xmlns:a="http://schemas.openxmlformats.org/drawingml/2006/main" xmlns:r="http://schemas.openxmlformats.org/officeDocument/2006/relationships" xmlns:p="http://schemas.openxmlformats.org/presentationml/2006/main">
   <p:cSld>
     <p:spTree>
       <p:nvGrpSpPr>
-        <p:cNvPr id="101" name="Shape 101"/>
+        <p:cNvPr id="1" name="Shape 101"/>
         <p:cNvGrpSpPr/>
         <p:nvPr/>
       </p:nvGrpSpPr>
@@ -9080,7 +9215,9 @@
       <p:sp>
         <p:nvSpPr>
           <p:cNvPr id="102" name="Google Shape;102;p20"/>
-          <p:cNvSpPr txBox="1"/>
+          <p:cNvSpPr txBox="1">
+            <a:spLocks noGrp="1"/>
+          </p:cNvSpPr>
           <p:nvPr>
             <p:ph type="title"/>
           </p:nvPr>
@@ -9095,12 +9232,12 @@
           </a:prstGeom>
         </p:spPr>
         <p:txBody>
-          <a:bodyPr anchorCtr="0" anchor="b" bIns="91425" lIns="91425" spcFirstLastPara="1" rIns="91425" wrap="square" tIns="91425">
+          <a:bodyPr spcFirstLastPara="1" wrap="square" lIns="91425" tIns="91425" rIns="91425" bIns="91425" anchor="b" anchorCtr="0">
             <a:noAutofit/>
           </a:bodyPr>
           <a:lstStyle/>
           <a:p>
-            <a:pPr indent="0" lvl="0" marL="0" rtl="0" algn="l">
+            <a:pPr marL="0" lvl="0" indent="0" algn="l" rtl="0">
               <a:spcBef>
                 <a:spcPts val="0"/>
               </a:spcBef>
@@ -9126,11 +9263,11 @@
 </file>
 
 <file path=ppt/slides/slide9.xml><?xml version="1.0" encoding="utf-8"?>
-<p:sld xmlns:a="http://schemas.openxmlformats.org/drawingml/2006/main" xmlns:r="http://schemas.openxmlformats.org/officeDocument/2006/relationships" xmlns:mc="http://schemas.openxmlformats.org/markup-compatibility/2006" xmlns:mv="urn:schemas-microsoft-com:mac:vml" xmlns:p="http://schemas.openxmlformats.org/presentationml/2006/main" xmlns:c="http://schemas.openxmlformats.org/drawingml/2006/chart" xmlns:dgm="http://schemas.openxmlformats.org/drawingml/2006/diagram" xmlns:o="urn:schemas-microsoft-com:office:office" xmlns:v="urn:schemas-microsoft-com:vml" xmlns:pvml="urn:schemas-microsoft-com:office:powerpoint" xmlns:com="http://schemas.openxmlformats.org/drawingml/2006/compatibility" xmlns:p14="http://schemas.microsoft.com/office/powerpoint/2010/main" xmlns:p15="http://schemas.microsoft.com/office/powerpoint/2012/main">
+<p:sld xmlns:a="http://schemas.openxmlformats.org/drawingml/2006/main" xmlns:r="http://schemas.openxmlformats.org/officeDocument/2006/relationships" xmlns:p="http://schemas.openxmlformats.org/presentationml/2006/main">
   <p:cSld>
     <p:spTree>
       <p:nvGrpSpPr>
-        <p:cNvPr id="106" name="Shape 106"/>
+        <p:cNvPr id="1" name="Shape 106"/>
         <p:cNvGrpSpPr/>
         <p:nvPr/>
       </p:nvGrpSpPr>
@@ -9145,9 +9282,11 @@
       <p:sp>
         <p:nvSpPr>
           <p:cNvPr id="107" name="Google Shape;107;p21"/>
-          <p:cNvSpPr txBox="1"/>
+          <p:cNvSpPr txBox="1">
+            <a:spLocks noGrp="1"/>
+          </p:cNvSpPr>
           <p:nvPr>
-            <p:ph idx="1" type="body"/>
+            <p:ph type="body" idx="1"/>
           </p:nvPr>
         </p:nvSpPr>
         <p:spPr>
@@ -9160,12 +9299,12 @@
           </a:prstGeom>
         </p:spPr>
         <p:txBody>
-          <a:bodyPr anchorCtr="0" anchor="ctr" bIns="91425" lIns="91425" spcFirstLastPara="1" rIns="91425" wrap="square" tIns="91425">
+          <a:bodyPr spcFirstLastPara="1" wrap="square" lIns="91425" tIns="91425" rIns="91425" bIns="91425" anchor="ctr" anchorCtr="0">
             <a:noAutofit/>
           </a:bodyPr>
           <a:lstStyle/>
           <a:p>
-            <a:pPr indent="0" lvl="0" marL="0" rtl="0" algn="l">
+            <a:pPr marL="0" lvl="0" indent="0" algn="l" rtl="0">
               <a:spcBef>
                 <a:spcPts val="0"/>
               </a:spcBef>
@@ -9303,7 +9442,288 @@
 </file>
 
 <file path=ppt/theme/theme1.xml><?xml version="1.0" encoding="utf-8"?>
-<a:theme xmlns:a="http://schemas.openxmlformats.org/drawingml/2006/main" xmlns:r="http://schemas.openxmlformats.org/officeDocument/2006/relationships">
+<a:theme xmlns:a="http://schemas.openxmlformats.org/drawingml/2006/main" name="Spearmint">
+  <a:themeElements>
+    <a:clrScheme name="Spearmint">
+      <a:dk1>
+        <a:srgbClr val="202729"/>
+      </a:dk1>
+      <a:lt1>
+        <a:srgbClr val="FFFFFF"/>
+      </a:lt1>
+      <a:dk2>
+        <a:srgbClr val="4BA173"/>
+      </a:dk2>
+      <a:lt2>
+        <a:srgbClr val="63D297"/>
+      </a:lt2>
+      <a:accent1>
+        <a:srgbClr val="353744"/>
+      </a:accent1>
+      <a:accent2>
+        <a:srgbClr val="424242"/>
+      </a:accent2>
+      <a:accent3>
+        <a:srgbClr val="616161"/>
+      </a:accent3>
+      <a:accent4>
+        <a:srgbClr val="999999"/>
+      </a:accent4>
+      <a:accent5>
+        <a:srgbClr val="FF5252"/>
+      </a:accent5>
+      <a:accent6>
+        <a:srgbClr val="FFF176"/>
+      </a:accent6>
+      <a:hlink>
+        <a:srgbClr val="FF5252"/>
+      </a:hlink>
+      <a:folHlink>
+        <a:srgbClr val="FF5252"/>
+      </a:folHlink>
+    </a:clrScheme>
+    <a:fontScheme name="Office">
+      <a:majorFont>
+        <a:latin typeface="Arial"/>
+        <a:ea typeface=""/>
+        <a:cs typeface=""/>
+        <a:font script="Jpan" typeface="ＭＳ Ｐゴシック"/>
+        <a:font script="Hang" typeface="맑은 고딕"/>
+        <a:font script="Hans" typeface="宋体"/>
+        <a:font script="Hant" typeface="新細明體"/>
+        <a:font script="Arab" typeface="Times New Roman"/>
+        <a:font script="Hebr" typeface="Times New Roman"/>
+        <a:font script="Thai" typeface="Angsana New"/>
+        <a:font script="Ethi" typeface="Nyala"/>
+        <a:font script="Beng" typeface="Vrinda"/>
+        <a:font script="Gujr" typeface="Shruti"/>
+        <a:font script="Khmr" typeface="MoolBoran"/>
+        <a:font script="Knda" typeface="Tunga"/>
+        <a:font script="Guru" typeface="Raavi"/>
+        <a:font script="Cans" typeface="Euphemia"/>
+        <a:font script="Cher" typeface="Plantagenet Cherokee"/>
+        <a:font script="Yiii" typeface="Microsoft Yi Baiti"/>
+        <a:font script="Tibt" typeface="Microsoft Himalaya"/>
+        <a:font script="Thaa" typeface="MV Boli"/>
+        <a:font script="Deva" typeface="Mangal"/>
+        <a:font script="Telu" typeface="Gautami"/>
+        <a:font script="Taml" typeface="Latha"/>
+        <a:font script="Syrc" typeface="Estrangelo Edessa"/>
+        <a:font script="Orya" typeface="Kalinga"/>
+        <a:font script="Mlym" typeface="Kartika"/>
+        <a:font script="Laoo" typeface="DokChampa"/>
+        <a:font script="Sinh" typeface="Iskoola Pota"/>
+        <a:font script="Mong" typeface="Mongolian Baiti"/>
+        <a:font script="Viet" typeface="Times New Roman"/>
+        <a:font script="Uigh" typeface="Microsoft Uighur"/>
+        <a:font script="Geor" typeface="Sylfaen"/>
+      </a:majorFont>
+      <a:minorFont>
+        <a:latin typeface="Arial"/>
+        <a:ea typeface=""/>
+        <a:cs typeface=""/>
+        <a:font script="Jpan" typeface="ＭＳ Ｐゴシック"/>
+        <a:font script="Hang" typeface="맑은 고딕"/>
+        <a:font script="Hans" typeface="宋体"/>
+        <a:font script="Hant" typeface="新細明體"/>
+        <a:font script="Arab" typeface="Arial"/>
+        <a:font script="Hebr" typeface="Arial"/>
+        <a:font script="Thai" typeface="Cordia New"/>
+        <a:font script="Ethi" typeface="Nyala"/>
+        <a:font script="Beng" typeface="Vrinda"/>
+        <a:font script="Gujr" typeface="Shruti"/>
+        <a:font script="Khmr" typeface="DaunPenh"/>
+        <a:font script="Knda" typeface="Tunga"/>
+        <a:font script="Guru" typeface="Raavi"/>
+        <a:font script="Cans" typeface="Euphemia"/>
+        <a:font script="Cher" typeface="Plantagenet Cherokee"/>
+        <a:font script="Yiii" typeface="Microsoft Yi Baiti"/>
+        <a:font script="Tibt" typeface="Microsoft Himalaya"/>
+        <a:font script="Thaa" typeface="MV Boli"/>
+        <a:font script="Deva" typeface="Mangal"/>
+        <a:font script="Telu" typeface="Gautami"/>
+        <a:font script="Taml" typeface="Latha"/>
+        <a:font script="Syrc" typeface="Estrangelo Edessa"/>
+        <a:font script="Orya" typeface="Kalinga"/>
+        <a:font script="Mlym" typeface="Kartika"/>
+        <a:font script="Laoo" typeface="DokChampa"/>
+        <a:font script="Sinh" typeface="Iskoola Pota"/>
+        <a:font script="Mong" typeface="Mongolian Baiti"/>
+        <a:font script="Viet" typeface="Arial"/>
+        <a:font script="Uigh" typeface="Microsoft Uighur"/>
+        <a:font script="Geor" typeface="Sylfaen"/>
+      </a:minorFont>
+    </a:fontScheme>
+    <a:fmtScheme name="Office">
+      <a:fillStyleLst>
+        <a:solidFill>
+          <a:schemeClr val="phClr"/>
+        </a:solidFill>
+        <a:gradFill rotWithShape="1">
+          <a:gsLst>
+            <a:gs pos="0">
+              <a:schemeClr val="phClr">
+                <a:tint val="50000"/>
+                <a:satMod val="300000"/>
+              </a:schemeClr>
+            </a:gs>
+            <a:gs pos="35000">
+              <a:schemeClr val="phClr">
+                <a:tint val="37000"/>
+                <a:satMod val="300000"/>
+              </a:schemeClr>
+            </a:gs>
+            <a:gs pos="100000">
+              <a:schemeClr val="phClr">
+                <a:tint val="15000"/>
+                <a:satMod val="350000"/>
+              </a:schemeClr>
+            </a:gs>
+          </a:gsLst>
+          <a:lin ang="16200000" scaled="1"/>
+        </a:gradFill>
+        <a:gradFill rotWithShape="1">
+          <a:gsLst>
+            <a:gs pos="0">
+              <a:schemeClr val="phClr">
+                <a:tint val="100000"/>
+                <a:shade val="100000"/>
+                <a:satMod val="130000"/>
+              </a:schemeClr>
+            </a:gs>
+            <a:gs pos="100000">
+              <a:schemeClr val="phClr">
+                <a:tint val="50000"/>
+                <a:shade val="100000"/>
+                <a:satMod val="350000"/>
+              </a:schemeClr>
+            </a:gs>
+          </a:gsLst>
+          <a:lin ang="16200000" scaled="0"/>
+        </a:gradFill>
+      </a:fillStyleLst>
+      <a:lnStyleLst>
+        <a:ln w="9525" cap="flat" cmpd="sng" algn="ctr">
+          <a:solidFill>
+            <a:schemeClr val="phClr">
+              <a:shade val="95000"/>
+              <a:satMod val="105000"/>
+            </a:schemeClr>
+          </a:solidFill>
+          <a:prstDash val="solid"/>
+        </a:ln>
+        <a:ln w="25400" cap="flat" cmpd="sng" algn="ctr">
+          <a:solidFill>
+            <a:schemeClr val="phClr"/>
+          </a:solidFill>
+          <a:prstDash val="solid"/>
+        </a:ln>
+        <a:ln w="38100" cap="flat" cmpd="sng" algn="ctr">
+          <a:solidFill>
+            <a:schemeClr val="phClr"/>
+          </a:solidFill>
+          <a:prstDash val="solid"/>
+        </a:ln>
+      </a:lnStyleLst>
+      <a:effectStyleLst>
+        <a:effectStyle>
+          <a:effectLst>
+            <a:outerShdw blurRad="40000" dist="20000" dir="5400000" rotWithShape="0">
+              <a:srgbClr val="000000">
+                <a:alpha val="38000"/>
+              </a:srgbClr>
+            </a:outerShdw>
+          </a:effectLst>
+        </a:effectStyle>
+        <a:effectStyle>
+          <a:effectLst>
+            <a:outerShdw blurRad="40000" dist="23000" dir="5400000" rotWithShape="0">
+              <a:srgbClr val="000000">
+                <a:alpha val="35000"/>
+              </a:srgbClr>
+            </a:outerShdw>
+          </a:effectLst>
+        </a:effectStyle>
+        <a:effectStyle>
+          <a:effectLst>
+            <a:outerShdw blurRad="40000" dist="23000" dir="5400000" rotWithShape="0">
+              <a:srgbClr val="000000">
+                <a:alpha val="35000"/>
+              </a:srgbClr>
+            </a:outerShdw>
+          </a:effectLst>
+          <a:scene3d>
+            <a:camera prst="orthographicFront">
+              <a:rot lat="0" lon="0" rev="0"/>
+            </a:camera>
+            <a:lightRig rig="threePt" dir="t">
+              <a:rot lat="0" lon="0" rev="1200000"/>
+            </a:lightRig>
+          </a:scene3d>
+          <a:sp3d>
+            <a:bevelT w="63500" h="25400"/>
+          </a:sp3d>
+        </a:effectStyle>
+      </a:effectStyleLst>
+      <a:bgFillStyleLst>
+        <a:solidFill>
+          <a:schemeClr val="phClr"/>
+        </a:solidFill>
+        <a:gradFill rotWithShape="1">
+          <a:gsLst>
+            <a:gs pos="0">
+              <a:schemeClr val="phClr">
+                <a:tint val="40000"/>
+                <a:satMod val="350000"/>
+              </a:schemeClr>
+            </a:gs>
+            <a:gs pos="40000">
+              <a:schemeClr val="phClr">
+                <a:tint val="45000"/>
+                <a:shade val="99000"/>
+                <a:satMod val="350000"/>
+              </a:schemeClr>
+            </a:gs>
+            <a:gs pos="100000">
+              <a:schemeClr val="phClr">
+                <a:shade val="20000"/>
+                <a:satMod val="255000"/>
+              </a:schemeClr>
+            </a:gs>
+          </a:gsLst>
+          <a:path path="circle">
+            <a:fillToRect l="50000" t="-80000" r="50000" b="180000"/>
+          </a:path>
+        </a:gradFill>
+        <a:gradFill rotWithShape="1">
+          <a:gsLst>
+            <a:gs pos="0">
+              <a:schemeClr val="phClr">
+                <a:tint val="80000"/>
+                <a:satMod val="300000"/>
+              </a:schemeClr>
+            </a:gs>
+            <a:gs pos="100000">
+              <a:schemeClr val="phClr">
+                <a:shade val="30000"/>
+                <a:satMod val="200000"/>
+              </a:schemeClr>
+            </a:gs>
+          </a:gsLst>
+          <a:path path="circle">
+            <a:fillToRect l="50000" t="50000" r="50000" b="50000"/>
+          </a:path>
+        </a:gradFill>
+      </a:bgFillStyleLst>
+    </a:fmtScheme>
+  </a:themeElements>
+  <a:objectDefaults/>
+  <a:extraClrSchemeLst/>
+</a:theme>
+</file>
+
+<file path=ppt/theme/theme2.xml><?xml version="1.0" encoding="utf-8"?>
+<a:theme xmlns:a="http://schemas.openxmlformats.org/drawingml/2006/main">
   <a:themeElements>
     <a:clrScheme name="Default">
       <a:dk1>
@@ -9578,284 +9998,7 @@
       </a:bgFillStyleLst>
     </a:fmtScheme>
   </a:themeElements>
-</a:theme>
-</file>
-
-<file path=ppt/theme/theme2.xml><?xml version="1.0" encoding="utf-8"?>
-<a:theme xmlns:a="http://schemas.openxmlformats.org/drawingml/2006/main" xmlns:r="http://schemas.openxmlformats.org/officeDocument/2006/relationships" name="Spearmint">
-  <a:themeElements>
-    <a:clrScheme name="Spearmint">
-      <a:dk1>
-        <a:srgbClr val="202729"/>
-      </a:dk1>
-      <a:lt1>
-        <a:srgbClr val="FFFFFF"/>
-      </a:lt1>
-      <a:dk2>
-        <a:srgbClr val="4BA173"/>
-      </a:dk2>
-      <a:lt2>
-        <a:srgbClr val="63D297"/>
-      </a:lt2>
-      <a:accent1>
-        <a:srgbClr val="353744"/>
-      </a:accent1>
-      <a:accent2>
-        <a:srgbClr val="424242"/>
-      </a:accent2>
-      <a:accent3>
-        <a:srgbClr val="616161"/>
-      </a:accent3>
-      <a:accent4>
-        <a:srgbClr val="999999"/>
-      </a:accent4>
-      <a:accent5>
-        <a:srgbClr val="FF5252"/>
-      </a:accent5>
-      <a:accent6>
-        <a:srgbClr val="FFF176"/>
-      </a:accent6>
-      <a:hlink>
-        <a:srgbClr val="FF5252"/>
-      </a:hlink>
-      <a:folHlink>
-        <a:srgbClr val="FF5252"/>
-      </a:folHlink>
-    </a:clrScheme>
-    <a:fontScheme name="Office">
-      <a:majorFont>
-        <a:latin typeface="Arial"/>
-        <a:ea typeface=""/>
-        <a:cs typeface=""/>
-        <a:font script="Jpan" typeface="ＭＳ Ｐゴシック"/>
-        <a:font script="Hang" typeface="맑은 고딕"/>
-        <a:font script="Hans" typeface="宋体"/>
-        <a:font script="Hant" typeface="新細明體"/>
-        <a:font script="Arab" typeface="Times New Roman"/>
-        <a:font script="Hebr" typeface="Times New Roman"/>
-        <a:font script="Thai" typeface="Angsana New"/>
-        <a:font script="Ethi" typeface="Nyala"/>
-        <a:font script="Beng" typeface="Vrinda"/>
-        <a:font script="Gujr" typeface="Shruti"/>
-        <a:font script="Khmr" typeface="MoolBoran"/>
-        <a:font script="Knda" typeface="Tunga"/>
-        <a:font script="Guru" typeface="Raavi"/>
-        <a:font script="Cans" typeface="Euphemia"/>
-        <a:font script="Cher" typeface="Plantagenet Cherokee"/>
-        <a:font script="Yiii" typeface="Microsoft Yi Baiti"/>
-        <a:font script="Tibt" typeface="Microsoft Himalaya"/>
-        <a:font script="Thaa" typeface="MV Boli"/>
-        <a:font script="Deva" typeface="Mangal"/>
-        <a:font script="Telu" typeface="Gautami"/>
-        <a:font script="Taml" typeface="Latha"/>
-        <a:font script="Syrc" typeface="Estrangelo Edessa"/>
-        <a:font script="Orya" typeface="Kalinga"/>
-        <a:font script="Mlym" typeface="Kartika"/>
-        <a:font script="Laoo" typeface="DokChampa"/>
-        <a:font script="Sinh" typeface="Iskoola Pota"/>
-        <a:font script="Mong" typeface="Mongolian Baiti"/>
-        <a:font script="Viet" typeface="Times New Roman"/>
-        <a:font script="Uigh" typeface="Microsoft Uighur"/>
-        <a:font script="Geor" typeface="Sylfaen"/>
-      </a:majorFont>
-      <a:minorFont>
-        <a:latin typeface="Arial"/>
-        <a:ea typeface=""/>
-        <a:cs typeface=""/>
-        <a:font script="Jpan" typeface="ＭＳ Ｐゴシック"/>
-        <a:font script="Hang" typeface="맑은 고딕"/>
-        <a:font script="Hans" typeface="宋体"/>
-        <a:font script="Hant" typeface="新細明體"/>
-        <a:font script="Arab" typeface="Arial"/>
-        <a:font script="Hebr" typeface="Arial"/>
-        <a:font script="Thai" typeface="Cordia New"/>
-        <a:font script="Ethi" typeface="Nyala"/>
-        <a:font script="Beng" typeface="Vrinda"/>
-        <a:font script="Gujr" typeface="Shruti"/>
-        <a:font script="Khmr" typeface="DaunPenh"/>
-        <a:font script="Knda" typeface="Tunga"/>
-        <a:font script="Guru" typeface="Raavi"/>
-        <a:font script="Cans" typeface="Euphemia"/>
-        <a:font script="Cher" typeface="Plantagenet Cherokee"/>
-        <a:font script="Yiii" typeface="Microsoft Yi Baiti"/>
-        <a:font script="Tibt" typeface="Microsoft Himalaya"/>
-        <a:font script="Thaa" typeface="MV Boli"/>
-        <a:font script="Deva" typeface="Mangal"/>
-        <a:font script="Telu" typeface="Gautami"/>
-        <a:font script="Taml" typeface="Latha"/>
-        <a:font script="Syrc" typeface="Estrangelo Edessa"/>
-        <a:font script="Orya" typeface="Kalinga"/>
-        <a:font script="Mlym" typeface="Kartika"/>
-        <a:font script="Laoo" typeface="DokChampa"/>
-        <a:font script="Sinh" typeface="Iskoola Pota"/>
-        <a:font script="Mong" typeface="Mongolian Baiti"/>
-        <a:font script="Viet" typeface="Arial"/>
-        <a:font script="Uigh" typeface="Microsoft Uighur"/>
-        <a:font script="Geor" typeface="Sylfaen"/>
-      </a:minorFont>
-    </a:fontScheme>
-    <a:fmtScheme name="Office">
-      <a:fillStyleLst>
-        <a:solidFill>
-          <a:schemeClr val="phClr"/>
-        </a:solidFill>
-        <a:gradFill rotWithShape="1">
-          <a:gsLst>
-            <a:gs pos="0">
-              <a:schemeClr val="phClr">
-                <a:tint val="50000"/>
-                <a:satMod val="300000"/>
-              </a:schemeClr>
-            </a:gs>
-            <a:gs pos="35000">
-              <a:schemeClr val="phClr">
-                <a:tint val="37000"/>
-                <a:satMod val="300000"/>
-              </a:schemeClr>
-            </a:gs>
-            <a:gs pos="100000">
-              <a:schemeClr val="phClr">
-                <a:tint val="15000"/>
-                <a:satMod val="350000"/>
-              </a:schemeClr>
-            </a:gs>
-          </a:gsLst>
-          <a:lin ang="16200000" scaled="1"/>
-        </a:gradFill>
-        <a:gradFill rotWithShape="1">
-          <a:gsLst>
-            <a:gs pos="0">
-              <a:schemeClr val="phClr">
-                <a:tint val="100000"/>
-                <a:shade val="100000"/>
-                <a:satMod val="130000"/>
-              </a:schemeClr>
-            </a:gs>
-            <a:gs pos="100000">
-              <a:schemeClr val="phClr">
-                <a:tint val="50000"/>
-                <a:shade val="100000"/>
-                <a:satMod val="350000"/>
-              </a:schemeClr>
-            </a:gs>
-          </a:gsLst>
-          <a:lin ang="16200000" scaled="0"/>
-        </a:gradFill>
-      </a:fillStyleLst>
-      <a:lnStyleLst>
-        <a:ln w="9525" cap="flat" cmpd="sng" algn="ctr">
-          <a:solidFill>
-            <a:schemeClr val="phClr">
-              <a:shade val="95000"/>
-              <a:satMod val="105000"/>
-            </a:schemeClr>
-          </a:solidFill>
-          <a:prstDash val="solid"/>
-        </a:ln>
-        <a:ln w="25400" cap="flat" cmpd="sng" algn="ctr">
-          <a:solidFill>
-            <a:schemeClr val="phClr"/>
-          </a:solidFill>
-          <a:prstDash val="solid"/>
-        </a:ln>
-        <a:ln w="38100" cap="flat" cmpd="sng" algn="ctr">
-          <a:solidFill>
-            <a:schemeClr val="phClr"/>
-          </a:solidFill>
-          <a:prstDash val="solid"/>
-        </a:ln>
-      </a:lnStyleLst>
-      <a:effectStyleLst>
-        <a:effectStyle>
-          <a:effectLst>
-            <a:outerShdw blurRad="40000" dist="20000" dir="5400000" rotWithShape="0">
-              <a:srgbClr val="000000">
-                <a:alpha val="38000"/>
-              </a:srgbClr>
-            </a:outerShdw>
-          </a:effectLst>
-        </a:effectStyle>
-        <a:effectStyle>
-          <a:effectLst>
-            <a:outerShdw blurRad="40000" dist="23000" dir="5400000" rotWithShape="0">
-              <a:srgbClr val="000000">
-                <a:alpha val="35000"/>
-              </a:srgbClr>
-            </a:outerShdw>
-          </a:effectLst>
-        </a:effectStyle>
-        <a:effectStyle>
-          <a:effectLst>
-            <a:outerShdw blurRad="40000" dist="23000" dir="5400000" rotWithShape="0">
-              <a:srgbClr val="000000">
-                <a:alpha val="35000"/>
-              </a:srgbClr>
-            </a:outerShdw>
-          </a:effectLst>
-          <a:scene3d>
-            <a:camera prst="orthographicFront">
-              <a:rot lat="0" lon="0" rev="0"/>
-            </a:camera>
-            <a:lightRig rig="threePt" dir="t">
-              <a:rot lat="0" lon="0" rev="1200000"/>
-            </a:lightRig>
-          </a:scene3d>
-          <a:sp3d>
-            <a:bevelT w="63500" h="25400"/>
-          </a:sp3d>
-        </a:effectStyle>
-      </a:effectStyleLst>
-      <a:bgFillStyleLst>
-        <a:solidFill>
-          <a:schemeClr val="phClr"/>
-        </a:solidFill>
-        <a:gradFill rotWithShape="1">
-          <a:gsLst>
-            <a:gs pos="0">
-              <a:schemeClr val="phClr">
-                <a:tint val="40000"/>
-                <a:satMod val="350000"/>
-              </a:schemeClr>
-            </a:gs>
-            <a:gs pos="40000">
-              <a:schemeClr val="phClr">
-                <a:tint val="45000"/>
-                <a:shade val="99000"/>
-                <a:satMod val="350000"/>
-              </a:schemeClr>
-            </a:gs>
-            <a:gs pos="100000">
-              <a:schemeClr val="phClr">
-                <a:shade val="20000"/>
-                <a:satMod val="255000"/>
-              </a:schemeClr>
-            </a:gs>
-          </a:gsLst>
-          <a:path path="circle">
-            <a:fillToRect l="50000" t="-80000" r="50000" b="180000"/>
-          </a:path>
-        </a:gradFill>
-        <a:gradFill rotWithShape="1">
-          <a:gsLst>
-            <a:gs pos="0">
-              <a:schemeClr val="phClr">
-                <a:tint val="80000"/>
-                <a:satMod val="300000"/>
-              </a:schemeClr>
-            </a:gs>
-            <a:gs pos="100000">
-              <a:schemeClr val="phClr">
-                <a:shade val="30000"/>
-                <a:satMod val="200000"/>
-              </a:schemeClr>
-            </a:gs>
-          </a:gsLst>
-          <a:path path="circle">
-            <a:fillToRect l="50000" t="50000" r="50000" b="50000"/>
-          </a:path>
-        </a:gradFill>
-      </a:bgFillStyleLst>
-    </a:fmtScheme>
-  </a:themeElements>
+  <a:objectDefaults/>
+  <a:extraClrSchemeLst/>
 </a:theme>
 </file>
--- a/Popular Flight Destinations - OG.pptx
+++ b/Popular Flight Destinations - OG.pptx
@@ -1063,7 +1063,7 @@
         </p:nvSpPr>
         <p:spPr>
           <a:xfrm>
-            <a:off x="381300" y="685800"/>
+            <a:off x="381000" y="685800"/>
             <a:ext cx="6096000" cy="3429000"/>
           </a:xfrm>
           <a:custGeom>
@@ -8136,10 +8136,14 @@
               <a:buNone/>
             </a:pPr>
             <a:r>
-              <a:rPr lang="en" sz="1200"/>
-              <a:t>Looking at the quarter one data of California’s airport starting points or Origin, we conducted an ANOVA test on the top 5 airports to determine if there were any similarities that could be drawn between the number of passengers per entry and the starting point.</a:t>
+              <a:rPr lang="en" sz="1200" dirty="0"/>
+              <a:t>Looking at the quarter one data of California’s airport starting points or Origin, we conducted an ANOVA test on the top 5 airports to determine if there were any similarities </a:t>
             </a:r>
-            <a:endParaRPr sz="1200"/>
+            <a:r>
+              <a:rPr lang="en-US" sz="1200" dirty="0"/>
+              <a:t>in total passenger means.</a:t>
+            </a:r>
+            <a:endParaRPr sz="1200" dirty="0"/>
           </a:p>
           <a:p>
             <a:pPr marL="0" lvl="0" indent="0" algn="l" rtl="0">
@@ -8152,10 +8156,18 @@
               <a:buNone/>
             </a:pPr>
             <a:r>
-              <a:rPr lang="en" sz="1200"/>
-              <a:t>With a p-value of approximately 4.1, we can say that there is no real correlation between the number of passengers per entry and the starting point.</a:t>
+              <a:rPr lang="en" sz="1200" dirty="0"/>
+              <a:t>With a p-value of approximately 4.1, we can say that there </a:t>
             </a:r>
-            <a:endParaRPr sz="1200"/>
+            <a:r>
+              <a:rPr lang="en-US" sz="1200" dirty="0"/>
+              <a:t>are similarities in the total passenger means for these </a:t>
+            </a:r>
+            <a:r>
+              <a:rPr lang="en-US" sz="1200"/>
+              <a:t>5 airports.</a:t>
+            </a:r>
+            <a:endParaRPr sz="1200" dirty="0"/>
           </a:p>
           <a:p>
             <a:pPr marL="0" lvl="0" indent="0" algn="l" rtl="0">
@@ -8167,7 +8179,7 @@
               </a:spcAft>
               <a:buNone/>
             </a:pPr>
-            <a:endParaRPr sz="1200"/>
+            <a:endParaRPr sz="1200" dirty="0"/>
           </a:p>
         </p:txBody>
       </p:sp>
